--- a/lectures/week_4_philosophy/le4_statistical_philosophy.pptx
+++ b/lectures/week_4_philosophy/le4_statistical_philosophy.pptx
@@ -11,14 +11,14 @@
     <p:sldId id="256" r:id="rId2"/>
     <p:sldId id="304" r:id="rId3"/>
     <p:sldId id="305" r:id="rId4"/>
-    <p:sldId id="257" r:id="rId5"/>
-    <p:sldId id="270" r:id="rId6"/>
-    <p:sldId id="260" r:id="rId7"/>
-    <p:sldId id="258" r:id="rId8"/>
-    <p:sldId id="261" r:id="rId9"/>
-    <p:sldId id="263" r:id="rId10"/>
-    <p:sldId id="264" r:id="rId11"/>
-    <p:sldId id="265" r:id="rId12"/>
+    <p:sldId id="309" r:id="rId5"/>
+    <p:sldId id="257" r:id="rId6"/>
+    <p:sldId id="270" r:id="rId7"/>
+    <p:sldId id="260" r:id="rId8"/>
+    <p:sldId id="306" r:id="rId9"/>
+    <p:sldId id="307" r:id="rId10"/>
+    <p:sldId id="308" r:id="rId11"/>
+    <p:sldId id="258" r:id="rId12"/>
     <p:sldId id="262" r:id="rId13"/>
     <p:sldId id="266" r:id="rId14"/>
     <p:sldId id="267" r:id="rId15"/>
@@ -251,7 +251,7 @@
           <a:p>
             <a:fld id="{32295A16-C907-924E-9309-D28CB357FA15}" type="datetimeFigureOut">
               <a:rPr lang="en-US" smtClean="0"/>
-              <a:t>2/11/20</a:t>
+              <a:t>2/9/21</a:t>
             </a:fld>
             <a:endParaRPr lang="en-US"/>
           </a:p>
@@ -518,6 +518,149 @@
 </p:notesMaster>
 </file>
 
+<file path=ppt/notesSlides/notesSlide1.xml><?xml version="1.0" encoding="utf-8"?>
+<p:notes xmlns:a="http://schemas.openxmlformats.org/drawingml/2006/main" xmlns:r="http://schemas.openxmlformats.org/officeDocument/2006/relationships" xmlns:p="http://schemas.openxmlformats.org/presentationml/2006/main">
+  <p:cSld>
+    <p:spTree>
+      <p:nvGrpSpPr>
+        <p:cNvPr id="1" name=""/>
+        <p:cNvGrpSpPr/>
+        <p:nvPr/>
+      </p:nvGrpSpPr>
+      <p:grpSpPr>
+        <a:xfrm>
+          <a:off x="0" y="0"/>
+          <a:ext cx="0" cy="0"/>
+          <a:chOff x="0" y="0"/>
+          <a:chExt cx="0" cy="0"/>
+        </a:xfrm>
+      </p:grpSpPr>
+      <p:sp>
+        <p:nvSpPr>
+          <p:cNvPr id="2" name="Slide Image Placeholder 1"/>
+          <p:cNvSpPr>
+            <a:spLocks noGrp="1" noRot="1" noChangeAspect="1"/>
+          </p:cNvSpPr>
+          <p:nvPr>
+            <p:ph type="sldImg"/>
+          </p:nvPr>
+        </p:nvSpPr>
+        <p:spPr/>
+      </p:sp>
+      <p:sp>
+        <p:nvSpPr>
+          <p:cNvPr id="3" name="Notes Placeholder 2"/>
+          <p:cNvSpPr>
+            <a:spLocks noGrp="1"/>
+          </p:cNvSpPr>
+          <p:nvPr>
+            <p:ph type="body" idx="1"/>
+          </p:nvPr>
+        </p:nvSpPr>
+        <p:spPr/>
+        <p:txBody>
+          <a:bodyPr/>
+          <a:lstStyle/>
+          <a:p>
+            <a:r>
+              <a:rPr lang="en-US" dirty="0"/>
+              <a:t>http://</a:t>
+            </a:r>
+            <a:r>
+              <a:rPr lang="en-US" dirty="0" err="1"/>
+              <a:t>biometry.github.io</a:t>
+            </a:r>
+            <a:r>
+              <a:rPr lang="en-US" dirty="0"/>
+              <a:t>/APES//</a:t>
+            </a:r>
+            <a:r>
+              <a:rPr lang="en-US" dirty="0" err="1"/>
+              <a:t>LectureNotes</a:t>
+            </a:r>
+            <a:r>
+              <a:rPr lang="en-US" dirty="0"/>
+              <a:t>/</a:t>
+            </a:r>
+            <a:r>
+              <a:rPr lang="en-US" dirty="0" err="1"/>
+              <a:t>StatsCafe</a:t>
+            </a:r>
+            <a:r>
+              <a:rPr lang="en-US" dirty="0"/>
+              <a:t>/</a:t>
+            </a:r>
+            <a:r>
+              <a:rPr lang="en-US" dirty="0" err="1"/>
+              <a:t>Linear_models_jags.html</a:t>
+            </a:r>
+            <a:r>
+              <a:rPr lang="en-US" dirty="0"/>
+              <a:t>; https://</a:t>
+            </a:r>
+            <a:r>
+              <a:rPr lang="en-US" dirty="0" err="1"/>
+              <a:t>theoreticalecology.wordpress.com</a:t>
+            </a:r>
+            <a:r>
+              <a:rPr lang="en-US" dirty="0"/>
+              <a:t>/2010/09/17/metropolis-</a:t>
+            </a:r>
+            <a:r>
+              <a:rPr lang="en-US" dirty="0" err="1"/>
+              <a:t>hastings</a:t>
+            </a:r>
+            <a:r>
+              <a:rPr lang="en-US" dirty="0"/>
+              <a:t>-</a:t>
+            </a:r>
+            <a:r>
+              <a:rPr lang="en-US" dirty="0" err="1"/>
+              <a:t>mcmc</a:t>
+            </a:r>
+            <a:r>
+              <a:rPr lang="en-US" dirty="0"/>
+              <a:t>-in-r/</a:t>
+            </a:r>
+          </a:p>
+        </p:txBody>
+      </p:sp>
+      <p:sp>
+        <p:nvSpPr>
+          <p:cNvPr id="4" name="Slide Number Placeholder 3"/>
+          <p:cNvSpPr>
+            <a:spLocks noGrp="1"/>
+          </p:cNvSpPr>
+          <p:nvPr>
+            <p:ph type="sldNum" sz="quarter" idx="5"/>
+          </p:nvPr>
+        </p:nvSpPr>
+        <p:spPr/>
+        <p:txBody>
+          <a:bodyPr/>
+          <a:lstStyle/>
+          <a:p>
+            <a:fld id="{5FE30E6E-F7EB-0245-AF70-3D1BBC963643}" type="slidenum">
+              <a:rPr lang="en-US" smtClean="0"/>
+              <a:t>10</a:t>
+            </a:fld>
+            <a:endParaRPr lang="en-US"/>
+          </a:p>
+        </p:txBody>
+      </p:sp>
+    </p:spTree>
+    <p:extLst>
+      <p:ext uri="{BB962C8B-B14F-4D97-AF65-F5344CB8AC3E}">
+        <p14:creationId xmlns:p14="http://schemas.microsoft.com/office/powerpoint/2010/main" val="2849284789"/>
+      </p:ext>
+    </p:extLst>
+  </p:cSld>
+  <p:clrMapOvr>
+    <a:masterClrMapping/>
+  </p:clrMapOvr>
+</p:notes>
+</file>
+
 <file path=ppt/slideLayouts/slideLayout1.xml><?xml version="1.0" encoding="utf-8"?>
 <p:sldLayout xmlns:a="http://schemas.openxmlformats.org/drawingml/2006/main" xmlns:r="http://schemas.openxmlformats.org/officeDocument/2006/relationships" xmlns:p="http://schemas.openxmlformats.org/presentationml/2006/main" type="title" preserve="1">
   <p:cSld name="Title Slide">
@@ -647,7 +790,7 @@
           <a:p>
             <a:fld id="{367CFA25-B096-7943-A865-C4385416DEAE}" type="datetimeFigureOut">
               <a:rPr lang="en-US" smtClean="0"/>
-              <a:t>2/11/20</a:t>
+              <a:t>2/9/21</a:t>
             </a:fld>
             <a:endParaRPr lang="en-US"/>
           </a:p>
@@ -815,7 +958,7 @@
           <a:p>
             <a:fld id="{367CFA25-B096-7943-A865-C4385416DEAE}" type="datetimeFigureOut">
               <a:rPr lang="en-US" smtClean="0"/>
-              <a:t>2/11/20</a:t>
+              <a:t>2/9/21</a:t>
             </a:fld>
             <a:endParaRPr lang="en-US"/>
           </a:p>
@@ -993,7 +1136,7 @@
           <a:p>
             <a:fld id="{367CFA25-B096-7943-A865-C4385416DEAE}" type="datetimeFigureOut">
               <a:rPr lang="en-US" smtClean="0"/>
-              <a:t>2/11/20</a:t>
+              <a:t>2/9/21</a:t>
             </a:fld>
             <a:endParaRPr lang="en-US"/>
           </a:p>
@@ -1161,7 +1304,7 @@
           <a:p>
             <a:fld id="{367CFA25-B096-7943-A865-C4385416DEAE}" type="datetimeFigureOut">
               <a:rPr lang="en-US" smtClean="0"/>
-              <a:t>2/11/20</a:t>
+              <a:t>2/9/21</a:t>
             </a:fld>
             <a:endParaRPr lang="en-US"/>
           </a:p>
@@ -1406,7 +1549,7 @@
           <a:p>
             <a:fld id="{367CFA25-B096-7943-A865-C4385416DEAE}" type="datetimeFigureOut">
               <a:rPr lang="en-US" smtClean="0"/>
-              <a:t>2/11/20</a:t>
+              <a:t>2/9/21</a:t>
             </a:fld>
             <a:endParaRPr lang="en-US"/>
           </a:p>
@@ -1635,7 +1778,7 @@
           <a:p>
             <a:fld id="{367CFA25-B096-7943-A865-C4385416DEAE}" type="datetimeFigureOut">
               <a:rPr lang="en-US" smtClean="0"/>
-              <a:t>2/11/20</a:t>
+              <a:t>2/9/21</a:t>
             </a:fld>
             <a:endParaRPr lang="en-US"/>
           </a:p>
@@ -1999,7 +2142,7 @@
           <a:p>
             <a:fld id="{367CFA25-B096-7943-A865-C4385416DEAE}" type="datetimeFigureOut">
               <a:rPr lang="en-US" smtClean="0"/>
-              <a:t>2/11/20</a:t>
+              <a:t>2/9/21</a:t>
             </a:fld>
             <a:endParaRPr lang="en-US"/>
           </a:p>
@@ -2116,7 +2259,7 @@
           <a:p>
             <a:fld id="{367CFA25-B096-7943-A865-C4385416DEAE}" type="datetimeFigureOut">
               <a:rPr lang="en-US" smtClean="0"/>
-              <a:t>2/11/20</a:t>
+              <a:t>2/9/21</a:t>
             </a:fld>
             <a:endParaRPr lang="en-US"/>
           </a:p>
@@ -2211,7 +2354,7 @@
           <a:p>
             <a:fld id="{367CFA25-B096-7943-A865-C4385416DEAE}" type="datetimeFigureOut">
               <a:rPr lang="en-US" smtClean="0"/>
-              <a:t>2/11/20</a:t>
+              <a:t>2/9/21</a:t>
             </a:fld>
             <a:endParaRPr lang="en-US"/>
           </a:p>
@@ -2486,7 +2629,7 @@
           <a:p>
             <a:fld id="{367CFA25-B096-7943-A865-C4385416DEAE}" type="datetimeFigureOut">
               <a:rPr lang="en-US" smtClean="0"/>
-              <a:t>2/11/20</a:t>
+              <a:t>2/9/21</a:t>
             </a:fld>
             <a:endParaRPr lang="en-US"/>
           </a:p>
@@ -2738,7 +2881,7 @@
           <a:p>
             <a:fld id="{367CFA25-B096-7943-A865-C4385416DEAE}" type="datetimeFigureOut">
               <a:rPr lang="en-US" smtClean="0"/>
-              <a:t>2/11/20</a:t>
+              <a:t>2/9/21</a:t>
             </a:fld>
             <a:endParaRPr lang="en-US"/>
           </a:p>
@@ -2949,7 +3092,7 @@
           <a:p>
             <a:fld id="{367CFA25-B096-7943-A865-C4385416DEAE}" type="datetimeFigureOut">
               <a:rPr lang="en-US" smtClean="0"/>
-              <a:t>2/11/20</a:t>
+              <a:t>2/9/21</a:t>
             </a:fld>
             <a:endParaRPr lang="en-US"/>
           </a:p>
@@ -3432,7 +3575,13 @@
       </p:grpSpPr>
       <p:sp>
         <p:nvSpPr>
-          <p:cNvPr id="2" name="Title 1"/>
+          <p:cNvPr id="2" name="Title 1">
+            <a:extLst>
+              <a:ext uri="{FF2B5EF4-FFF2-40B4-BE49-F238E27FC236}">
+                <a16:creationId xmlns:a16="http://schemas.microsoft.com/office/drawing/2014/main" id="{A5D5996F-02E6-C143-9CC8-61AA70E6E023}"/>
+              </a:ext>
+            </a:extLst>
+          </p:cNvPr>
           <p:cNvSpPr>
             <a:spLocks noGrp="1"/>
           </p:cNvSpPr>
@@ -3447,14 +3596,20 @@
           <a:p>
             <a:r>
               <a:rPr lang="en-US" dirty="0"/>
-              <a:t>Vitamin A</a:t>
-            </a:r>
-          </a:p>
-        </p:txBody>
-      </p:sp>
-      <p:sp>
-        <p:nvSpPr>
-          <p:cNvPr id="3" name="Content Placeholder 2"/>
+              <a:t>Merging mathematical models with statistics</a:t>
+            </a:r>
+          </a:p>
+        </p:txBody>
+      </p:sp>
+      <p:sp>
+        <p:nvSpPr>
+          <p:cNvPr id="3" name="Content Placeholder 2">
+            <a:extLst>
+              <a:ext uri="{FF2B5EF4-FFF2-40B4-BE49-F238E27FC236}">
+                <a16:creationId xmlns:a16="http://schemas.microsoft.com/office/drawing/2014/main" id="{7E1BA5BB-F412-4049-8AB7-B053373A830E}"/>
+              </a:ext>
+            </a:extLst>
+          </p:cNvPr>
           <p:cNvSpPr>
             <a:spLocks noGrp="1"/>
           </p:cNvSpPr>
@@ -3464,12 +3619,14 @@
         </p:nvSpPr>
         <p:spPr/>
         <p:txBody>
-          <a:bodyPr/>
-          <a:lstStyle/>
-          <a:p>
-            <a:r>
-              <a:rPr lang="en-US" dirty="0"/>
-              <a:t>We measure the average heights of children raised with and without vitamin A supplements</a:t>
+          <a:bodyPr>
+            <a:normAutofit fontScale="62500" lnSpcReduction="20000"/>
+          </a:bodyPr>
+          <a:lstStyle/>
+          <a:p>
+            <a:r>
+              <a:rPr lang="en-US" dirty="0"/>
+              <a:t>Mathematical models can be fully built and simulated</a:t>
             </a:r>
           </a:p>
           <a:p>
@@ -3478,7 +3635,7 @@
           <a:p>
             <a:r>
               <a:rPr lang="en-US" dirty="0"/>
-              <a:t>Estimate: How much taller are the treated children, on average?</a:t>
+              <a:t>Determining the accuracy of a mathematical model usually requires statistics!</a:t>
             </a:r>
           </a:p>
           <a:p>
@@ -3487,16 +3644,88 @@
           <a:p>
             <a:r>
               <a:rPr lang="en-US" dirty="0"/>
-              <a:t>Confirmation: The supplements make children taller. </a:t>
-            </a:r>
-          </a:p>
-          <a:p>
+              <a:t>“Model fitting” or “Model inference” is the term used for this blend</a:t>
+            </a:r>
+          </a:p>
+          <a:p>
+            <a:r>
+              <a:rPr lang="en-US" dirty="0"/>
+              <a:t>Can be done in either Bayesian or Frequentist framework</a:t>
+            </a:r>
+          </a:p>
+          <a:p>
+            <a:pPr lvl="1"/>
+            <a:r>
+              <a:rPr lang="en-US" dirty="0"/>
+              <a:t>Guess a value for a parameter</a:t>
+            </a:r>
+          </a:p>
+          <a:p>
+            <a:pPr lvl="1"/>
+            <a:r>
+              <a:rPr lang="en-US" dirty="0"/>
+              <a:t>Simulate model based on guessed values</a:t>
+            </a:r>
+          </a:p>
+          <a:p>
+            <a:pPr lvl="1"/>
+            <a:r>
+              <a:rPr lang="en-US" dirty="0"/>
+              <a:t>Get an outcome (maybe # of individuals infected)</a:t>
+            </a:r>
+          </a:p>
+          <a:p>
+            <a:pPr lvl="1"/>
+            <a:r>
+              <a:rPr lang="en-US" dirty="0"/>
+              <a:t>Compare simulated outcome to real outcome, calculate error</a:t>
+            </a:r>
+          </a:p>
+          <a:p>
+            <a:pPr lvl="1"/>
+            <a:r>
+              <a:rPr lang="en-US" dirty="0"/>
+              <a:t>Based on error, make a new guess</a:t>
+            </a:r>
+            <a:br>
+              <a:rPr lang="en-US" dirty="0"/>
+            </a:br>
             <a:endParaRPr lang="en-US" dirty="0"/>
           </a:p>
           <a:p>
             <a:r>
               <a:rPr lang="en-US" dirty="0"/>
-              <a:t>Prediction:</a:t>
+              <a:t>Most of the sophisticated fitting algorithms are based on how you choose a guess and how you evaluate the error </a:t>
+            </a:r>
+          </a:p>
+          <a:p>
+            <a:pPr lvl="1"/>
+            <a:r>
+              <a:rPr lang="en-US" dirty="0"/>
+              <a:t>Bayesian – algorithm: Gibbs sampling – function “jags” in R2jags</a:t>
+            </a:r>
+          </a:p>
+          <a:p>
+            <a:pPr lvl="1"/>
+            <a:r>
+              <a:rPr lang="en-US" dirty="0"/>
+              <a:t>Frequentist – algorithm: </a:t>
+            </a:r>
+            <a:r>
+              <a:rPr lang="en-US" dirty="0" err="1"/>
+              <a:t>Nelder</a:t>
+            </a:r>
+            <a:r>
+              <a:rPr lang="en-US" dirty="0"/>
+              <a:t>-Mead - function ”</a:t>
+            </a:r>
+            <a:r>
+              <a:rPr lang="en-US" dirty="0" err="1"/>
+              <a:t>optim</a:t>
+            </a:r>
+            <a:r>
+              <a:rPr lang="en-US" dirty="0"/>
+              <a:t>” in R </a:t>
             </a:r>
           </a:p>
         </p:txBody>
@@ -3504,7 +3733,7 @@
     </p:spTree>
     <p:extLst>
       <p:ext uri="{BB962C8B-B14F-4D97-AF65-F5344CB8AC3E}">
-        <p14:creationId xmlns:p14="http://schemas.microsoft.com/office/powerpoint/2010/main" val="1651181045"/>
+        <p14:creationId xmlns:p14="http://schemas.microsoft.com/office/powerpoint/2010/main" val="2366520096"/>
       </p:ext>
     </p:extLst>
   </p:cSld>
@@ -3548,7 +3777,7 @@
           <a:p>
             <a:r>
               <a:rPr lang="en-US" dirty="0"/>
-              <a:t>Vitamin A</a:t>
+              <a:t>How to use statistics</a:t>
             </a:r>
           </a:p>
         </p:txBody>
@@ -3563,58 +3792,89 @@
             <p:ph idx="1"/>
           </p:nvPr>
         </p:nvSpPr>
-        <p:spPr/>
-        <p:txBody>
-          <a:bodyPr/>
-          <a:lstStyle/>
-          <a:p>
-            <a:r>
-              <a:rPr lang="en-US" dirty="0"/>
-              <a:t>We measure the average heights of children raised with and without vitamin A supplements</a:t>
-            </a:r>
-          </a:p>
-          <a:p>
-            <a:endParaRPr lang="en-US" dirty="0"/>
-          </a:p>
-          <a:p>
-            <a:r>
-              <a:rPr lang="en-US" dirty="0"/>
-              <a:t>Estimate: How much taller are the treated children, on average?</a:t>
-            </a:r>
-          </a:p>
-          <a:p>
-            <a:endParaRPr lang="en-US" dirty="0"/>
-          </a:p>
-          <a:p>
-            <a:r>
-              <a:rPr lang="en-US" dirty="0"/>
-              <a:t>Confirmation: The supplements make children taller. </a:t>
-            </a:r>
-          </a:p>
-          <a:p>
-            <a:endParaRPr lang="en-US" dirty="0"/>
-          </a:p>
-          <a:p>
-            <a:r>
-              <a:rPr lang="en-US" dirty="0"/>
-              <a:t>Prediction: Children give 1 mg/day of </a:t>
-            </a:r>
-            <a:r>
-              <a:rPr lang="en-US" dirty="0" err="1"/>
-              <a:t>Vit</a:t>
-            </a:r>
-            <a:r>
-              <a:rPr lang="en-US" dirty="0"/>
-              <a:t> A will be 4 +/-8 inches taller than children receiving no </a:t>
-            </a:r>
-            <a:r>
-              <a:rPr lang="en-US" dirty="0" err="1"/>
-              <a:t>Vit</a:t>
-            </a:r>
-            <a:r>
-              <a:rPr lang="en-US" dirty="0"/>
-              <a:t> A supplements. </a:t>
-            </a:r>
+        <p:spPr>
+          <a:xfrm>
+            <a:off x="838200" y="1838151"/>
+            <a:ext cx="10515600" cy="4351338"/>
+          </a:xfrm>
+        </p:spPr>
+        <p:txBody>
+          <a:bodyPr/>
+          <a:lstStyle/>
+          <a:p>
+            <a:pPr fontAlgn="auto"/>
+            <a:r>
+              <a:rPr lang="en-US" dirty="0"/>
+              <a:t>We use statistics to confirm effects, estimate parameters, and predict outcomes </a:t>
+            </a:r>
+          </a:p>
+          <a:p>
+            <a:r>
+              <a:rPr lang="en-US" dirty="0"/>
+              <a:t>It usually rains when I’m in Cape Town, but mostly on Sunday. </a:t>
+            </a:r>
+            <a:endParaRPr lang="en-US" dirty="0">
+              <a:effectLst/>
+            </a:endParaRPr>
+          </a:p>
+          <a:p>
+            <a:r>
+              <a:rPr lang="en-US" dirty="0"/>
+              <a:t> </a:t>
+            </a:r>
+            <a:r>
+              <a:rPr lang="en-US" i="1" dirty="0"/>
+              <a:t>Confirmation: </a:t>
+            </a:r>
+            <a:r>
+              <a:rPr lang="en-US" dirty="0"/>
+              <a:t>In Cape Town, it rains more on Sundays than other days </a:t>
+            </a:r>
+            <a:endParaRPr lang="en-US" dirty="0">
+              <a:effectLst/>
+            </a:endParaRPr>
+          </a:p>
+          <a:p>
+            <a:r>
+              <a:rPr lang="en-US" dirty="0"/>
+              <a:t> </a:t>
+            </a:r>
+            <a:r>
+              <a:rPr lang="en-US" i="1" dirty="0"/>
+              <a:t>Estimation: </a:t>
+            </a:r>
+            <a:r>
+              <a:rPr lang="en-US" dirty="0"/>
+              <a:t>In Cape Town, the </a:t>
+            </a:r>
+            <a:r>
+              <a:rPr lang="en-US" i="1" dirty="0"/>
+              <a:t>odds </a:t>
+            </a:r>
+            <a:r>
+              <a:rPr lang="en-US" dirty="0"/>
+              <a:t>of rain on Sunday are 1.6–2.2 times higher than on other days </a:t>
+            </a:r>
+            <a:endParaRPr lang="en-US" dirty="0">
+              <a:effectLst/>
+            </a:endParaRPr>
+          </a:p>
+          <a:p>
+            <a:r>
+              <a:rPr lang="en-US" dirty="0"/>
+              <a:t> </a:t>
+            </a:r>
+            <a:r>
+              <a:rPr lang="en-US" i="1" dirty="0"/>
+              <a:t>Prediction: </a:t>
+            </a:r>
+            <a:r>
+              <a:rPr lang="en-US" dirty="0"/>
+              <a:t>I am confident that it will rain at least one Sunday the next time I travel to Cape Town for 4 weeks</a:t>
+            </a:r>
+            <a:endParaRPr lang="en-US" dirty="0">
+              <a:effectLst/>
+            </a:endParaRPr>
           </a:p>
           <a:p>
             <a:endParaRPr lang="en-US" dirty="0"/>
@@ -3624,7 +3884,7 @@
     </p:spTree>
     <p:extLst>
       <p:ext uri="{BB962C8B-B14F-4D97-AF65-F5344CB8AC3E}">
-        <p14:creationId xmlns:p14="http://schemas.microsoft.com/office/powerpoint/2010/main" val="1422380752"/>
+        <p14:creationId xmlns:p14="http://schemas.microsoft.com/office/powerpoint/2010/main" val="413244071"/>
       </p:ext>
     </p:extLst>
   </p:cSld>
@@ -3707,11 +3967,11 @@
           <a:p>
             <a:r>
               <a:rPr lang="en-US" dirty="0"/>
-              <a:t>We use statistics (like </a:t>
+              <a:t>We use statistics (like confidence intervals, model coefficients/parameters</a:t>
             </a:r>
             <a:r>
               <a:rPr lang="en-US" i="1" dirty="0"/>
-              <a:t>confidence intervals)</a:t>
+              <a:t>)</a:t>
             </a:r>
             <a:r>
               <a:rPr lang="en-US" dirty="0"/>
@@ -7263,7 +7523,13 @@
       </p:grpSpPr>
       <p:sp>
         <p:nvSpPr>
-          <p:cNvPr id="2" name="Title 1"/>
+          <p:cNvPr id="2" name="Title 1">
+            <a:extLst>
+              <a:ext uri="{FF2B5EF4-FFF2-40B4-BE49-F238E27FC236}">
+                <a16:creationId xmlns:a16="http://schemas.microsoft.com/office/drawing/2014/main" id="{861473AE-C073-CF41-8879-457A195831D3}"/>
+              </a:ext>
+            </a:extLst>
+          </p:cNvPr>
           <p:cNvSpPr>
             <a:spLocks noGrp="1"/>
           </p:cNvSpPr>
@@ -7278,14 +7544,20 @@
           <a:p>
             <a:r>
               <a:rPr lang="en-US" dirty="0"/>
-              <a:t>Goals</a:t>
-            </a:r>
-          </a:p>
-        </p:txBody>
-      </p:sp>
-      <p:sp>
-        <p:nvSpPr>
-          <p:cNvPr id="3" name="Content Placeholder 2"/>
+              <a:t>Discussion on Thursday</a:t>
+            </a:r>
+          </a:p>
+        </p:txBody>
+      </p:sp>
+      <p:sp>
+        <p:nvSpPr>
+          <p:cNvPr id="3" name="Content Placeholder 2">
+            <a:extLst>
+              <a:ext uri="{FF2B5EF4-FFF2-40B4-BE49-F238E27FC236}">
+                <a16:creationId xmlns:a16="http://schemas.microsoft.com/office/drawing/2014/main" id="{704B10AF-8058-CB45-8F84-BD7DC770E9EB}"/>
+              </a:ext>
+            </a:extLst>
+          </p:cNvPr>
           <p:cNvSpPr>
             <a:spLocks noGrp="1"/>
           </p:cNvSpPr>
@@ -7296,39 +7568,56 @@
         <p:spPr/>
         <p:txBody>
           <a:bodyPr>
-            <a:normAutofit/>
+            <a:normAutofit lnSpcReduction="10000"/>
           </a:bodyPr>
           <a:lstStyle/>
           <a:p>
             <a:r>
-              <a:rPr lang="en-US" sz="3600" dirty="0"/>
-              <a:t>Articulate some statistical philosophies and describe similarities and differences</a:t>
-            </a:r>
-          </a:p>
-          <a:p>
-            <a:endParaRPr lang="en-US" sz="3600" dirty="0"/>
-          </a:p>
-          <a:p>
-            <a:r>
-              <a:rPr lang="en-US" sz="3600" dirty="0"/>
-              <a:t>Understand P-values and their limitations</a:t>
-            </a:r>
-          </a:p>
-          <a:p>
-            <a:endParaRPr lang="en-US" sz="3600" dirty="0"/>
-          </a:p>
-          <a:p>
-            <a:r>
-              <a:rPr lang="en-US" sz="3600" dirty="0"/>
-              <a:t>Understand effect sizes and their importance</a:t>
-            </a:r>
+              <a:rPr lang="en-US" dirty="0"/>
+              <a:t>Thursday we will have a class discussion</a:t>
+            </a:r>
+          </a:p>
+          <a:p>
+            <a:pPr lvl="1"/>
+            <a:r>
+              <a:rPr lang="en-US" dirty="0"/>
+              <a:t>Please be prepared to speak at least once</a:t>
+            </a:r>
+          </a:p>
+          <a:p>
+            <a:pPr lvl="1"/>
+            <a:r>
+              <a:rPr lang="en-US" dirty="0"/>
+              <a:t>Please turn on your cameras if you can</a:t>
+            </a:r>
+          </a:p>
+          <a:p>
+            <a:endParaRPr lang="en-US" dirty="0"/>
+          </a:p>
+          <a:p>
+            <a:r>
+              <a:rPr lang="en-US" dirty="0"/>
+              <a:t>Please read articles 1-4. They should not be too hard to get through. Think about your own statistical philosophy and be prepared to talk about what statistical inference means to you.</a:t>
+            </a:r>
+          </a:p>
+          <a:p>
+            <a:endParaRPr lang="en-US" dirty="0"/>
+          </a:p>
+          <a:p>
+            <a:r>
+              <a:rPr lang="en-US" dirty="0"/>
+              <a:t>Consider looking through articles 5 -8. Different articles will speak to different people.  </a:t>
+            </a:r>
+          </a:p>
+          <a:p>
+            <a:endParaRPr lang="en-US" dirty="0"/>
           </a:p>
         </p:txBody>
       </p:sp>
     </p:spTree>
     <p:extLst>
       <p:ext uri="{BB962C8B-B14F-4D97-AF65-F5344CB8AC3E}">
-        <p14:creationId xmlns:p14="http://schemas.microsoft.com/office/powerpoint/2010/main" val="392369591"/>
+        <p14:creationId xmlns:p14="http://schemas.microsoft.com/office/powerpoint/2010/main" val="1046764774"/>
       </p:ext>
     </p:extLst>
   </p:cSld>
@@ -7832,7 +8121,7 @@
           <a:p>
             <a:r>
               <a:rPr lang="en-US" dirty="0"/>
-              <a:t>Bayesian: what’s my model world? What is my prior belief about weather-weekday interactions.</a:t>
+              <a:t>Bayesian: what’s my model world? What is my prior belief about weather-weekday interactions?</a:t>
             </a:r>
           </a:p>
           <a:p>
@@ -8164,8 +8453,10 @@
           <a:bodyPr/>
           <a:lstStyle/>
           <a:p>
-            <a:pPr algn="ctr"/>
-            <a:endParaRPr lang="en-US" i="1" dirty="0"/>
+            <a:r>
+              <a:rPr lang="en-US" dirty="0"/>
+              <a:t>Goals</a:t>
+            </a:r>
           </a:p>
         </p:txBody>
       </p:sp>
@@ -8186,29 +8477,35 @@
           </a:bodyPr>
           <a:lstStyle/>
           <a:p>
-            <a:pPr marL="0" indent="0" algn="ctr">
-              <a:buNone/>
-            </a:pPr>
-            <a:r>
-              <a:rPr lang="en-US" sz="5400" i="1" dirty="0"/>
-              <a:t>But you said this class was about </a:t>
-            </a:r>
-            <a:r>
-              <a:rPr lang="en-US" sz="5400" b="1" i="1" dirty="0"/>
-              <a:t>doing</a:t>
-            </a:r>
-            <a:r>
-              <a:rPr lang="en-US" sz="5400" i="1" dirty="0"/>
-              <a:t> things!</a:t>
-            </a:r>
-            <a:endParaRPr lang="en-US" sz="5400" dirty="0"/>
+            <a:r>
+              <a:rPr lang="en-US" sz="3600" dirty="0"/>
+              <a:t>Articulate some statistical philosophies and describe similarities and differences</a:t>
+            </a:r>
+          </a:p>
+          <a:p>
+            <a:endParaRPr lang="en-US" sz="3600" dirty="0"/>
+          </a:p>
+          <a:p>
+            <a:r>
+              <a:rPr lang="en-US" sz="3600" dirty="0"/>
+              <a:t>Understand P-values and their limitations</a:t>
+            </a:r>
+          </a:p>
+          <a:p>
+            <a:endParaRPr lang="en-US" sz="3600" dirty="0"/>
+          </a:p>
+          <a:p>
+            <a:r>
+              <a:rPr lang="en-US" sz="3600" dirty="0"/>
+              <a:t>Understand effect sizes and their importance</a:t>
+            </a:r>
           </a:p>
         </p:txBody>
       </p:sp>
     </p:spTree>
     <p:extLst>
       <p:ext uri="{BB962C8B-B14F-4D97-AF65-F5344CB8AC3E}">
-        <p14:creationId xmlns:p14="http://schemas.microsoft.com/office/powerpoint/2010/main" val="902394033"/>
+        <p14:creationId xmlns:p14="http://schemas.microsoft.com/office/powerpoint/2010/main" val="392369591"/>
       </p:ext>
     </p:extLst>
   </p:cSld>
@@ -8250,10 +8547,8 @@
           <a:bodyPr/>
           <a:lstStyle/>
           <a:p>
-            <a:r>
-              <a:rPr lang="en-US" dirty="0"/>
-              <a:t>Discussion</a:t>
-            </a:r>
+            <a:pPr algn="ctr"/>
+            <a:endParaRPr lang="en-US" i="1" dirty="0"/>
           </a:p>
         </p:txBody>
       </p:sp>
@@ -8274,46 +8569,29 @@
           </a:bodyPr>
           <a:lstStyle/>
           <a:p>
-            <a:r>
-              <a:rPr lang="en-US" sz="3600" dirty="0"/>
-              <a:t>Formulate a hypothesis about your data, and discuss how you would test it statistically.</a:t>
-            </a:r>
-          </a:p>
-          <a:p>
-            <a:endParaRPr lang="en-US" sz="3600" dirty="0"/>
-          </a:p>
-        </p:txBody>
-      </p:sp>
-      <p:sp>
-        <p:nvSpPr>
-          <p:cNvPr id="4" name="TextBox 3"/>
-          <p:cNvSpPr txBox="1"/>
-          <p:nvPr/>
-        </p:nvSpPr>
-        <p:spPr>
-          <a:xfrm>
-            <a:off x="5633357" y="5012871"/>
-            <a:ext cx="184731" cy="369332"/>
-          </a:xfrm>
-          <a:prstGeom prst="rect">
-            <a:avLst/>
-          </a:prstGeom>
-          <a:noFill/>
-        </p:spPr>
-        <p:txBody>
-          <a:bodyPr wrap="none" rtlCol="0">
-            <a:spAutoFit/>
-          </a:bodyPr>
-          <a:lstStyle/>
-          <a:p>
-            <a:endParaRPr lang="en-US" dirty="0"/>
+            <a:pPr marL="0" indent="0" algn="ctr">
+              <a:buNone/>
+            </a:pPr>
+            <a:r>
+              <a:rPr lang="en-US" sz="5400" i="1" dirty="0"/>
+              <a:t>But you said this class was about </a:t>
+            </a:r>
+            <a:r>
+              <a:rPr lang="en-US" sz="5400" b="1" i="1" dirty="0"/>
+              <a:t>doing</a:t>
+            </a:r>
+            <a:r>
+              <a:rPr lang="en-US" sz="5400" i="1" dirty="0"/>
+              <a:t> things!</a:t>
+            </a:r>
+            <a:endParaRPr lang="en-US" sz="5400" dirty="0"/>
           </a:p>
         </p:txBody>
       </p:sp>
     </p:spTree>
     <p:extLst>
       <p:ext uri="{BB962C8B-B14F-4D97-AF65-F5344CB8AC3E}">
-        <p14:creationId xmlns:p14="http://schemas.microsoft.com/office/powerpoint/2010/main" val="1261167362"/>
+        <p14:creationId xmlns:p14="http://schemas.microsoft.com/office/powerpoint/2010/main" val="902394033"/>
       </p:ext>
     </p:extLst>
   </p:cSld>
@@ -8357,7 +8635,7 @@
           <a:p>
             <a:r>
               <a:rPr lang="en-US" dirty="0"/>
-              <a:t>How to use statistics</a:t>
+              <a:t>Discussion</a:t>
             </a:r>
           </a:p>
         </p:txBody>
@@ -8371,91 +8649,45 @@
           <p:nvPr>
             <p:ph idx="1"/>
           </p:nvPr>
+        </p:nvSpPr>
+        <p:spPr/>
+        <p:txBody>
+          <a:bodyPr>
+            <a:normAutofit/>
+          </a:bodyPr>
+          <a:lstStyle/>
+          <a:p>
+            <a:r>
+              <a:rPr lang="en-US" sz="3600" dirty="0"/>
+              <a:t>Formulate a hypothesis about your data, and discuss how you would test it statistically/computationally/mathematically.</a:t>
+            </a:r>
+          </a:p>
+          <a:p>
+            <a:endParaRPr lang="en-US" sz="3600" dirty="0"/>
+          </a:p>
+        </p:txBody>
+      </p:sp>
+      <p:sp>
+        <p:nvSpPr>
+          <p:cNvPr id="4" name="TextBox 3"/>
+          <p:cNvSpPr txBox="1"/>
+          <p:nvPr/>
         </p:nvSpPr>
         <p:spPr>
           <a:xfrm>
-            <a:off x="838200" y="1838151"/>
-            <a:ext cx="10515600" cy="4351338"/>
+            <a:off x="5633357" y="5012871"/>
+            <a:ext cx="184731" cy="369332"/>
           </a:xfrm>
+          <a:prstGeom prst="rect">
+            <a:avLst/>
+          </a:prstGeom>
+          <a:noFill/>
         </p:spPr>
         <p:txBody>
-          <a:bodyPr/>
-          <a:lstStyle/>
-          <a:p>
-            <a:pPr fontAlgn="auto"/>
-            <a:r>
-              <a:rPr lang="en-US" dirty="0"/>
-              <a:t>We use statistics to confirm effects, estimate parameters, and predict outcomes </a:t>
-            </a:r>
-          </a:p>
-          <a:p>
-            <a:r>
-              <a:rPr lang="en-US" dirty="0"/>
-              <a:t>It usually rains when I’m in Cape Town, but mostly on Sunday. </a:t>
-            </a:r>
-            <a:endParaRPr lang="en-US" dirty="0">
-              <a:effectLst/>
-            </a:endParaRPr>
-          </a:p>
-          <a:p>
-            <a:r>
-              <a:rPr lang="en-US" dirty="0"/>
-              <a:t> </a:t>
-            </a:r>
-            <a:r>
-              <a:rPr lang="en-US" i="1" dirty="0"/>
-              <a:t>Confirmation: </a:t>
-            </a:r>
-            <a:r>
-              <a:rPr lang="en-US" dirty="0"/>
-              <a:t>In Cape Town, it rains more on Sundays than other days </a:t>
-            </a:r>
-            <a:endParaRPr lang="en-US" dirty="0">
-              <a:effectLst/>
-            </a:endParaRPr>
-          </a:p>
-          <a:p>
-            <a:r>
-              <a:rPr lang="en-US" dirty="0"/>
-              <a:t> </a:t>
-            </a:r>
-            <a:r>
-              <a:rPr lang="en-US" i="1" dirty="0"/>
-              <a:t>Estimation: </a:t>
-            </a:r>
-            <a:r>
-              <a:rPr lang="en-US" dirty="0"/>
-              <a:t>In Cape Town, the </a:t>
-            </a:r>
-            <a:r>
-              <a:rPr lang="en-US" i="1" dirty="0"/>
-              <a:t>odds </a:t>
-            </a:r>
-            <a:r>
-              <a:rPr lang="en-US" dirty="0"/>
-              <a:t>of rain on Sunday are 1.6–2.2 times higher than on other days </a:t>
-            </a:r>
-            <a:endParaRPr lang="en-US" dirty="0">
-              <a:effectLst/>
-            </a:endParaRPr>
-          </a:p>
-          <a:p>
-            <a:r>
-              <a:rPr lang="en-US" dirty="0"/>
-              <a:t> </a:t>
-            </a:r>
-            <a:r>
-              <a:rPr lang="en-US" i="1" dirty="0"/>
-              <a:t>Prediction: </a:t>
-            </a:r>
-            <a:r>
-              <a:rPr lang="en-US" dirty="0"/>
-              <a:t>I am confident that it will rain at least one Sunday the next time I go </a:t>
-            </a:r>
-            <a:endParaRPr lang="en-US" dirty="0">
-              <a:effectLst/>
-            </a:endParaRPr>
-          </a:p>
+          <a:bodyPr wrap="none" rtlCol="0">
+            <a:spAutoFit/>
+          </a:bodyPr>
+          <a:lstStyle/>
           <a:p>
             <a:endParaRPr lang="en-US" dirty="0"/>
           </a:p>
@@ -8464,7 +8696,7 @@
     </p:spTree>
     <p:extLst>
       <p:ext uri="{BB962C8B-B14F-4D97-AF65-F5344CB8AC3E}">
-        <p14:creationId xmlns:p14="http://schemas.microsoft.com/office/powerpoint/2010/main" val="413244071"/>
+        <p14:creationId xmlns:p14="http://schemas.microsoft.com/office/powerpoint/2010/main" val="1261167362"/>
       </p:ext>
     </p:extLst>
   </p:cSld>
@@ -8493,7 +8725,13 @@
       </p:grpSpPr>
       <p:sp>
         <p:nvSpPr>
-          <p:cNvPr id="2" name="Title 1"/>
+          <p:cNvPr id="2" name="Title 1">
+            <a:extLst>
+              <a:ext uri="{FF2B5EF4-FFF2-40B4-BE49-F238E27FC236}">
+                <a16:creationId xmlns:a16="http://schemas.microsoft.com/office/drawing/2014/main" id="{006BA368-2E92-2A47-B3E4-4DAE0478802C}"/>
+              </a:ext>
+            </a:extLst>
+          </p:cNvPr>
           <p:cNvSpPr>
             <a:spLocks noGrp="1"/>
           </p:cNvSpPr>
@@ -8508,14 +8746,20 @@
           <a:p>
             <a:r>
               <a:rPr lang="en-US" dirty="0"/>
-              <a:t>Vitamin A</a:t>
-            </a:r>
-          </a:p>
-        </p:txBody>
-      </p:sp>
-      <p:sp>
-        <p:nvSpPr>
-          <p:cNvPr id="3" name="Content Placeholder 2"/>
+              <a:t>What is a model?</a:t>
+            </a:r>
+          </a:p>
+        </p:txBody>
+      </p:sp>
+      <p:sp>
+        <p:nvSpPr>
+          <p:cNvPr id="3" name="Content Placeholder 2">
+            <a:extLst>
+              <a:ext uri="{FF2B5EF4-FFF2-40B4-BE49-F238E27FC236}">
+                <a16:creationId xmlns:a16="http://schemas.microsoft.com/office/drawing/2014/main" id="{C046DC34-1BE6-2A4D-8B48-E6E9BF98F5BB}"/>
+              </a:ext>
+            </a:extLst>
+          </p:cNvPr>
           <p:cNvSpPr>
             <a:spLocks noGrp="1"/>
           </p:cNvSpPr>
@@ -8525,39 +8769,95 @@
         </p:nvSpPr>
         <p:spPr/>
         <p:txBody>
-          <a:bodyPr/>
-          <a:lstStyle/>
-          <a:p>
-            <a:r>
-              <a:rPr lang="en-US" dirty="0"/>
-              <a:t>We measure the average heights of children raised with and without vitamin A supplements</a:t>
-            </a:r>
-          </a:p>
-          <a:p>
+          <a:bodyPr>
+            <a:normAutofit lnSpcReduction="10000"/>
+          </a:bodyPr>
+          <a:lstStyle/>
+          <a:p>
+            <a:r>
+              <a:rPr lang="en-US" dirty="0"/>
+              <a:t>Different types of models:</a:t>
+            </a:r>
+          </a:p>
+          <a:p>
+            <a:pPr lvl="1"/>
+            <a:r>
+              <a:rPr lang="en-US" dirty="0"/>
+              <a:t>A </a:t>
+            </a:r>
+            <a:r>
+              <a:rPr lang="en-US" b="1" dirty="0"/>
+              <a:t>mathematical/computational model </a:t>
+            </a:r>
+            <a:r>
+              <a:rPr lang="en-US" dirty="0"/>
+              <a:t>is an abstract model that uses mathematical language to describe the behavior of a system</a:t>
+            </a:r>
+          </a:p>
+          <a:p>
+            <a:pPr lvl="2"/>
+            <a:r>
+              <a:rPr lang="en-US" dirty="0"/>
+              <a:t>Techniques vary, but often formulated using ODEs or PDEs</a:t>
+            </a:r>
+          </a:p>
+          <a:p>
+            <a:pPr lvl="3"/>
+            <a:r>
+              <a:rPr lang="en-US" dirty="0"/>
+              <a:t>Examples: predator-prey models, species competition models, SIR models</a:t>
+            </a:r>
+          </a:p>
+          <a:p>
+            <a:pPr lvl="3"/>
+            <a:r>
+              <a:rPr lang="en-US" dirty="0"/>
+              <a:t>Resources: A Biologists Guide to Mathematical Modeling – Otto &amp; Day; Math-Bio grad class in Math Dept (MAT 5516, alternately taught by Childs, Saucedo, or </a:t>
+            </a:r>
+            <a:r>
+              <a:rPr lang="en-US" dirty="0" err="1"/>
+              <a:t>Ciupe</a:t>
+            </a:r>
+            <a:r>
+              <a:rPr lang="en-US" dirty="0"/>
+              <a:t>)</a:t>
+            </a:r>
+          </a:p>
+          <a:p>
+            <a:pPr lvl="2"/>
             <a:endParaRPr lang="en-US" dirty="0"/>
           </a:p>
           <a:p>
-            <a:r>
-              <a:rPr lang="en-US" dirty="0"/>
-              <a:t>Estimate:</a:t>
-            </a:r>
-          </a:p>
-          <a:p>
+            <a:pPr lvl="1"/>
+            <a:r>
+              <a:rPr lang="en-US" dirty="0"/>
+              <a:t>A </a:t>
+            </a:r>
+            <a:r>
+              <a:rPr lang="en-US" b="1" dirty="0"/>
+              <a:t>statistical model</a:t>
+            </a:r>
+            <a:r>
+              <a:rPr lang="en-US" dirty="0"/>
+              <a:t> attempts to describe relationship between observed quantities and independent variables</a:t>
+            </a:r>
+          </a:p>
+          <a:p>
+            <a:pPr lvl="2"/>
+            <a:r>
+              <a:rPr lang="en-US" dirty="0"/>
+              <a:t>Techniques include linear models, generalized linear models, GAMMs, PCAs</a:t>
+            </a:r>
+          </a:p>
+          <a:p>
+            <a:pPr lvl="2"/>
             <a:endParaRPr lang="en-US" dirty="0"/>
           </a:p>
           <a:p>
-            <a:r>
-              <a:rPr lang="en-US" dirty="0"/>
-              <a:t>Confirmation:</a:t>
-            </a:r>
-          </a:p>
-          <a:p>
-            <a:endParaRPr lang="en-US" dirty="0"/>
-          </a:p>
-          <a:p>
-            <a:r>
-              <a:rPr lang="en-US" dirty="0"/>
-              <a:t>Prediction:</a:t>
+            <a:pPr lvl="1"/>
+            <a:r>
+              <a:rPr lang="en-US" dirty="0"/>
+              <a:t>Developing mathematical models is different from statistical analyses of data </a:t>
             </a:r>
           </a:p>
         </p:txBody>
@@ -8565,7 +8865,7 @@
     </p:spTree>
     <p:extLst>
       <p:ext uri="{BB962C8B-B14F-4D97-AF65-F5344CB8AC3E}">
-        <p14:creationId xmlns:p14="http://schemas.microsoft.com/office/powerpoint/2010/main" val="349728894"/>
+        <p14:creationId xmlns:p14="http://schemas.microsoft.com/office/powerpoint/2010/main" val="1806323708"/>
       </p:ext>
     </p:extLst>
   </p:cSld>
@@ -8594,7 +8894,13 @@
       </p:grpSpPr>
       <p:sp>
         <p:nvSpPr>
-          <p:cNvPr id="2" name="Title 1"/>
+          <p:cNvPr id="2" name="Title 1">
+            <a:extLst>
+              <a:ext uri="{FF2B5EF4-FFF2-40B4-BE49-F238E27FC236}">
+                <a16:creationId xmlns:a16="http://schemas.microsoft.com/office/drawing/2014/main" id="{E7CC58F8-7120-EC4B-8177-E755DB1BD2F1}"/>
+              </a:ext>
+            </a:extLst>
+          </p:cNvPr>
           <p:cNvSpPr>
             <a:spLocks noGrp="1"/>
           </p:cNvSpPr>
@@ -8609,14 +8915,20 @@
           <a:p>
             <a:r>
               <a:rPr lang="en-US" dirty="0"/>
-              <a:t>Vitamin A</a:t>
-            </a:r>
-          </a:p>
-        </p:txBody>
-      </p:sp>
-      <p:sp>
-        <p:nvSpPr>
-          <p:cNvPr id="3" name="Content Placeholder 2"/>
+              <a:t>Why build a mathematical model?</a:t>
+            </a:r>
+          </a:p>
+        </p:txBody>
+      </p:sp>
+      <p:sp>
+        <p:nvSpPr>
+          <p:cNvPr id="3" name="Content Placeholder 2">
+            <a:extLst>
+              <a:ext uri="{FF2B5EF4-FFF2-40B4-BE49-F238E27FC236}">
+                <a16:creationId xmlns:a16="http://schemas.microsoft.com/office/drawing/2014/main" id="{5753E65A-8D19-B846-A3C9-A345CA788960}"/>
+              </a:ext>
+            </a:extLst>
+          </p:cNvPr>
           <p:cNvSpPr>
             <a:spLocks noGrp="1"/>
           </p:cNvSpPr>
@@ -8626,30 +8938,36 @@
         </p:nvSpPr>
         <p:spPr/>
         <p:txBody>
-          <a:bodyPr/>
-          <a:lstStyle/>
-          <a:p>
-            <a:r>
-              <a:rPr lang="en-US" dirty="0"/>
-              <a:t>We measure the average heights of children raised with and without vitamin A supplements</a:t>
-            </a:r>
-          </a:p>
-          <a:p>
+          <a:bodyPr>
+            <a:normAutofit lnSpcReduction="10000"/>
+          </a:bodyPr>
+          <a:lstStyle/>
+          <a:p>
+            <a:r>
+              <a:rPr lang="en-US" dirty="0"/>
+              <a:t>Goals vary, but often focus on:</a:t>
+            </a:r>
+            <a:br>
+              <a:rPr lang="en-US" dirty="0"/>
+            </a:br>
             <a:endParaRPr lang="en-US" dirty="0"/>
           </a:p>
           <a:p>
-            <a:r>
-              <a:rPr lang="en-US" dirty="0"/>
-              <a:t>Estimate: How much taller are the treated children, on average?</a:t>
-            </a:r>
-          </a:p>
-          <a:p>
+            <a:pPr lvl="1"/>
+            <a:r>
+              <a:rPr lang="en-US" dirty="0"/>
+              <a:t>Understanding nature and how something changes over time</a:t>
+            </a:r>
+            <a:br>
+              <a:rPr lang="en-US" dirty="0"/>
+            </a:br>
             <a:endParaRPr lang="en-US" dirty="0"/>
           </a:p>
           <a:p>
-            <a:r>
-              <a:rPr lang="en-US" dirty="0"/>
-              <a:t>Confirmation: </a:t>
+            <a:pPr lvl="1"/>
+            <a:r>
+              <a:rPr lang="en-US" dirty="0"/>
+              <a:t>Making predictions about something that is going to happen in the future</a:t>
             </a:r>
           </a:p>
           <a:p>
@@ -8658,7 +8976,28 @@
           <a:p>
             <a:r>
               <a:rPr lang="en-US" dirty="0"/>
-              <a:t>Prediction:</a:t>
+              <a:t>Example: How many COVID-cases will occur on May 15 in Blacksburg?</a:t>
+            </a:r>
+          </a:p>
+          <a:p>
+            <a:pPr lvl="1"/>
+            <a:r>
+              <a:rPr lang="en-US" dirty="0"/>
+              <a:t>This is a difficult problem to solve with statistics</a:t>
+            </a:r>
+          </a:p>
+          <a:p>
+            <a:pPr lvl="2"/>
+            <a:r>
+              <a:rPr lang="en-US" dirty="0"/>
+              <a:t>Input: cases in previous time point, vaccine distribution, vaccine effectiveness, strain replacement and transmissibility, number of susceptible individuals remaining</a:t>
+            </a:r>
+          </a:p>
+          <a:p>
+            <a:pPr lvl="1"/>
+            <a:r>
+              <a:rPr lang="en-US" dirty="0"/>
+              <a:t>A mathematical model is a better tool to solve this problem</a:t>
             </a:r>
           </a:p>
         </p:txBody>
@@ -8666,7 +9005,7 @@
     </p:spTree>
     <p:extLst>
       <p:ext uri="{BB962C8B-B14F-4D97-AF65-F5344CB8AC3E}">
-        <p14:creationId xmlns:p14="http://schemas.microsoft.com/office/powerpoint/2010/main" val="1081421137"/>
+        <p14:creationId xmlns:p14="http://schemas.microsoft.com/office/powerpoint/2010/main" val="3550102867"/>
       </p:ext>
     </p:extLst>
   </p:cSld>

--- a/lectures/week_4_philosophy/le4_statistical_philosophy.pptx
+++ b/lectures/week_4_philosophy/le4_statistical_philosophy.pptx
@@ -652,6 +652,90 @@
     <p:extLst>
       <p:ext uri="{BB962C8B-B14F-4D97-AF65-F5344CB8AC3E}">
         <p14:creationId xmlns:p14="http://schemas.microsoft.com/office/powerpoint/2010/main" val="2849284789"/>
+      </p:ext>
+    </p:extLst>
+  </p:cSld>
+  <p:clrMapOvr>
+    <a:masterClrMapping/>
+  </p:clrMapOvr>
+</p:notes>
+</file>
+
+<file path=ppt/notesSlides/notesSlide2.xml><?xml version="1.0" encoding="utf-8"?>
+<p:notes xmlns:a="http://schemas.openxmlformats.org/drawingml/2006/main" xmlns:r="http://schemas.openxmlformats.org/officeDocument/2006/relationships" xmlns:p="http://schemas.openxmlformats.org/presentationml/2006/main">
+  <p:cSld>
+    <p:spTree>
+      <p:nvGrpSpPr>
+        <p:cNvPr id="1" name=""/>
+        <p:cNvGrpSpPr/>
+        <p:nvPr/>
+      </p:nvGrpSpPr>
+      <p:grpSpPr>
+        <a:xfrm>
+          <a:off x="0" y="0"/>
+          <a:ext cx="0" cy="0"/>
+          <a:chOff x="0" y="0"/>
+          <a:chExt cx="0" cy="0"/>
+        </a:xfrm>
+      </p:grpSpPr>
+      <p:sp>
+        <p:nvSpPr>
+          <p:cNvPr id="2" name="Slide Image Placeholder 1"/>
+          <p:cNvSpPr>
+            <a:spLocks noGrp="1" noRot="1" noChangeAspect="1"/>
+          </p:cNvSpPr>
+          <p:nvPr>
+            <p:ph type="sldImg"/>
+          </p:nvPr>
+        </p:nvSpPr>
+        <p:spPr/>
+      </p:sp>
+      <p:sp>
+        <p:nvSpPr>
+          <p:cNvPr id="3" name="Notes Placeholder 2"/>
+          <p:cNvSpPr>
+            <a:spLocks noGrp="1"/>
+          </p:cNvSpPr>
+          <p:nvPr>
+            <p:ph type="body" idx="1"/>
+          </p:nvPr>
+        </p:nvSpPr>
+        <p:spPr/>
+        <p:txBody>
+          <a:bodyPr/>
+          <a:lstStyle/>
+          <a:p>
+            <a:endParaRPr lang="en-US"/>
+          </a:p>
+        </p:txBody>
+      </p:sp>
+      <p:sp>
+        <p:nvSpPr>
+          <p:cNvPr id="4" name="Slide Number Placeholder 3"/>
+          <p:cNvSpPr>
+            <a:spLocks noGrp="1"/>
+          </p:cNvSpPr>
+          <p:nvPr>
+            <p:ph type="sldNum" sz="quarter" idx="5"/>
+          </p:nvPr>
+        </p:nvSpPr>
+        <p:spPr/>
+        <p:txBody>
+          <a:bodyPr/>
+          <a:lstStyle/>
+          <a:p>
+            <a:fld id="{5FE30E6E-F7EB-0245-AF70-3D1BBC963643}" type="slidenum">
+              <a:rPr lang="en-US" smtClean="0"/>
+              <a:t>47</a:t>
+            </a:fld>
+            <a:endParaRPr lang="en-US"/>
+          </a:p>
+        </p:txBody>
+      </p:sp>
+    </p:spTree>
+    <p:extLst>
+      <p:ext uri="{BB962C8B-B14F-4D97-AF65-F5344CB8AC3E}">
+        <p14:creationId xmlns:p14="http://schemas.microsoft.com/office/powerpoint/2010/main" val="1394501120"/>
       </p:ext>
     </p:extLst>
   </p:cSld>

--- a/lectures/week_4_philosophy/le4_statistical_philosophy.pptx
+++ b/lectures/week_4_philosophy/le4_statistical_philosophy.pptx
@@ -251,7 +251,7 @@
           <a:p>
             <a:fld id="{32295A16-C907-924E-9309-D28CB357FA15}" type="datetimeFigureOut">
               <a:rPr lang="en-US" smtClean="0"/>
-              <a:t>2/9/21</a:t>
+              <a:t>4/26/22</a:t>
             </a:fld>
             <a:endParaRPr lang="en-US"/>
           </a:p>
@@ -874,7 +874,7 @@
           <a:p>
             <a:fld id="{367CFA25-B096-7943-A865-C4385416DEAE}" type="datetimeFigureOut">
               <a:rPr lang="en-US" smtClean="0"/>
-              <a:t>2/9/21</a:t>
+              <a:t>4/26/22</a:t>
             </a:fld>
             <a:endParaRPr lang="en-US"/>
           </a:p>
@@ -1042,7 +1042,7 @@
           <a:p>
             <a:fld id="{367CFA25-B096-7943-A865-C4385416DEAE}" type="datetimeFigureOut">
               <a:rPr lang="en-US" smtClean="0"/>
-              <a:t>2/9/21</a:t>
+              <a:t>4/26/22</a:t>
             </a:fld>
             <a:endParaRPr lang="en-US"/>
           </a:p>
@@ -1220,7 +1220,7 @@
           <a:p>
             <a:fld id="{367CFA25-B096-7943-A865-C4385416DEAE}" type="datetimeFigureOut">
               <a:rPr lang="en-US" smtClean="0"/>
-              <a:t>2/9/21</a:t>
+              <a:t>4/26/22</a:t>
             </a:fld>
             <a:endParaRPr lang="en-US"/>
           </a:p>
@@ -1388,7 +1388,7 @@
           <a:p>
             <a:fld id="{367CFA25-B096-7943-A865-C4385416DEAE}" type="datetimeFigureOut">
               <a:rPr lang="en-US" smtClean="0"/>
-              <a:t>2/9/21</a:t>
+              <a:t>4/26/22</a:t>
             </a:fld>
             <a:endParaRPr lang="en-US"/>
           </a:p>
@@ -1633,7 +1633,7 @@
           <a:p>
             <a:fld id="{367CFA25-B096-7943-A865-C4385416DEAE}" type="datetimeFigureOut">
               <a:rPr lang="en-US" smtClean="0"/>
-              <a:t>2/9/21</a:t>
+              <a:t>4/26/22</a:t>
             </a:fld>
             <a:endParaRPr lang="en-US"/>
           </a:p>
@@ -1862,7 +1862,7 @@
           <a:p>
             <a:fld id="{367CFA25-B096-7943-A865-C4385416DEAE}" type="datetimeFigureOut">
               <a:rPr lang="en-US" smtClean="0"/>
-              <a:t>2/9/21</a:t>
+              <a:t>4/26/22</a:t>
             </a:fld>
             <a:endParaRPr lang="en-US"/>
           </a:p>
@@ -2226,7 +2226,7 @@
           <a:p>
             <a:fld id="{367CFA25-B096-7943-A865-C4385416DEAE}" type="datetimeFigureOut">
               <a:rPr lang="en-US" smtClean="0"/>
-              <a:t>2/9/21</a:t>
+              <a:t>4/26/22</a:t>
             </a:fld>
             <a:endParaRPr lang="en-US"/>
           </a:p>
@@ -2343,7 +2343,7 @@
           <a:p>
             <a:fld id="{367CFA25-B096-7943-A865-C4385416DEAE}" type="datetimeFigureOut">
               <a:rPr lang="en-US" smtClean="0"/>
-              <a:t>2/9/21</a:t>
+              <a:t>4/26/22</a:t>
             </a:fld>
             <a:endParaRPr lang="en-US"/>
           </a:p>
@@ -2438,7 +2438,7 @@
           <a:p>
             <a:fld id="{367CFA25-B096-7943-A865-C4385416DEAE}" type="datetimeFigureOut">
               <a:rPr lang="en-US" smtClean="0"/>
-              <a:t>2/9/21</a:t>
+              <a:t>4/26/22</a:t>
             </a:fld>
             <a:endParaRPr lang="en-US"/>
           </a:p>
@@ -2713,7 +2713,7 @@
           <a:p>
             <a:fld id="{367CFA25-B096-7943-A865-C4385416DEAE}" type="datetimeFigureOut">
               <a:rPr lang="en-US" smtClean="0"/>
-              <a:t>2/9/21</a:t>
+              <a:t>4/26/22</a:t>
             </a:fld>
             <a:endParaRPr lang="en-US"/>
           </a:p>
@@ -2965,7 +2965,7 @@
           <a:p>
             <a:fld id="{367CFA25-B096-7943-A865-C4385416DEAE}" type="datetimeFigureOut">
               <a:rPr lang="en-US" smtClean="0"/>
-              <a:t>2/9/21</a:t>
+              <a:t>4/26/22</a:t>
             </a:fld>
             <a:endParaRPr lang="en-US"/>
           </a:p>
@@ -3176,7 +3176,7 @@
           <a:p>
             <a:fld id="{367CFA25-B096-7943-A865-C4385416DEAE}" type="datetimeFigureOut">
               <a:rPr lang="en-US" smtClean="0"/>
-              <a:t>2/9/21</a:t>
+              <a:t>4/26/22</a:t>
             </a:fld>
             <a:endParaRPr lang="en-US"/>
           </a:p>

--- a/lectures/week_4_philosophy/le4_statistical_philosophy.pptx
+++ b/lectures/week_4_philosophy/le4_statistical_philosophy.pptx
@@ -5,56 +5,54 @@
     <p:sldMasterId id="2147483648" r:id="rId1"/>
   </p:sldMasterIdLst>
   <p:notesMasterIdLst>
-    <p:notesMasterId r:id="rId49"/>
+    <p:notesMasterId r:id="rId47"/>
   </p:notesMasterIdLst>
   <p:sldIdLst>
     <p:sldId id="256" r:id="rId2"/>
     <p:sldId id="304" r:id="rId3"/>
-    <p:sldId id="305" r:id="rId4"/>
-    <p:sldId id="309" r:id="rId5"/>
-    <p:sldId id="257" r:id="rId6"/>
-    <p:sldId id="270" r:id="rId7"/>
-    <p:sldId id="260" r:id="rId8"/>
-    <p:sldId id="306" r:id="rId9"/>
-    <p:sldId id="307" r:id="rId10"/>
-    <p:sldId id="308" r:id="rId11"/>
-    <p:sldId id="258" r:id="rId12"/>
-    <p:sldId id="262" r:id="rId13"/>
-    <p:sldId id="266" r:id="rId14"/>
-    <p:sldId id="267" r:id="rId15"/>
-    <p:sldId id="268" r:id="rId16"/>
-    <p:sldId id="269" r:id="rId17"/>
-    <p:sldId id="271" r:id="rId18"/>
-    <p:sldId id="272" r:id="rId19"/>
-    <p:sldId id="273" r:id="rId20"/>
-    <p:sldId id="274" r:id="rId21"/>
-    <p:sldId id="275" r:id="rId22"/>
-    <p:sldId id="276" r:id="rId23"/>
-    <p:sldId id="277" r:id="rId24"/>
-    <p:sldId id="278" r:id="rId25"/>
-    <p:sldId id="279" r:id="rId26"/>
-    <p:sldId id="280" r:id="rId27"/>
-    <p:sldId id="281" r:id="rId28"/>
-    <p:sldId id="282" r:id="rId29"/>
-    <p:sldId id="283" r:id="rId30"/>
-    <p:sldId id="284" r:id="rId31"/>
-    <p:sldId id="287" r:id="rId32"/>
-    <p:sldId id="288" r:id="rId33"/>
-    <p:sldId id="290" r:id="rId34"/>
-    <p:sldId id="291" r:id="rId35"/>
-    <p:sldId id="292" r:id="rId36"/>
-    <p:sldId id="289" r:id="rId37"/>
-    <p:sldId id="293" r:id="rId38"/>
-    <p:sldId id="294" r:id="rId39"/>
-    <p:sldId id="295" r:id="rId40"/>
-    <p:sldId id="296" r:id="rId41"/>
-    <p:sldId id="298" r:id="rId42"/>
-    <p:sldId id="297" r:id="rId43"/>
-    <p:sldId id="299" r:id="rId44"/>
-    <p:sldId id="300" r:id="rId45"/>
-    <p:sldId id="301" r:id="rId46"/>
-    <p:sldId id="302" r:id="rId47"/>
-    <p:sldId id="303" r:id="rId48"/>
+    <p:sldId id="309" r:id="rId4"/>
+    <p:sldId id="257" r:id="rId5"/>
+    <p:sldId id="270" r:id="rId6"/>
+    <p:sldId id="260" r:id="rId7"/>
+    <p:sldId id="306" r:id="rId8"/>
+    <p:sldId id="307" r:id="rId9"/>
+    <p:sldId id="308" r:id="rId10"/>
+    <p:sldId id="258" r:id="rId11"/>
+    <p:sldId id="262" r:id="rId12"/>
+    <p:sldId id="266" r:id="rId13"/>
+    <p:sldId id="267" r:id="rId14"/>
+    <p:sldId id="268" r:id="rId15"/>
+    <p:sldId id="269" r:id="rId16"/>
+    <p:sldId id="271" r:id="rId17"/>
+    <p:sldId id="272" r:id="rId18"/>
+    <p:sldId id="273" r:id="rId19"/>
+    <p:sldId id="274" r:id="rId20"/>
+    <p:sldId id="275" r:id="rId21"/>
+    <p:sldId id="276" r:id="rId22"/>
+    <p:sldId id="277" r:id="rId23"/>
+    <p:sldId id="278" r:id="rId24"/>
+    <p:sldId id="279" r:id="rId25"/>
+    <p:sldId id="280" r:id="rId26"/>
+    <p:sldId id="281" r:id="rId27"/>
+    <p:sldId id="282" r:id="rId28"/>
+    <p:sldId id="283" r:id="rId29"/>
+    <p:sldId id="284" r:id="rId30"/>
+    <p:sldId id="287" r:id="rId31"/>
+    <p:sldId id="288" r:id="rId32"/>
+    <p:sldId id="290" r:id="rId33"/>
+    <p:sldId id="291" r:id="rId34"/>
+    <p:sldId id="292" r:id="rId35"/>
+    <p:sldId id="289" r:id="rId36"/>
+    <p:sldId id="293" r:id="rId37"/>
+    <p:sldId id="294" r:id="rId38"/>
+    <p:sldId id="295" r:id="rId39"/>
+    <p:sldId id="296" r:id="rId40"/>
+    <p:sldId id="298" r:id="rId41"/>
+    <p:sldId id="297" r:id="rId42"/>
+    <p:sldId id="299" r:id="rId43"/>
+    <p:sldId id="301" r:id="rId44"/>
+    <p:sldId id="302" r:id="rId45"/>
+    <p:sldId id="303" r:id="rId46"/>
   </p:sldIdLst>
   <p:sldSz cx="12192000" cy="6858000"/>
   <p:notesSz cx="6858000" cy="9144000"/>
@@ -251,7 +249,7 @@
           <a:p>
             <a:fld id="{32295A16-C907-924E-9309-D28CB357FA15}" type="datetimeFigureOut">
               <a:rPr lang="en-US" smtClean="0"/>
-              <a:t>4/26/22</a:t>
+              <a:t>2/2/23</a:t>
             </a:fld>
             <a:endParaRPr lang="en-US"/>
           </a:p>
@@ -642,7 +640,7 @@
           <a:p>
             <a:fld id="{5FE30E6E-F7EB-0245-AF70-3D1BBC963643}" type="slidenum">
               <a:rPr lang="en-US" smtClean="0"/>
-              <a:t>10</a:t>
+              <a:t>9</a:t>
             </a:fld>
             <a:endParaRPr lang="en-US"/>
           </a:p>
@@ -726,7 +724,7 @@
           <a:p>
             <a:fld id="{5FE30E6E-F7EB-0245-AF70-3D1BBC963643}" type="slidenum">
               <a:rPr lang="en-US" smtClean="0"/>
-              <a:t>47</a:t>
+              <a:t>45</a:t>
             </a:fld>
             <a:endParaRPr lang="en-US"/>
           </a:p>
@@ -874,7 +872,7 @@
           <a:p>
             <a:fld id="{367CFA25-B096-7943-A865-C4385416DEAE}" type="datetimeFigureOut">
               <a:rPr lang="en-US" smtClean="0"/>
-              <a:t>4/26/22</a:t>
+              <a:t>2/2/23</a:t>
             </a:fld>
             <a:endParaRPr lang="en-US"/>
           </a:p>
@@ -1042,7 +1040,7 @@
           <a:p>
             <a:fld id="{367CFA25-B096-7943-A865-C4385416DEAE}" type="datetimeFigureOut">
               <a:rPr lang="en-US" smtClean="0"/>
-              <a:t>4/26/22</a:t>
+              <a:t>2/2/23</a:t>
             </a:fld>
             <a:endParaRPr lang="en-US"/>
           </a:p>
@@ -1220,7 +1218,7 @@
           <a:p>
             <a:fld id="{367CFA25-B096-7943-A865-C4385416DEAE}" type="datetimeFigureOut">
               <a:rPr lang="en-US" smtClean="0"/>
-              <a:t>4/26/22</a:t>
+              <a:t>2/2/23</a:t>
             </a:fld>
             <a:endParaRPr lang="en-US"/>
           </a:p>
@@ -1388,7 +1386,7 @@
           <a:p>
             <a:fld id="{367CFA25-B096-7943-A865-C4385416DEAE}" type="datetimeFigureOut">
               <a:rPr lang="en-US" smtClean="0"/>
-              <a:t>4/26/22</a:t>
+              <a:t>2/2/23</a:t>
             </a:fld>
             <a:endParaRPr lang="en-US"/>
           </a:p>
@@ -1633,7 +1631,7 @@
           <a:p>
             <a:fld id="{367CFA25-B096-7943-A865-C4385416DEAE}" type="datetimeFigureOut">
               <a:rPr lang="en-US" smtClean="0"/>
-              <a:t>4/26/22</a:t>
+              <a:t>2/2/23</a:t>
             </a:fld>
             <a:endParaRPr lang="en-US"/>
           </a:p>
@@ -1862,7 +1860,7 @@
           <a:p>
             <a:fld id="{367CFA25-B096-7943-A865-C4385416DEAE}" type="datetimeFigureOut">
               <a:rPr lang="en-US" smtClean="0"/>
-              <a:t>4/26/22</a:t>
+              <a:t>2/2/23</a:t>
             </a:fld>
             <a:endParaRPr lang="en-US"/>
           </a:p>
@@ -2226,7 +2224,7 @@
           <a:p>
             <a:fld id="{367CFA25-B096-7943-A865-C4385416DEAE}" type="datetimeFigureOut">
               <a:rPr lang="en-US" smtClean="0"/>
-              <a:t>4/26/22</a:t>
+              <a:t>2/2/23</a:t>
             </a:fld>
             <a:endParaRPr lang="en-US"/>
           </a:p>
@@ -2343,7 +2341,7 @@
           <a:p>
             <a:fld id="{367CFA25-B096-7943-A865-C4385416DEAE}" type="datetimeFigureOut">
               <a:rPr lang="en-US" smtClean="0"/>
-              <a:t>4/26/22</a:t>
+              <a:t>2/2/23</a:t>
             </a:fld>
             <a:endParaRPr lang="en-US"/>
           </a:p>
@@ -2438,7 +2436,7 @@
           <a:p>
             <a:fld id="{367CFA25-B096-7943-A865-C4385416DEAE}" type="datetimeFigureOut">
               <a:rPr lang="en-US" smtClean="0"/>
-              <a:t>4/26/22</a:t>
+              <a:t>2/2/23</a:t>
             </a:fld>
             <a:endParaRPr lang="en-US"/>
           </a:p>
@@ -2713,7 +2711,7 @@
           <a:p>
             <a:fld id="{367CFA25-B096-7943-A865-C4385416DEAE}" type="datetimeFigureOut">
               <a:rPr lang="en-US" smtClean="0"/>
-              <a:t>4/26/22</a:t>
+              <a:t>2/2/23</a:t>
             </a:fld>
             <a:endParaRPr lang="en-US"/>
           </a:p>
@@ -2965,7 +2963,7 @@
           <a:p>
             <a:fld id="{367CFA25-B096-7943-A865-C4385416DEAE}" type="datetimeFigureOut">
               <a:rPr lang="en-US" smtClean="0"/>
-              <a:t>4/26/22</a:t>
+              <a:t>2/2/23</a:t>
             </a:fld>
             <a:endParaRPr lang="en-US"/>
           </a:p>
@@ -3176,7 +3174,7 @@
           <a:p>
             <a:fld id="{367CFA25-B096-7943-A865-C4385416DEAE}" type="datetimeFigureOut">
               <a:rPr lang="en-US" smtClean="0"/>
-              <a:t>4/26/22</a:t>
+              <a:t>2/2/23</a:t>
             </a:fld>
             <a:endParaRPr lang="en-US"/>
           </a:p>
@@ -3659,13 +3657,7 @@
       </p:grpSpPr>
       <p:sp>
         <p:nvSpPr>
-          <p:cNvPr id="2" name="Title 1">
-            <a:extLst>
-              <a:ext uri="{FF2B5EF4-FFF2-40B4-BE49-F238E27FC236}">
-                <a16:creationId xmlns:a16="http://schemas.microsoft.com/office/drawing/2014/main" id="{A5D5996F-02E6-C143-9CC8-61AA70E6E023}"/>
-              </a:ext>
-            </a:extLst>
-          </p:cNvPr>
+          <p:cNvPr id="2" name="Title 1"/>
           <p:cNvSpPr>
             <a:spLocks noGrp="1"/>
           </p:cNvSpPr>
@@ -3680,20 +3672,14 @@
           <a:p>
             <a:r>
               <a:rPr lang="en-US" dirty="0"/>
-              <a:t>Merging mathematical models with statistics</a:t>
-            </a:r>
-          </a:p>
-        </p:txBody>
-      </p:sp>
-      <p:sp>
-        <p:nvSpPr>
-          <p:cNvPr id="3" name="Content Placeholder 2">
-            <a:extLst>
-              <a:ext uri="{FF2B5EF4-FFF2-40B4-BE49-F238E27FC236}">
-                <a16:creationId xmlns:a16="http://schemas.microsoft.com/office/drawing/2014/main" id="{7E1BA5BB-F412-4049-8AB7-B053373A830E}"/>
-              </a:ext>
-            </a:extLst>
-          </p:cNvPr>
+              <a:t>How to use statistics</a:t>
+            </a:r>
+          </a:p>
+        </p:txBody>
+      </p:sp>
+      <p:sp>
+        <p:nvSpPr>
+          <p:cNvPr id="3" name="Content Placeholder 2"/>
           <p:cNvSpPr>
             <a:spLocks noGrp="1"/>
           </p:cNvSpPr>
@@ -3701,123 +3687,99 @@
             <p:ph idx="1"/>
           </p:nvPr>
         </p:nvSpPr>
-        <p:spPr/>
-        <p:txBody>
-          <a:bodyPr>
-            <a:normAutofit fontScale="62500" lnSpcReduction="20000"/>
-          </a:bodyPr>
-          <a:lstStyle/>
-          <a:p>
-            <a:r>
-              <a:rPr lang="en-US" dirty="0"/>
-              <a:t>Mathematical models can be fully built and simulated</a:t>
-            </a:r>
+        <p:spPr>
+          <a:xfrm>
+            <a:off x="838200" y="1838151"/>
+            <a:ext cx="10515600" cy="4351338"/>
+          </a:xfrm>
+        </p:spPr>
+        <p:txBody>
+          <a:bodyPr/>
+          <a:lstStyle/>
+          <a:p>
+            <a:pPr fontAlgn="auto"/>
+            <a:r>
+              <a:rPr lang="en-US" dirty="0"/>
+              <a:t>We use statistics to confirm effects, estimate parameters, and predict outcomes </a:t>
+            </a:r>
+          </a:p>
+          <a:p>
+            <a:r>
+              <a:rPr lang="en-US" dirty="0"/>
+              <a:t>It usually rains when I’m in Cape Town, but mostly on Sunday. </a:t>
+            </a:r>
+            <a:endParaRPr lang="en-US" dirty="0">
+              <a:effectLst/>
+            </a:endParaRPr>
+          </a:p>
+          <a:p>
+            <a:r>
+              <a:rPr lang="en-US" dirty="0"/>
+              <a:t> </a:t>
+            </a:r>
+            <a:r>
+              <a:rPr lang="en-US" i="1" dirty="0"/>
+              <a:t>Confirmation: </a:t>
+            </a:r>
+            <a:r>
+              <a:rPr lang="en-US" dirty="0"/>
+              <a:t>In Cape Town, it rains more on Sundays than other days </a:t>
+            </a:r>
+            <a:endParaRPr lang="en-US" dirty="0">
+              <a:effectLst/>
+            </a:endParaRPr>
+          </a:p>
+          <a:p>
+            <a:r>
+              <a:rPr lang="en-US" dirty="0"/>
+              <a:t> </a:t>
+            </a:r>
+            <a:r>
+              <a:rPr lang="en-US" i="1" dirty="0"/>
+              <a:t>Estimation: </a:t>
+            </a:r>
+            <a:r>
+              <a:rPr lang="en-US" dirty="0"/>
+              <a:t>In Cape Town, the </a:t>
+            </a:r>
+            <a:r>
+              <a:rPr lang="en-US" i="1" dirty="0"/>
+              <a:t>odds </a:t>
+            </a:r>
+            <a:r>
+              <a:rPr lang="en-US" dirty="0"/>
+              <a:t>of rain on Sunday are 1.6–2.2 times higher than on other days </a:t>
+            </a:r>
+            <a:endParaRPr lang="en-US" dirty="0">
+              <a:effectLst/>
+            </a:endParaRPr>
+          </a:p>
+          <a:p>
+            <a:r>
+              <a:rPr lang="en-US" dirty="0"/>
+              <a:t> </a:t>
+            </a:r>
+            <a:r>
+              <a:rPr lang="en-US" i="1" dirty="0"/>
+              <a:t>Prediction: </a:t>
+            </a:r>
+            <a:r>
+              <a:rPr lang="en-US" dirty="0"/>
+              <a:t>I am confident that it will rain at least one Sunday the next time I travel to Cape Town for 4 weeks</a:t>
+            </a:r>
+            <a:endParaRPr lang="en-US" dirty="0">
+              <a:effectLst/>
+            </a:endParaRPr>
           </a:p>
           <a:p>
             <a:endParaRPr lang="en-US" dirty="0"/>
-          </a:p>
-          <a:p>
-            <a:r>
-              <a:rPr lang="en-US" dirty="0"/>
-              <a:t>Determining the accuracy of a mathematical model usually requires statistics!</a:t>
-            </a:r>
-          </a:p>
-          <a:p>
-            <a:endParaRPr lang="en-US" dirty="0"/>
-          </a:p>
-          <a:p>
-            <a:r>
-              <a:rPr lang="en-US" dirty="0"/>
-              <a:t>“Model fitting” or “Model inference” is the term used for this blend</a:t>
-            </a:r>
-          </a:p>
-          <a:p>
-            <a:r>
-              <a:rPr lang="en-US" dirty="0"/>
-              <a:t>Can be done in either Bayesian or Frequentist framework</a:t>
-            </a:r>
-          </a:p>
-          <a:p>
-            <a:pPr lvl="1"/>
-            <a:r>
-              <a:rPr lang="en-US" dirty="0"/>
-              <a:t>Guess a value for a parameter</a:t>
-            </a:r>
-          </a:p>
-          <a:p>
-            <a:pPr lvl="1"/>
-            <a:r>
-              <a:rPr lang="en-US" dirty="0"/>
-              <a:t>Simulate model based on guessed values</a:t>
-            </a:r>
-          </a:p>
-          <a:p>
-            <a:pPr lvl="1"/>
-            <a:r>
-              <a:rPr lang="en-US" dirty="0"/>
-              <a:t>Get an outcome (maybe # of individuals infected)</a:t>
-            </a:r>
-          </a:p>
-          <a:p>
-            <a:pPr lvl="1"/>
-            <a:r>
-              <a:rPr lang="en-US" dirty="0"/>
-              <a:t>Compare simulated outcome to real outcome, calculate error</a:t>
-            </a:r>
-          </a:p>
-          <a:p>
-            <a:pPr lvl="1"/>
-            <a:r>
-              <a:rPr lang="en-US" dirty="0"/>
-              <a:t>Based on error, make a new guess</a:t>
-            </a:r>
-            <a:br>
-              <a:rPr lang="en-US" dirty="0"/>
-            </a:br>
-            <a:endParaRPr lang="en-US" dirty="0"/>
-          </a:p>
-          <a:p>
-            <a:r>
-              <a:rPr lang="en-US" dirty="0"/>
-              <a:t>Most of the sophisticated fitting algorithms are based on how you choose a guess and how you evaluate the error </a:t>
-            </a:r>
-          </a:p>
-          <a:p>
-            <a:pPr lvl="1"/>
-            <a:r>
-              <a:rPr lang="en-US" dirty="0"/>
-              <a:t>Bayesian – algorithm: Gibbs sampling – function “jags” in R2jags</a:t>
-            </a:r>
-          </a:p>
-          <a:p>
-            <a:pPr lvl="1"/>
-            <a:r>
-              <a:rPr lang="en-US" dirty="0"/>
-              <a:t>Frequentist – algorithm: </a:t>
-            </a:r>
-            <a:r>
-              <a:rPr lang="en-US" dirty="0" err="1"/>
-              <a:t>Nelder</a:t>
-            </a:r>
-            <a:r>
-              <a:rPr lang="en-US" dirty="0"/>
-              <a:t>-Mead - function ”</a:t>
-            </a:r>
-            <a:r>
-              <a:rPr lang="en-US" dirty="0" err="1"/>
-              <a:t>optim</a:t>
-            </a:r>
-            <a:r>
-              <a:rPr lang="en-US" dirty="0"/>
-              <a:t>” in R </a:t>
-            </a:r>
           </a:p>
         </p:txBody>
       </p:sp>
     </p:spTree>
     <p:extLst>
       <p:ext uri="{BB962C8B-B14F-4D97-AF65-F5344CB8AC3E}">
-        <p14:creationId xmlns:p14="http://schemas.microsoft.com/office/powerpoint/2010/main" val="2366520096"/>
+        <p14:creationId xmlns:p14="http://schemas.microsoft.com/office/powerpoint/2010/main" val="413244071"/>
       </p:ext>
     </p:extLst>
   </p:cSld>
@@ -3861,7 +3823,7 @@
           <a:p>
             <a:r>
               <a:rPr lang="en-US" dirty="0"/>
-              <a:t>How to use statistics</a:t>
+              <a:t>Estimation</a:t>
             </a:r>
           </a:p>
         </p:txBody>
@@ -3876,91 +3838,55 @@
             <p:ph idx="1"/>
           </p:nvPr>
         </p:nvSpPr>
-        <p:spPr>
-          <a:xfrm>
-            <a:off x="838200" y="1838151"/>
-            <a:ext cx="10515600" cy="4351338"/>
-          </a:xfrm>
-        </p:spPr>
-        <p:txBody>
-          <a:bodyPr/>
-          <a:lstStyle/>
-          <a:p>
-            <a:pPr fontAlgn="auto"/>
-            <a:r>
-              <a:rPr lang="en-US" dirty="0"/>
-              <a:t>We use statistics to confirm effects, estimate parameters, and predict outcomes </a:t>
-            </a:r>
-          </a:p>
-          <a:p>
-            <a:r>
-              <a:rPr lang="en-US" dirty="0"/>
-              <a:t>It usually rains when I’m in Cape Town, but mostly on Sunday. </a:t>
-            </a:r>
-            <a:endParaRPr lang="en-US" dirty="0">
-              <a:effectLst/>
-            </a:endParaRPr>
-          </a:p>
-          <a:p>
-            <a:r>
-              <a:rPr lang="en-US" dirty="0"/>
-              <a:t> </a:t>
+        <p:spPr/>
+        <p:txBody>
+          <a:bodyPr/>
+          <a:lstStyle/>
+          <a:p>
+            <a:r>
+              <a:rPr lang="en-US" dirty="0"/>
+              <a:t>We use </a:t>
             </a:r>
             <a:r>
               <a:rPr lang="en-US" i="1" dirty="0"/>
-              <a:t>Confirmation: </a:t>
-            </a:r>
-            <a:r>
-              <a:rPr lang="en-US" dirty="0"/>
-              <a:t>In Cape Town, it rains more on Sundays than other days </a:t>
-            </a:r>
-            <a:endParaRPr lang="en-US" dirty="0">
-              <a:effectLst/>
-            </a:endParaRPr>
-          </a:p>
-          <a:p>
-            <a:r>
-              <a:rPr lang="en-US" dirty="0"/>
-              <a:t> </a:t>
+              <a:t>P values</a:t>
+            </a:r>
+            <a:r>
+              <a:rPr lang="en-US" dirty="0"/>
+              <a:t> to say how sure we are that we have seen some effect</a:t>
+            </a:r>
+          </a:p>
+          <a:p>
+            <a:endParaRPr lang="en-US" dirty="0"/>
+          </a:p>
+          <a:p>
+            <a:r>
+              <a:rPr lang="en-US" dirty="0"/>
+              <a:t>We use statistics (like confidence intervals, model coefficients/parameters</a:t>
             </a:r>
             <a:r>
               <a:rPr lang="en-US" i="1" dirty="0"/>
-              <a:t>Estimation: </a:t>
-            </a:r>
-            <a:r>
-              <a:rPr lang="en-US" dirty="0"/>
-              <a:t>In Cape Town, the </a:t>
-            </a:r>
-            <a:r>
-              <a:rPr lang="en-US" i="1" dirty="0"/>
-              <a:t>odds </a:t>
-            </a:r>
-            <a:r>
-              <a:rPr lang="en-US" dirty="0"/>
-              <a:t>of rain on Sunday are 1.6–2.2 times higher than on other days </a:t>
-            </a:r>
-            <a:endParaRPr lang="en-US" dirty="0">
-              <a:effectLst/>
-            </a:endParaRPr>
-          </a:p>
-          <a:p>
-            <a:r>
-              <a:rPr lang="en-US" dirty="0"/>
-              <a:t> </a:t>
-            </a:r>
-            <a:r>
-              <a:rPr lang="en-US" i="1" dirty="0"/>
-              <a:t>Prediction: </a:t>
-            </a:r>
-            <a:r>
-              <a:rPr lang="en-US" dirty="0"/>
-              <a:t>I am confident that it will rain at least one Sunday the next time I travel to Cape Town for 4 weeks</a:t>
-            </a:r>
-            <a:endParaRPr lang="en-US" dirty="0">
-              <a:effectLst/>
-            </a:endParaRPr>
-          </a:p>
-          <a:p>
+              <a:t>)</a:t>
+            </a:r>
+            <a:r>
+              <a:rPr lang="en-US" dirty="0"/>
+              <a:t> to describe the magnitude of that effect</a:t>
+            </a:r>
+          </a:p>
+          <a:p>
+            <a:endParaRPr lang="en-US" dirty="0"/>
+          </a:p>
+          <a:p>
+            <a:r>
+              <a:rPr lang="en-US" b="1" u="sng" dirty="0"/>
+              <a:t>WE DO NOT USE P-VALUES ALONE</a:t>
+            </a:r>
+            <a:br>
+              <a:rPr lang="en-US" dirty="0"/>
+            </a:br>
+            <a:br>
+              <a:rPr lang="en-US" dirty="0"/>
+            </a:br>
             <a:endParaRPr lang="en-US" dirty="0"/>
           </a:p>
         </p:txBody>
@@ -3968,7 +3894,7 @@
     </p:spTree>
     <p:extLst>
       <p:ext uri="{BB962C8B-B14F-4D97-AF65-F5344CB8AC3E}">
-        <p14:creationId xmlns:p14="http://schemas.microsoft.com/office/powerpoint/2010/main" val="413244071"/>
+        <p14:creationId xmlns:p14="http://schemas.microsoft.com/office/powerpoint/2010/main" val="544889135"/>
       </p:ext>
     </p:extLst>
   </p:cSld>
@@ -4012,7 +3938,7 @@
           <a:p>
             <a:r>
               <a:rPr lang="en-US" dirty="0"/>
-              <a:t>Estimation</a:t>
+              <a:t>P-values</a:t>
             </a:r>
           </a:p>
         </p:txBody>
@@ -4029,61 +3955,37 @@
         </p:nvSpPr>
         <p:spPr/>
         <p:txBody>
-          <a:bodyPr/>
-          <a:lstStyle/>
-          <a:p>
-            <a:r>
-              <a:rPr lang="en-US" dirty="0"/>
-              <a:t>We use </a:t>
-            </a:r>
-            <a:r>
-              <a:rPr lang="en-US" i="1" dirty="0"/>
-              <a:t>P values</a:t>
-            </a:r>
-            <a:r>
-              <a:rPr lang="en-US" dirty="0"/>
-              <a:t> to say how sure we are that we have seen some effect</a:t>
-            </a:r>
-          </a:p>
-          <a:p>
-            <a:endParaRPr lang="en-US" dirty="0"/>
-          </a:p>
-          <a:p>
-            <a:r>
-              <a:rPr lang="en-US" dirty="0"/>
-              <a:t>We use statistics (like confidence intervals, model coefficients/parameters</a:t>
-            </a:r>
-            <a:r>
-              <a:rPr lang="en-US" i="1" dirty="0"/>
-              <a:t>)</a:t>
-            </a:r>
-            <a:r>
-              <a:rPr lang="en-US" dirty="0"/>
-              <a:t> to describe the magnitude of that effect</a:t>
-            </a:r>
-          </a:p>
-          <a:p>
-            <a:endParaRPr lang="en-US" dirty="0"/>
-          </a:p>
-          <a:p>
-            <a:r>
-              <a:rPr lang="en-US" b="1" u="sng" dirty="0"/>
-              <a:t>WE DO NOT USE P-VALUES ALONE</a:t>
-            </a:r>
-            <a:br>
-              <a:rPr lang="en-US" dirty="0"/>
-            </a:br>
-            <a:br>
-              <a:rPr lang="en-US" dirty="0"/>
-            </a:br>
-            <a:endParaRPr lang="en-US" dirty="0"/>
+          <a:bodyPr>
+            <a:normAutofit/>
+          </a:bodyPr>
+          <a:lstStyle/>
+          <a:p>
+            <a:r>
+              <a:rPr lang="en-US" sz="3600" dirty="0"/>
+              <a:t>What does it mean if I find a significant P-value for some effect?</a:t>
+            </a:r>
+          </a:p>
+          <a:p>
+            <a:pPr lvl="1"/>
+            <a:endParaRPr lang="en-US" sz="3600" dirty="0"/>
+          </a:p>
+          <a:p>
+            <a:pPr lvl="1"/>
+            <a:r>
+              <a:rPr lang="en-US" sz="3600" dirty="0"/>
+              <a:t>It means that the effect is unlikely to be due to chance alone (but the converse isn’t true)</a:t>
+            </a:r>
+          </a:p>
+          <a:p>
+            <a:pPr lvl="1"/>
+            <a:endParaRPr lang="en-US" sz="3600" dirty="0"/>
           </a:p>
         </p:txBody>
       </p:sp>
     </p:spTree>
     <p:extLst>
       <p:ext uri="{BB962C8B-B14F-4D97-AF65-F5344CB8AC3E}">
-        <p14:creationId xmlns:p14="http://schemas.microsoft.com/office/powerpoint/2010/main" val="544889135"/>
+        <p14:creationId xmlns:p14="http://schemas.microsoft.com/office/powerpoint/2010/main" val="929795089"/>
       </p:ext>
     </p:extLst>
   </p:cSld>
@@ -4127,7 +4029,7 @@
           <a:p>
             <a:r>
               <a:rPr lang="en-US" dirty="0"/>
-              <a:t>P-values</a:t>
+              <a:t>What can or can’t we say with P-values?</a:t>
             </a:r>
           </a:p>
         </p:txBody>
@@ -4144,37 +4046,17 @@
         </p:nvSpPr>
         <p:spPr/>
         <p:txBody>
-          <a:bodyPr>
-            <a:normAutofit/>
-          </a:bodyPr>
-          <a:lstStyle/>
-          <a:p>
-            <a:r>
-              <a:rPr lang="en-US" sz="3600" dirty="0"/>
-              <a:t>What does it mean if I find a significant P-value for some effect?</a:t>
-            </a:r>
-          </a:p>
-          <a:p>
-            <a:pPr lvl="1"/>
-            <a:endParaRPr lang="en-US" sz="3600" dirty="0"/>
-          </a:p>
-          <a:p>
-            <a:pPr lvl="1"/>
-            <a:r>
-              <a:rPr lang="en-US" sz="3600" dirty="0"/>
-              <a:t>It means that the effect is unlikely to be due to chance alone (but the converse isn’t true)</a:t>
-            </a:r>
-          </a:p>
-          <a:p>
-            <a:pPr lvl="1"/>
-            <a:endParaRPr lang="en-US" sz="3600" dirty="0"/>
+          <a:bodyPr/>
+          <a:lstStyle/>
+          <a:p>
+            <a:endParaRPr lang="en-US"/>
           </a:p>
         </p:txBody>
       </p:sp>
     </p:spTree>
     <p:extLst>
       <p:ext uri="{BB962C8B-B14F-4D97-AF65-F5344CB8AC3E}">
-        <p14:creationId xmlns:p14="http://schemas.microsoft.com/office/powerpoint/2010/main" val="929795089"/>
+        <p14:creationId xmlns:p14="http://schemas.microsoft.com/office/powerpoint/2010/main" val="748951938"/>
       </p:ext>
     </p:extLst>
   </p:cSld>
@@ -4218,7 +4100,7 @@
           <a:p>
             <a:r>
               <a:rPr lang="en-US" dirty="0"/>
-              <a:t>What can or can’t we say with P-values?</a:t>
+              <a:t>Vitamin A example</a:t>
             </a:r>
           </a:p>
         </p:txBody>
@@ -4235,17 +4117,38 @@
         </p:nvSpPr>
         <p:spPr/>
         <p:txBody>
-          <a:bodyPr/>
-          <a:lstStyle/>
-          <a:p>
-            <a:endParaRPr lang="en-US"/>
+          <a:bodyPr>
+            <a:normAutofit/>
+          </a:bodyPr>
+          <a:lstStyle/>
+          <a:p>
+            <a:r>
+              <a:rPr lang="en-US" dirty="0"/>
+              <a:t>We want to know if vitamin A supplements improve the health of village children</a:t>
+            </a:r>
+          </a:p>
+          <a:p>
+            <a:endParaRPr lang="en-US" dirty="0"/>
+          </a:p>
+          <a:p>
+            <a:r>
+              <a:rPr lang="en-US" dirty="0"/>
+              <a:t>How will we know height differences are due to our treatment?</a:t>
+            </a:r>
+            <a:br>
+              <a:rPr lang="en-US" dirty="0"/>
+            </a:br>
+            <a:endParaRPr lang="en-US" dirty="0"/>
+          </a:p>
+          <a:p>
+            <a:endParaRPr lang="en-US" dirty="0"/>
           </a:p>
         </p:txBody>
       </p:sp>
     </p:spTree>
     <p:extLst>
       <p:ext uri="{BB962C8B-B14F-4D97-AF65-F5344CB8AC3E}">
-        <p14:creationId xmlns:p14="http://schemas.microsoft.com/office/powerpoint/2010/main" val="748951938"/>
+        <p14:creationId xmlns:p14="http://schemas.microsoft.com/office/powerpoint/2010/main" val="1453242805"/>
       </p:ext>
     </p:extLst>
   </p:cSld>
@@ -4324,9 +4227,42 @@
               <a:rPr lang="en-US" dirty="0"/>
               <a:t>How will we know height differences are due to our treatment?</a:t>
             </a:r>
-            <a:br>
-              <a:rPr lang="en-US" dirty="0"/>
-            </a:br>
+          </a:p>
+          <a:p>
+            <a:r>
+              <a:rPr lang="en-US" dirty="0"/>
+              <a:t>We want the two groups to start from the same point – independent randomization of each individual</a:t>
+            </a:r>
+          </a:p>
+          <a:p>
+            <a:r>
+              <a:rPr lang="en-US" dirty="0"/>
+              <a:t>We may measure </a:t>
+            </a:r>
+            <a:r>
+              <a:rPr lang="en-US" i="1" dirty="0"/>
+              <a:t>changes</a:t>
+            </a:r>
+            <a:r>
+              <a:rPr lang="en-US" dirty="0"/>
+              <a:t> in height</a:t>
+            </a:r>
+          </a:p>
+          <a:p>
+            <a:r>
+              <a:rPr lang="en-US" dirty="0"/>
+              <a:t>Or </a:t>
+            </a:r>
+            <a:r>
+              <a:rPr lang="en-US" i="1" dirty="0"/>
+              <a:t>control for</a:t>
+            </a:r>
+            <a:r>
+              <a:rPr lang="en-US" dirty="0"/>
+              <a:t> other factors</a:t>
+            </a:r>
+          </a:p>
+          <a:p>
             <a:endParaRPr lang="en-US" dirty="0"/>
           </a:p>
           <a:p>
@@ -4337,7 +4273,7 @@
     </p:spTree>
     <p:extLst>
       <p:ext uri="{BB962C8B-B14F-4D97-AF65-F5344CB8AC3E}">
-        <p14:creationId xmlns:p14="http://schemas.microsoft.com/office/powerpoint/2010/main" val="1453242805"/>
+        <p14:creationId xmlns:p14="http://schemas.microsoft.com/office/powerpoint/2010/main" val="28700445"/>
       </p:ext>
     </p:extLst>
   </p:cSld>
@@ -4379,131 +4315,6 @@
           <a:bodyPr/>
           <a:lstStyle/>
           <a:p>
-            <a:r>
-              <a:rPr lang="en-US" dirty="0"/>
-              <a:t>Vitamin A example</a:t>
-            </a:r>
-          </a:p>
-        </p:txBody>
-      </p:sp>
-      <p:sp>
-        <p:nvSpPr>
-          <p:cNvPr id="3" name="Content Placeholder 2"/>
-          <p:cNvSpPr>
-            <a:spLocks noGrp="1"/>
-          </p:cNvSpPr>
-          <p:nvPr>
-            <p:ph idx="1"/>
-          </p:nvPr>
-        </p:nvSpPr>
-        <p:spPr/>
-        <p:txBody>
-          <a:bodyPr>
-            <a:normAutofit/>
-          </a:bodyPr>
-          <a:lstStyle/>
-          <a:p>
-            <a:r>
-              <a:rPr lang="en-US" dirty="0"/>
-              <a:t>We want to know if vitamin A supplements improve the health of village children</a:t>
-            </a:r>
-          </a:p>
-          <a:p>
-            <a:endParaRPr lang="en-US" dirty="0"/>
-          </a:p>
-          <a:p>
-            <a:r>
-              <a:rPr lang="en-US" dirty="0"/>
-              <a:t>How will we know height differences are due to our treatment?</a:t>
-            </a:r>
-          </a:p>
-          <a:p>
-            <a:r>
-              <a:rPr lang="en-US" dirty="0"/>
-              <a:t>We want the two groups to start from the same point – independent randomization of each individual</a:t>
-            </a:r>
-          </a:p>
-          <a:p>
-            <a:r>
-              <a:rPr lang="en-US" dirty="0"/>
-              <a:t>We may measure </a:t>
-            </a:r>
-            <a:r>
-              <a:rPr lang="en-US" i="1" dirty="0"/>
-              <a:t>changes</a:t>
-            </a:r>
-            <a:r>
-              <a:rPr lang="en-US" dirty="0"/>
-              <a:t> in height</a:t>
-            </a:r>
-          </a:p>
-          <a:p>
-            <a:r>
-              <a:rPr lang="en-US" dirty="0"/>
-              <a:t>Or </a:t>
-            </a:r>
-            <a:r>
-              <a:rPr lang="en-US" i="1" dirty="0"/>
-              <a:t>control for</a:t>
-            </a:r>
-            <a:r>
-              <a:rPr lang="en-US" dirty="0"/>
-              <a:t> other factors</a:t>
-            </a:r>
-          </a:p>
-          <a:p>
-            <a:endParaRPr lang="en-US" dirty="0"/>
-          </a:p>
-          <a:p>
-            <a:endParaRPr lang="en-US" dirty="0"/>
-          </a:p>
-        </p:txBody>
-      </p:sp>
-    </p:spTree>
-    <p:extLst>
-      <p:ext uri="{BB962C8B-B14F-4D97-AF65-F5344CB8AC3E}">
-        <p14:creationId xmlns:p14="http://schemas.microsoft.com/office/powerpoint/2010/main" val="28700445"/>
-      </p:ext>
-    </p:extLst>
-  </p:cSld>
-  <p:clrMapOvr>
-    <a:masterClrMapping/>
-  </p:clrMapOvr>
-</p:sld>
-</file>
-
-<file path=ppt/slides/slide17.xml><?xml version="1.0" encoding="utf-8"?>
-<p:sld xmlns:a="http://schemas.openxmlformats.org/drawingml/2006/main" xmlns:r="http://schemas.openxmlformats.org/officeDocument/2006/relationships" xmlns:p="http://schemas.openxmlformats.org/presentationml/2006/main">
-  <p:cSld>
-    <p:spTree>
-      <p:nvGrpSpPr>
-        <p:cNvPr id="1" name=""/>
-        <p:cNvGrpSpPr/>
-        <p:nvPr/>
-      </p:nvGrpSpPr>
-      <p:grpSpPr>
-        <a:xfrm>
-          <a:off x="0" y="0"/>
-          <a:ext cx="0" cy="0"/>
-          <a:chOff x="0" y="0"/>
-          <a:chExt cx="0" cy="0"/>
-        </a:xfrm>
-      </p:grpSpPr>
-      <p:sp>
-        <p:nvSpPr>
-          <p:cNvPr id="2" name="Title 1"/>
-          <p:cNvSpPr>
-            <a:spLocks noGrp="1"/>
-          </p:cNvSpPr>
-          <p:nvPr>
-            <p:ph type="title"/>
-          </p:nvPr>
-        </p:nvSpPr>
-        <p:spPr/>
-        <p:txBody>
-          <a:bodyPr/>
-          <a:lstStyle/>
-          <a:p>
             <a:pPr algn="ctr"/>
             <a:r>
               <a:rPr lang="en-US" dirty="0"/>
@@ -4574,7 +4385,7 @@
 </p:sld>
 </file>
 
-<file path=ppt/slides/slide18.xml><?xml version="1.0" encoding="utf-8"?>
+<file path=ppt/slides/slide17.xml><?xml version="1.0" encoding="utf-8"?>
 <p:sld xmlns:a="http://schemas.openxmlformats.org/drawingml/2006/main" xmlns:r="http://schemas.openxmlformats.org/officeDocument/2006/relationships" xmlns:p="http://schemas.openxmlformats.org/presentationml/2006/main">
   <p:cSld>
     <p:spTree>
@@ -4771,7 +4582,7 @@
 </p:sld>
 </file>
 
-<file path=ppt/slides/slide19.xml><?xml version="1.0" encoding="utf-8"?>
+<file path=ppt/slides/slide18.xml><?xml version="1.0" encoding="utf-8"?>
 <p:sld xmlns:a="http://schemas.openxmlformats.org/drawingml/2006/main" xmlns:r="http://schemas.openxmlformats.org/officeDocument/2006/relationships" xmlns:p="http://schemas.openxmlformats.org/presentationml/2006/main">
   <p:cSld>
     <p:spTree>
@@ -4914,6 +4725,107 @@
 </p:sld>
 </file>
 
+<file path=ppt/slides/slide19.xml><?xml version="1.0" encoding="utf-8"?>
+<p:sld xmlns:a="http://schemas.openxmlformats.org/drawingml/2006/main" xmlns:r="http://schemas.openxmlformats.org/officeDocument/2006/relationships" xmlns:p="http://schemas.openxmlformats.org/presentationml/2006/main">
+  <p:cSld>
+    <p:spTree>
+      <p:nvGrpSpPr>
+        <p:cNvPr id="1" name=""/>
+        <p:cNvGrpSpPr/>
+        <p:nvPr/>
+      </p:nvGrpSpPr>
+      <p:grpSpPr>
+        <a:xfrm>
+          <a:off x="0" y="0"/>
+          <a:ext cx="0" cy="0"/>
+          <a:chOff x="0" y="0"/>
+          <a:chExt cx="0" cy="0"/>
+        </a:xfrm>
+      </p:grpSpPr>
+      <p:sp>
+        <p:nvSpPr>
+          <p:cNvPr id="2" name="Title 1"/>
+          <p:cNvSpPr>
+            <a:spLocks noGrp="1"/>
+          </p:cNvSpPr>
+          <p:nvPr>
+            <p:ph type="title"/>
+          </p:nvPr>
+        </p:nvSpPr>
+        <p:spPr/>
+        <p:txBody>
+          <a:bodyPr>
+            <a:normAutofit/>
+          </a:bodyPr>
+          <a:lstStyle/>
+          <a:p>
+            <a:r>
+              <a:rPr lang="en-US" b="1" dirty="0"/>
+              <a:t>Confidence intervals and P values</a:t>
+            </a:r>
+            <a:br>
+              <a:rPr lang="en-US" dirty="0"/>
+            </a:br>
+            <a:endParaRPr lang="en-US" dirty="0"/>
+          </a:p>
+        </p:txBody>
+      </p:sp>
+      <p:sp>
+        <p:nvSpPr>
+          <p:cNvPr id="3" name="Content Placeholder 2"/>
+          <p:cNvSpPr>
+            <a:spLocks noGrp="1"/>
+          </p:cNvSpPr>
+          <p:nvPr>
+            <p:ph idx="1"/>
+          </p:nvPr>
+        </p:nvSpPr>
+        <p:spPr/>
+        <p:txBody>
+          <a:bodyPr>
+            <a:noAutofit/>
+          </a:bodyPr>
+          <a:lstStyle/>
+          <a:p>
+            <a:r>
+              <a:rPr lang="en-US" sz="3600" dirty="0"/>
+              <a:t>A high P value (e.g. P = 0.62) means we can’t see the sign of the effect clearly </a:t>
+            </a:r>
+          </a:p>
+          <a:p>
+            <a:endParaRPr lang="en-US" sz="3600" dirty="0"/>
+          </a:p>
+          <a:p>
+            <a:endParaRPr lang="en-US" sz="3600" dirty="0"/>
+          </a:p>
+          <a:p>
+            <a:r>
+              <a:rPr lang="en-US" sz="3600" dirty="0"/>
+              <a:t>A low P value (e.g. P = 0.00001) means we can see the effect clearly </a:t>
+            </a:r>
+            <a:br>
+              <a:rPr lang="en-US" sz="3600" dirty="0"/>
+            </a:br>
+            <a:br>
+              <a:rPr lang="en-US" sz="3600" dirty="0"/>
+            </a:br>
+            <a:endParaRPr lang="en-US" sz="3600" dirty="0"/>
+          </a:p>
+        </p:txBody>
+      </p:sp>
+    </p:spTree>
+    <p:extLst>
+      <p:ext uri="{BB962C8B-B14F-4D97-AF65-F5344CB8AC3E}">
+        <p14:creationId xmlns:p14="http://schemas.microsoft.com/office/powerpoint/2010/main" val="1348097571"/>
+      </p:ext>
+    </p:extLst>
+  </p:cSld>
+  <p:clrMapOvr>
+    <a:masterClrMapping/>
+  </p:clrMapOvr>
+</p:sld>
+</file>
+
 <file path=ppt/slides/slide2.xml><?xml version="1.0" encoding="utf-8"?>
 <p:sld xmlns:a="http://schemas.openxmlformats.org/drawingml/2006/main" xmlns:r="http://schemas.openxmlformats.org/officeDocument/2006/relationships" xmlns:p="http://schemas.openxmlformats.org/presentationml/2006/main">
   <p:cSld>
@@ -5149,69 +5061,54 @@
         </p:nvSpPr>
         <p:spPr/>
         <p:txBody>
+          <a:bodyPr/>
+          <a:lstStyle/>
+          <a:p>
+            <a:r>
+              <a:rPr lang="en-US" dirty="0"/>
+              <a:t>The meaning of P-values</a:t>
+            </a:r>
+          </a:p>
+        </p:txBody>
+      </p:sp>
+      <p:sp>
+        <p:nvSpPr>
+          <p:cNvPr id="3" name="Content Placeholder 2"/>
+          <p:cNvSpPr>
+            <a:spLocks noGrp="1"/>
+          </p:cNvSpPr>
+          <p:nvPr>
+            <p:ph idx="1"/>
+          </p:nvPr>
+        </p:nvSpPr>
+        <p:spPr/>
+        <p:txBody>
           <a:bodyPr>
             <a:normAutofit/>
           </a:bodyPr>
           <a:lstStyle/>
           <a:p>
             <a:r>
-              <a:rPr lang="en-US" b="1" dirty="0"/>
-              <a:t>Confidence intervals and P values</a:t>
-            </a:r>
-            <a:br>
-              <a:rPr lang="en-US" dirty="0"/>
-            </a:br>
-            <a:endParaRPr lang="en-US" dirty="0"/>
-          </a:p>
-        </p:txBody>
-      </p:sp>
-      <p:sp>
-        <p:nvSpPr>
-          <p:cNvPr id="3" name="Content Placeholder 2"/>
-          <p:cNvSpPr>
-            <a:spLocks noGrp="1"/>
-          </p:cNvSpPr>
-          <p:nvPr>
-            <p:ph idx="1"/>
-          </p:nvPr>
-        </p:nvSpPr>
-        <p:spPr/>
-        <p:txBody>
-          <a:bodyPr>
-            <a:noAutofit/>
-          </a:bodyPr>
-          <a:lstStyle/>
-          <a:p>
-            <a:r>
               <a:rPr lang="en-US" sz="3600" dirty="0"/>
-              <a:t>A high P value (e.g. P = 0.62) means we can’t see the sign of the effect clearly </a:t>
+              <a:t>A P-value measures whether we are seeing something clearly</a:t>
             </a:r>
           </a:p>
           <a:p>
             <a:endParaRPr lang="en-US" sz="3600" dirty="0"/>
           </a:p>
           <a:p>
-            <a:endParaRPr lang="en-US" sz="3600" dirty="0"/>
-          </a:p>
-          <a:p>
+            <a:pPr lvl="1"/>
             <a:r>
               <a:rPr lang="en-US" sz="3600" dirty="0"/>
-              <a:t>A low P value (e.g. P = 0.00001) means we can see the effect clearly </a:t>
-            </a:r>
-            <a:br>
-              <a:rPr lang="en-US" sz="3600" dirty="0"/>
-            </a:br>
-            <a:br>
-              <a:rPr lang="en-US" sz="3600" dirty="0"/>
-            </a:br>
-            <a:endParaRPr lang="en-US" sz="3600" dirty="0"/>
+              <a:t>It’s usually the sign (+/-) of some quantity, but it doesn’t need to be</a:t>
+            </a:r>
           </a:p>
         </p:txBody>
       </p:sp>
     </p:spTree>
     <p:extLst>
       <p:ext uri="{BB962C8B-B14F-4D97-AF65-F5344CB8AC3E}">
-        <p14:creationId xmlns:p14="http://schemas.microsoft.com/office/powerpoint/2010/main" val="1348097571"/>
+        <p14:creationId xmlns:p14="http://schemas.microsoft.com/office/powerpoint/2010/main" val="538409565"/>
       </p:ext>
     </p:extLst>
   </p:cSld>
@@ -5255,7 +5152,7 @@
           <a:p>
             <a:r>
               <a:rPr lang="en-US" dirty="0"/>
-              <a:t>The meaning of P-values</a:t>
+              <a:t>Types of Statistical Error in Hypothesis Testing</a:t>
             </a:r>
           </a:p>
         </p:txBody>
@@ -5273,31 +5170,109 @@
         <p:spPr/>
         <p:txBody>
           <a:bodyPr>
-            <a:normAutofit/>
+            <a:normAutofit lnSpcReduction="10000"/>
           </a:bodyPr>
           <a:lstStyle/>
           <a:p>
             <a:r>
-              <a:rPr lang="en-US" sz="3600" dirty="0"/>
-              <a:t>A P-value measures whether we are seeing something clearly</a:t>
-            </a:r>
-          </a:p>
-          <a:p>
-            <a:endParaRPr lang="en-US" sz="3600" dirty="0"/>
+              <a:rPr lang="en-US" dirty="0"/>
+              <a:t>Type I (</a:t>
+            </a:r>
+            <a:r>
+              <a:rPr lang="en-US" i="1" dirty="0"/>
+              <a:t>False positive:</a:t>
+            </a:r>
+            <a:r>
+              <a:rPr lang="en-US" dirty="0"/>
+              <a:t>) in the hypothetical case that the effect is exactly zero, what is the probability of falsely finding an effect</a:t>
+            </a:r>
           </a:p>
           <a:p>
             <a:pPr lvl="1"/>
             <a:r>
-              <a:rPr lang="en-US" sz="3600" dirty="0"/>
-              <a:t>It’s usually the sign (+/-) of some quantity, but it doesn’t need to be</a:t>
-            </a:r>
+              <a:rPr lang="en-US" dirty="0"/>
+              <a:t>Should be less than or equal to my P-value</a:t>
+            </a:r>
+          </a:p>
+          <a:p>
+            <a:pPr lvl="1"/>
+            <a:endParaRPr lang="en-US" dirty="0"/>
+          </a:p>
+          <a:p>
+            <a:r>
+              <a:rPr lang="en-US" dirty="0"/>
+              <a:t>Type II (</a:t>
+            </a:r>
+            <a:r>
+              <a:rPr lang="en-US" i="1" dirty="0"/>
+              <a:t>False negative:</a:t>
+            </a:r>
+            <a:r>
+              <a:rPr lang="en-US" dirty="0"/>
+              <a:t>) what is the probability of failing to find an effect that is there?</a:t>
+            </a:r>
+          </a:p>
+          <a:p>
+            <a:pPr lvl="1"/>
+            <a:r>
+              <a:rPr lang="en-US" dirty="0"/>
+              <a:t>Useful, but can only be asked for a specific hypothetical effect </a:t>
+            </a:r>
+            <a:r>
+              <a:rPr lang="en-US" i="1" dirty="0"/>
+              <a:t>size</a:t>
+            </a:r>
+            <a:endParaRPr lang="en-US" dirty="0"/>
+          </a:p>
+          <a:p>
+            <a:endParaRPr lang="en-US" dirty="0"/>
+          </a:p>
+          <a:p>
+            <a:r>
+              <a:rPr lang="en-US" dirty="0"/>
+              <a:t>These types of error are useful to analyze </a:t>
+            </a:r>
+            <a:r>
+              <a:rPr lang="en-US" b="1" dirty="0"/>
+              <a:t>power</a:t>
+            </a:r>
+            <a:r>
+              <a:rPr lang="en-US" dirty="0"/>
+              <a:t> and </a:t>
+            </a:r>
+            <a:r>
+              <a:rPr lang="en-US" b="1" dirty="0"/>
+              <a:t>validity</a:t>
+            </a:r>
+            <a:r>
+              <a:rPr lang="en-US" dirty="0"/>
+              <a:t> of a statistical design</a:t>
+            </a:r>
+          </a:p>
+          <a:p>
+            <a:pPr lvl="1"/>
+            <a:r>
+              <a:rPr lang="en-US" dirty="0"/>
+              <a:t>You should do these analyses </a:t>
+            </a:r>
+            <a:r>
+              <a:rPr lang="en-US" i="1" dirty="0"/>
+              <a:t>before</a:t>
+            </a:r>
+            <a:r>
+              <a:rPr lang="en-US" dirty="0"/>
+              <a:t> you collect data, not after</a:t>
+            </a:r>
+          </a:p>
+          <a:p>
+            <a:endParaRPr lang="en-US" dirty="0"/>
           </a:p>
         </p:txBody>
       </p:sp>
     </p:spTree>
     <p:extLst>
       <p:ext uri="{BB962C8B-B14F-4D97-AF65-F5344CB8AC3E}">
-        <p14:creationId xmlns:p14="http://schemas.microsoft.com/office/powerpoint/2010/main" val="538409565"/>
+        <p14:creationId xmlns:p14="http://schemas.microsoft.com/office/powerpoint/2010/main" val="767180736"/>
       </p:ext>
     </p:extLst>
   </p:cSld>
@@ -5341,7 +5316,7 @@
           <a:p>
             <a:r>
               <a:rPr lang="en-US" dirty="0"/>
-              <a:t>Types of Statistical Error in Hypothesis Testing</a:t>
+              <a:t>Improved (?) ways of thinking about error</a:t>
             </a:r>
           </a:p>
         </p:txBody>
@@ -5359,101 +5334,50 @@
         <p:spPr/>
         <p:txBody>
           <a:bodyPr>
-            <a:normAutofit lnSpcReduction="10000"/>
+            <a:normAutofit/>
           </a:bodyPr>
           <a:lstStyle/>
           <a:p>
             <a:r>
-              <a:rPr lang="en-US" dirty="0"/>
-              <a:t>Type I (</a:t>
-            </a:r>
-            <a:r>
               <a:rPr lang="en-US" i="1" dirty="0"/>
-              <a:t>False positive:</a:t>
-            </a:r>
-            <a:r>
-              <a:rPr lang="en-US" dirty="0"/>
-              <a:t>) in the hypothetical case that the effect is exactly zero, what is the probability of falsely finding an effect</a:t>
-            </a:r>
+              <a:t>Sign error:</a:t>
+            </a:r>
+            <a:r>
+              <a:rPr lang="en-US" dirty="0"/>
+              <a:t> if I think an effect is positive, when it’s really negative (or vice versa)</a:t>
+            </a:r>
+          </a:p>
+          <a:p>
+            <a:endParaRPr lang="en-US" dirty="0"/>
+          </a:p>
+          <a:p>
+            <a:r>
+              <a:rPr lang="en-US" i="1" dirty="0"/>
+              <a:t>Magnitude error:</a:t>
+            </a:r>
+            <a:r>
+              <a:rPr lang="en-US" dirty="0"/>
+              <a:t> if I think an effect is small, when it’s really large (or vice versa)</a:t>
+            </a:r>
+          </a:p>
+          <a:p>
+            <a:endParaRPr lang="en-US" dirty="0"/>
           </a:p>
           <a:p>
             <a:pPr lvl="1"/>
             <a:r>
               <a:rPr lang="en-US" dirty="0"/>
-              <a:t>Should be less than or equal to my P-value</a:t>
-            </a:r>
-          </a:p>
-          <a:p>
-            <a:pPr lvl="1"/>
-            <a:endParaRPr lang="en-US" dirty="0"/>
-          </a:p>
-          <a:p>
-            <a:r>
-              <a:rPr lang="en-US" dirty="0"/>
-              <a:t>Type II (</a:t>
-            </a:r>
-            <a:r>
-              <a:rPr lang="en-US" i="1" dirty="0"/>
-              <a:t>False negative:</a:t>
-            </a:r>
-            <a:r>
-              <a:rPr lang="en-US" dirty="0"/>
-              <a:t>) what is the probability of failing to find an effect that is there?</a:t>
-            </a:r>
-          </a:p>
-          <a:p>
-            <a:pPr lvl="1"/>
-            <a:r>
-              <a:rPr lang="en-US" dirty="0"/>
-              <a:t>Useful, but can only be asked for a specific hypothetical effect </a:t>
-            </a:r>
-            <a:r>
-              <a:rPr lang="en-US" i="1" dirty="0"/>
-              <a:t>size</a:t>
-            </a:r>
-            <a:endParaRPr lang="en-US" dirty="0"/>
-          </a:p>
-          <a:p>
-            <a:endParaRPr lang="en-US" dirty="0"/>
-          </a:p>
-          <a:p>
-            <a:r>
-              <a:rPr lang="en-US" dirty="0"/>
-              <a:t>These types of error are useful to analyze </a:t>
-            </a:r>
-            <a:r>
-              <a:rPr lang="en-US" b="1" dirty="0"/>
-              <a:t>power</a:t>
-            </a:r>
-            <a:r>
-              <a:rPr lang="en-US" dirty="0"/>
-              <a:t> and </a:t>
-            </a:r>
-            <a:r>
-              <a:rPr lang="en-US" b="1" dirty="0"/>
-              <a:t>validity</a:t>
-            </a:r>
-            <a:r>
-              <a:rPr lang="en-US" dirty="0"/>
-              <a:t> of a statistical design</a:t>
-            </a:r>
-          </a:p>
-          <a:p>
-            <a:pPr lvl="1"/>
-            <a:r>
-              <a:rPr lang="en-US" dirty="0"/>
-              <a:t>You should do these analyses </a:t>
-            </a:r>
-            <a:r>
-              <a:rPr lang="en-US" i="1" dirty="0"/>
-              <a:t>before</a:t>
-            </a:r>
-            <a:r>
-              <a:rPr lang="en-US" dirty="0"/>
-              <a:t> you collect data, not after</a:t>
-            </a:r>
-          </a:p>
-          <a:p>
+              <a:t>Confidence intervals clarify all of this</a:t>
+            </a:r>
+            <a:br>
+              <a:rPr lang="en-US" dirty="0"/>
+            </a:br>
+            <a:br>
+              <a:rPr lang="en-US" dirty="0"/>
+            </a:br>
+            <a:br>
+              <a:rPr lang="en-US" dirty="0"/>
+            </a:br>
             <a:endParaRPr lang="en-US" dirty="0"/>
           </a:p>
         </p:txBody>
@@ -5461,7 +5385,7 @@
     </p:spTree>
     <p:extLst>
       <p:ext uri="{BB962C8B-B14F-4D97-AF65-F5344CB8AC3E}">
-        <p14:creationId xmlns:p14="http://schemas.microsoft.com/office/powerpoint/2010/main" val="767180736"/>
+        <p14:creationId xmlns:p14="http://schemas.microsoft.com/office/powerpoint/2010/main" val="1200704738"/>
       </p:ext>
     </p:extLst>
   </p:cSld>
@@ -5505,7 +5429,7 @@
           <a:p>
             <a:r>
               <a:rPr lang="en-US" dirty="0"/>
-              <a:t>Improved (?) ways of thinking about error</a:t>
+              <a:t>Low P-values (e.g. P &lt; 0.05)</a:t>
             </a:r>
           </a:p>
         </p:txBody>
@@ -5522,18 +5446,12 @@
         </p:nvSpPr>
         <p:spPr/>
         <p:txBody>
-          <a:bodyPr>
-            <a:normAutofit/>
-          </a:bodyPr>
-          <a:lstStyle/>
-          <a:p>
-            <a:r>
-              <a:rPr lang="en-US" i="1" dirty="0"/>
-              <a:t>Sign error:</a:t>
-            </a:r>
-            <a:r>
-              <a:rPr lang="en-US" dirty="0"/>
-              <a:t> if I think an effect is positive, when it’s really negative (or vice versa)</a:t>
+          <a:bodyPr/>
+          <a:lstStyle/>
+          <a:p>
+            <a:r>
+              <a:rPr lang="en-US" dirty="0"/>
+              <a:t>If I have a low P-value, then I can see something clearly</a:t>
             </a:r>
           </a:p>
           <a:p>
@@ -5541,40 +5459,37 @@
           </a:p>
           <a:p>
             <a:r>
-              <a:rPr lang="en-US" i="1" dirty="0"/>
-              <a:t>Magnitude error:</a:t>
-            </a:r>
-            <a:r>
-              <a:rPr lang="en-US" dirty="0"/>
-              <a:t> if I think an effect is small, when it’s really large (or vice versa)</a:t>
+              <a:rPr lang="en-US" dirty="0"/>
+              <a:t>This is great, but it is usually better to focus on what I see than the P-value</a:t>
             </a:r>
           </a:p>
           <a:p>
             <a:endParaRPr lang="en-US" dirty="0"/>
           </a:p>
           <a:p>
-            <a:pPr lvl="1"/>
-            <a:r>
-              <a:rPr lang="en-US" dirty="0"/>
-              <a:t>Confidence intervals clarify all of this</a:t>
-            </a:r>
-            <a:br>
-              <a:rPr lang="en-US" dirty="0"/>
-            </a:br>
-            <a:br>
-              <a:rPr lang="en-US" dirty="0"/>
-            </a:br>
-            <a:br>
-              <a:rPr lang="en-US" dirty="0"/>
-            </a:br>
-            <a:endParaRPr lang="en-US" dirty="0"/>
+            <a:r>
+              <a:rPr lang="en-US" dirty="0"/>
+              <a:t>VERY IMPORTANT: directionality</a:t>
+            </a:r>
+          </a:p>
+          <a:p>
+            <a:r>
+              <a:rPr lang="en-US" dirty="0"/>
+              <a:t>Do not write: These things are significantly different. (Who cares? Everything is different)</a:t>
+            </a:r>
+          </a:p>
+          <a:p>
+            <a:r>
+              <a:rPr lang="en-US" dirty="0"/>
+              <a:t>Write: X is significantly higher than y (magnitude, error, p-value)</a:t>
+            </a:r>
           </a:p>
         </p:txBody>
       </p:sp>
     </p:spTree>
     <p:extLst>
       <p:ext uri="{BB962C8B-B14F-4D97-AF65-F5344CB8AC3E}">
-        <p14:creationId xmlns:p14="http://schemas.microsoft.com/office/powerpoint/2010/main" val="1200704738"/>
+        <p14:creationId xmlns:p14="http://schemas.microsoft.com/office/powerpoint/2010/main" val="1863163989"/>
       </p:ext>
     </p:extLst>
   </p:cSld>
@@ -5618,7 +5533,7 @@
           <a:p>
             <a:r>
               <a:rPr lang="en-US" dirty="0"/>
-              <a:t>Low P-values (e.g. P &lt; 0.05)</a:t>
+              <a:t>High P-values (e.g. greater than 0.1)</a:t>
             </a:r>
           </a:p>
         </p:txBody>
@@ -5640,7 +5555,7 @@
           <a:p>
             <a:r>
               <a:rPr lang="en-US" dirty="0"/>
-              <a:t>If I have a low P-value, then I can see something clearly</a:t>
+              <a:t>High p-values denote something that you can not see clearly</a:t>
             </a:r>
           </a:p>
           <a:p>
@@ -5649,7 +5564,15 @@
           <a:p>
             <a:r>
               <a:rPr lang="en-US" dirty="0"/>
-              <a:t>This is great, but it is usually better to focus on what I see than the P-value</a:t>
+              <a:t>It </a:t>
+            </a:r>
+            <a:r>
+              <a:rPr lang="en-US" i="1" dirty="0"/>
+              <a:t>may</a:t>
+            </a:r>
+            <a:r>
+              <a:rPr lang="en-US" dirty="0"/>
+              <a:t> be because the effect small (possibly).</a:t>
             </a:r>
           </a:p>
           <a:p>
@@ -5658,19 +5581,7 @@
           <a:p>
             <a:r>
               <a:rPr lang="en-US" dirty="0"/>
-              <a:t>VERY IMPORTANT: directionality</a:t>
-            </a:r>
-          </a:p>
-          <a:p>
-            <a:r>
-              <a:rPr lang="en-US" dirty="0"/>
-              <a:t>Do not write: These things are significantly different. (Who cares? Everything is different)</a:t>
-            </a:r>
-          </a:p>
-          <a:p>
-            <a:r>
-              <a:rPr lang="en-US" dirty="0"/>
-              <a:t>Write: X is significantly higher than y (magnitude, error, p-value)</a:t>
+              <a:t>High p-values should not be used to be advance your conclusion.</a:t>
             </a:r>
           </a:p>
         </p:txBody>
@@ -5678,7 +5589,7 @@
     </p:spTree>
     <p:extLst>
       <p:ext uri="{BB962C8B-B14F-4D97-AF65-F5344CB8AC3E}">
-        <p14:creationId xmlns:p14="http://schemas.microsoft.com/office/powerpoint/2010/main" val="1863163989"/>
+        <p14:creationId xmlns:p14="http://schemas.microsoft.com/office/powerpoint/2010/main" val="688981196"/>
       </p:ext>
     </p:extLst>
   </p:cSld>
@@ -5722,7 +5633,7 @@
           <a:p>
             <a:r>
               <a:rPr lang="en-US" dirty="0"/>
-              <a:t>High P-values (e.g. greater than 0.1)</a:t>
+              <a:t>What causes high P-values? </a:t>
             </a:r>
           </a:p>
         </p:txBody>
@@ -5739,12 +5650,14 @@
         </p:nvSpPr>
         <p:spPr/>
         <p:txBody>
-          <a:bodyPr/>
-          <a:lstStyle/>
-          <a:p>
-            <a:r>
-              <a:rPr lang="en-US" dirty="0"/>
-              <a:t>High p-values denote something that you can not see clearly</a:t>
+          <a:bodyPr>
+            <a:normAutofit fontScale="92500" lnSpcReduction="10000"/>
+          </a:bodyPr>
+          <a:lstStyle/>
+          <a:p>
+            <a:r>
+              <a:rPr lang="en-US" dirty="0"/>
+              <a:t>Small differences</a:t>
             </a:r>
           </a:p>
           <a:p>
@@ -5753,32 +5666,55 @@
           <a:p>
             <a:r>
               <a:rPr lang="en-US" dirty="0"/>
-              <a:t>It </a:t>
+              <a:t>Less data</a:t>
+            </a:r>
+          </a:p>
+          <a:p>
+            <a:endParaRPr lang="en-US" dirty="0"/>
+          </a:p>
+          <a:p>
+            <a:r>
+              <a:rPr lang="en-US" dirty="0"/>
+              <a:t>More noise</a:t>
+            </a:r>
+          </a:p>
+          <a:p>
+            <a:endParaRPr lang="en-US" dirty="0"/>
+          </a:p>
+          <a:p>
+            <a:r>
+              <a:rPr lang="en-US" dirty="0"/>
+              <a:t>An inappropriate model</a:t>
+            </a:r>
+          </a:p>
+          <a:p>
+            <a:endParaRPr lang="en-US" dirty="0"/>
+          </a:p>
+          <a:p>
+            <a:r>
+              <a:rPr lang="en-US" dirty="0"/>
+              <a:t>A lower P-value means that your evidence for difference is better, but a higher P-value means that your evidence for similarity is </a:t>
             </a:r>
             <a:r>
               <a:rPr lang="en-US" i="1" dirty="0"/>
-              <a:t>may</a:t>
-            </a:r>
-            <a:r>
-              <a:rPr lang="en-US" dirty="0"/>
-              <a:t> be because the effect small (possibly).</a:t>
-            </a:r>
-          </a:p>
-          <a:p>
+              <a:t>better </a:t>
+            </a:r>
+            <a:r>
+              <a:rPr lang="en-US" dirty="0"/>
+              <a:t>OR </a:t>
+            </a:r>
+            <a:r>
+              <a:rPr lang="en-US" i="1" dirty="0"/>
+              <a:t>worse</a:t>
+            </a:r>
             <a:endParaRPr lang="en-US" dirty="0"/>
-          </a:p>
-          <a:p>
-            <a:r>
-              <a:rPr lang="en-US" dirty="0"/>
-              <a:t>High p-values should not be used to be advance your conclusion.</a:t>
-            </a:r>
           </a:p>
         </p:txBody>
       </p:sp>
     </p:spTree>
     <p:extLst>
       <p:ext uri="{BB962C8B-B14F-4D97-AF65-F5344CB8AC3E}">
-        <p14:creationId xmlns:p14="http://schemas.microsoft.com/office/powerpoint/2010/main" val="688981196"/>
+        <p14:creationId xmlns:p14="http://schemas.microsoft.com/office/powerpoint/2010/main" val="982087675"/>
       </p:ext>
     </p:extLst>
   </p:cSld>
@@ -5820,90 +5756,76 @@
           <a:bodyPr/>
           <a:lstStyle/>
           <a:p>
-            <a:r>
-              <a:rPr lang="en-US" dirty="0"/>
-              <a:t>What causes high P-values? </a:t>
-            </a:r>
-          </a:p>
-        </p:txBody>
-      </p:sp>
-      <p:sp>
-        <p:nvSpPr>
-          <p:cNvPr id="3" name="Content Placeholder 2"/>
-          <p:cNvSpPr>
-            <a:spLocks noGrp="1"/>
-          </p:cNvSpPr>
+            <a:pPr algn="ctr"/>
+            <a:r>
+              <a:rPr lang="en-US" dirty="0"/>
+              <a:t>Why is weather not causing deaths?</a:t>
+            </a:r>
+          </a:p>
+        </p:txBody>
+      </p:sp>
+      <p:pic>
+        <p:nvPicPr>
+          <p:cNvPr id="4" name="Content Placeholder 3"/>
+          <p:cNvPicPr>
+            <a:picLocks noGrp="1" noChangeAspect="1"/>
+          </p:cNvPicPr>
           <p:nvPr>
             <p:ph idx="1"/>
           </p:nvPr>
-        </p:nvSpPr>
-        <p:spPr/>
-        <p:txBody>
-          <a:bodyPr>
-            <a:normAutofit fontScale="92500" lnSpcReduction="10000"/>
+        </p:nvPicPr>
+        <p:blipFill>
+          <a:blip r:embed="rId2">
+            <a:extLst>
+              <a:ext uri="{28A0092B-C50C-407E-A947-70E740481C1C}">
+                <a14:useLocalDpi xmlns:a14="http://schemas.microsoft.com/office/drawing/2010/main" val="0"/>
+              </a:ext>
+            </a:extLst>
+          </a:blip>
+          <a:stretch>
+            <a:fillRect/>
+          </a:stretch>
+        </p:blipFill>
+        <p:spPr>
+          <a:xfrm>
+            <a:off x="3591718" y="1897063"/>
+            <a:ext cx="4351338" cy="4351338"/>
+          </a:xfrm>
+        </p:spPr>
+      </p:pic>
+      <p:sp>
+        <p:nvSpPr>
+          <p:cNvPr id="5" name="TextBox 4"/>
+          <p:cNvSpPr txBox="1"/>
+          <p:nvPr/>
+        </p:nvSpPr>
+        <p:spPr>
+          <a:xfrm>
+            <a:off x="7272338" y="2586038"/>
+            <a:ext cx="2395015" cy="369332"/>
+          </a:xfrm>
+          <a:prstGeom prst="rect">
+            <a:avLst/>
+          </a:prstGeom>
+          <a:noFill/>
+        </p:spPr>
+        <p:txBody>
+          <a:bodyPr wrap="none" rtlCol="0">
+            <a:spAutoFit/>
           </a:bodyPr>
           <a:lstStyle/>
           <a:p>
             <a:r>
               <a:rPr lang="en-US" dirty="0"/>
-              <a:t>Small differences</a:t>
-            </a:r>
-          </a:p>
-          <a:p>
-            <a:endParaRPr lang="en-US" dirty="0"/>
-          </a:p>
-          <a:p>
-            <a:r>
-              <a:rPr lang="en-US" dirty="0"/>
-              <a:t>Less data</a:t>
-            </a:r>
-          </a:p>
-          <a:p>
-            <a:endParaRPr lang="en-US" dirty="0"/>
-          </a:p>
-          <a:p>
-            <a:r>
-              <a:rPr lang="en-US" dirty="0"/>
-              <a:t>More noise</a:t>
-            </a:r>
-          </a:p>
-          <a:p>
-            <a:endParaRPr lang="en-US" dirty="0"/>
-          </a:p>
-          <a:p>
-            <a:r>
-              <a:rPr lang="en-US" dirty="0"/>
-              <a:t>An inappropriate model</a:t>
-            </a:r>
-          </a:p>
-          <a:p>
-            <a:endParaRPr lang="en-US" dirty="0"/>
-          </a:p>
-          <a:p>
-            <a:r>
-              <a:rPr lang="en-US" dirty="0"/>
-              <a:t>A lower P-value means that your evidence for difference is better, but a higher P-value means that your evidence for similarity is </a:t>
-            </a:r>
-            <a:r>
-              <a:rPr lang="en-US" i="1" dirty="0"/>
-              <a:t>better </a:t>
-            </a:r>
-            <a:r>
-              <a:rPr lang="en-US" dirty="0"/>
-              <a:t>OR </a:t>
-            </a:r>
-            <a:r>
-              <a:rPr lang="en-US" i="1" dirty="0"/>
-              <a:t>worse</a:t>
-            </a:r>
-            <a:endParaRPr lang="en-US" dirty="0"/>
+              <a:t>P values sig. diff. from 0</a:t>
+            </a:r>
           </a:p>
         </p:txBody>
       </p:sp>
     </p:spTree>
     <p:extLst>
       <p:ext uri="{BB962C8B-B14F-4D97-AF65-F5344CB8AC3E}">
-        <p14:creationId xmlns:p14="http://schemas.microsoft.com/office/powerpoint/2010/main" val="982087675"/>
+        <p14:creationId xmlns:p14="http://schemas.microsoft.com/office/powerpoint/2010/main" val="793585339"/>
       </p:ext>
     </p:extLst>
   </p:cSld>
@@ -5945,10 +5867,9 @@
           <a:bodyPr/>
           <a:lstStyle/>
           <a:p>
-            <a:pPr algn="ctr"/>
-            <a:r>
-              <a:rPr lang="en-US" dirty="0"/>
-              <a:t>Why is weather not causing deaths?</a:t>
+            <a:r>
+              <a:rPr lang="en-US" dirty="0"/>
+              <a:t>Confidence intervals tell us much more</a:t>
             </a:r>
           </a:p>
         </p:txBody>
@@ -5977,7 +5898,7 @@
         </p:blipFill>
         <p:spPr>
           <a:xfrm>
-            <a:off x="3591718" y="1897063"/>
+            <a:off x="3920331" y="1825625"/>
             <a:ext cx="4351338" cy="4351338"/>
           </a:xfrm>
         </p:spPr>
@@ -5990,8 +5911,8 @@
         </p:nvSpPr>
         <p:spPr>
           <a:xfrm>
-            <a:off x="7272338" y="2586038"/>
-            <a:ext cx="2395015" cy="369332"/>
+            <a:off x="8486775" y="2143124"/>
+            <a:ext cx="2543175" cy="923330"/>
           </a:xfrm>
           <a:prstGeom prst="rect">
             <a:avLst/>
@@ -5999,14 +5920,14 @@
           <a:noFill/>
         </p:spPr>
         <p:txBody>
-          <a:bodyPr wrap="none" rtlCol="0">
+          <a:bodyPr wrap="square" rtlCol="0">
             <a:spAutoFit/>
           </a:bodyPr>
           <a:lstStyle/>
           <a:p>
             <a:r>
               <a:rPr lang="en-US" dirty="0"/>
-              <a:t>P values sig. diff. from 0</a:t>
+              <a:t>The effect of weather COULD be greater than flu.  </a:t>
             </a:r>
           </a:p>
         </p:txBody>
@@ -6014,7 +5935,7 @@
     </p:spTree>
     <p:extLst>
       <p:ext uri="{BB962C8B-B14F-4D97-AF65-F5344CB8AC3E}">
-        <p14:creationId xmlns:p14="http://schemas.microsoft.com/office/powerpoint/2010/main" val="793585339"/>
+        <p14:creationId xmlns:p14="http://schemas.microsoft.com/office/powerpoint/2010/main" val="1782583854"/>
       </p:ext>
     </p:extLst>
   </p:cSld>
@@ -6058,65 +5979,38 @@
           <a:p>
             <a:r>
               <a:rPr lang="en-US" dirty="0"/>
-              <a:t>Confidence intervals tell us much more</a:t>
-            </a:r>
-          </a:p>
-        </p:txBody>
-      </p:sp>
-      <p:pic>
-        <p:nvPicPr>
-          <p:cNvPr id="4" name="Content Placeholder 3"/>
-          <p:cNvPicPr>
-            <a:picLocks noGrp="1" noChangeAspect="1"/>
-          </p:cNvPicPr>
+              <a:t>Logical tendencies</a:t>
+            </a:r>
+          </a:p>
+        </p:txBody>
+      </p:sp>
+      <p:sp>
+        <p:nvSpPr>
+          <p:cNvPr id="3" name="Content Placeholder 2"/>
+          <p:cNvSpPr>
+            <a:spLocks noGrp="1"/>
+          </p:cNvSpPr>
           <p:nvPr>
             <p:ph idx="1"/>
           </p:nvPr>
-        </p:nvPicPr>
-        <p:blipFill>
-          <a:blip r:embed="rId2">
-            <a:extLst>
-              <a:ext uri="{28A0092B-C50C-407E-A947-70E740481C1C}">
-                <a14:useLocalDpi xmlns:a14="http://schemas.microsoft.com/office/drawing/2010/main" val="0"/>
-              </a:ext>
-            </a:extLst>
-          </a:blip>
-          <a:stretch>
-            <a:fillRect/>
-          </a:stretch>
-        </p:blipFill>
-        <p:spPr>
-          <a:xfrm>
-            <a:off x="3920331" y="1825625"/>
-            <a:ext cx="4351338" cy="4351338"/>
-          </a:xfrm>
-        </p:spPr>
-      </p:pic>
-      <p:sp>
-        <p:nvSpPr>
-          <p:cNvPr id="5" name="TextBox 4"/>
-          <p:cNvSpPr txBox="1"/>
-          <p:nvPr/>
-        </p:nvSpPr>
-        <p:spPr>
-          <a:xfrm>
-            <a:off x="8486775" y="2143124"/>
-            <a:ext cx="2543175" cy="923330"/>
-          </a:xfrm>
-          <a:prstGeom prst="rect">
-            <a:avLst/>
-          </a:prstGeom>
-          <a:noFill/>
-        </p:spPr>
-        <p:txBody>
-          <a:bodyPr wrap="square" rtlCol="0">
-            <a:spAutoFit/>
-          </a:bodyPr>
-          <a:lstStyle/>
-          <a:p>
-            <a:r>
-              <a:rPr lang="en-US" dirty="0"/>
-              <a:t>The effect of weather COULD be greater than flu.  </a:t>
+        </p:nvSpPr>
+        <p:spPr/>
+        <p:txBody>
+          <a:bodyPr/>
+          <a:lstStyle/>
+          <a:p>
+            <a:r>
+              <a:rPr lang="en-US" dirty="0"/>
+              <a:t>It is not technically correct to say flu is significant, but weather isn’t, therefore flu is a more important killer of people than weather</a:t>
+            </a:r>
+          </a:p>
+          <a:p>
+            <a:endParaRPr lang="en-US" dirty="0"/>
+          </a:p>
+          <a:p>
+            <a:r>
+              <a:rPr lang="en-US" dirty="0"/>
+              <a:t>You should use a statistic to examine this directly </a:t>
             </a:r>
           </a:p>
         </p:txBody>
@@ -6124,7 +6018,7 @@
     </p:spTree>
     <p:extLst>
       <p:ext uri="{BB962C8B-B14F-4D97-AF65-F5344CB8AC3E}">
-        <p14:creationId xmlns:p14="http://schemas.microsoft.com/office/powerpoint/2010/main" val="1782583854"/>
+        <p14:creationId xmlns:p14="http://schemas.microsoft.com/office/powerpoint/2010/main" val="1843295887"/>
       </p:ext>
     </p:extLst>
   </p:cSld>
@@ -6168,7 +6062,7 @@
           <a:p>
             <a:r>
               <a:rPr lang="en-US" dirty="0"/>
-              <a:t>Logical tendencies</a:t>
+              <a:t>Small effects</a:t>
             </a:r>
           </a:p>
         </p:txBody>
@@ -6190,7 +6084,7 @@
           <a:p>
             <a:r>
               <a:rPr lang="en-US" dirty="0"/>
-              <a:t>It is not technically correct to say flu is significant, but weather isn’t, therefore flu is a more important killer of people than weather</a:t>
+              <a:t>We can’t build statistical confidence that something is small by failing to see it clearly</a:t>
             </a:r>
           </a:p>
           <a:p>
@@ -6199,15 +6093,28 @@
           <a:p>
             <a:r>
               <a:rPr lang="en-US" dirty="0"/>
-              <a:t>You should use a statistic to examine this directly </a:t>
-            </a:r>
+              <a:t>We must instead see clearly that it is small</a:t>
+            </a:r>
+          </a:p>
+          <a:p>
+            <a:endParaRPr lang="en-US" dirty="0"/>
+          </a:p>
+          <a:p>
+            <a:r>
+              <a:rPr lang="en-US" dirty="0"/>
+              <a:t>This means we need a standard for what we mean by small</a:t>
+            </a:r>
+            <a:br>
+              <a:rPr lang="en-US" dirty="0"/>
+            </a:br>
+            <a:endParaRPr lang="en-US" dirty="0"/>
           </a:p>
         </p:txBody>
       </p:sp>
     </p:spTree>
     <p:extLst>
       <p:ext uri="{BB962C8B-B14F-4D97-AF65-F5344CB8AC3E}">
-        <p14:creationId xmlns:p14="http://schemas.microsoft.com/office/powerpoint/2010/main" val="1843295887"/>
+        <p14:creationId xmlns:p14="http://schemas.microsoft.com/office/powerpoint/2010/main" val="741183765"/>
       </p:ext>
     </p:extLst>
   </p:cSld>
@@ -6239,7 +6146,7 @@
           <p:cNvPr id="2" name="Title 1">
             <a:extLst>
               <a:ext uri="{FF2B5EF4-FFF2-40B4-BE49-F238E27FC236}">
-                <a16:creationId xmlns:a16="http://schemas.microsoft.com/office/drawing/2014/main" id="{67747B18-A529-4348-A111-F77508B84618}"/>
+                <a16:creationId xmlns:a16="http://schemas.microsoft.com/office/drawing/2014/main" id="{861473AE-C073-CF41-8879-457A195831D3}"/>
               </a:ext>
             </a:extLst>
           </p:cNvPr>
@@ -6257,7 +6164,7 @@
           <a:p>
             <a:r>
               <a:rPr lang="en-US" dirty="0"/>
-              <a:t>A few more project organization notes</a:t>
+              <a:t>Discussion on Thursday</a:t>
             </a:r>
           </a:p>
         </p:txBody>
@@ -6267,7 +6174,7 @@
           <p:cNvPr id="3" name="Content Placeholder 2">
             <a:extLst>
               <a:ext uri="{FF2B5EF4-FFF2-40B4-BE49-F238E27FC236}">
-                <a16:creationId xmlns:a16="http://schemas.microsoft.com/office/drawing/2014/main" id="{D01A6383-C916-D94E-9109-31EB88FE29B2}"/>
+                <a16:creationId xmlns:a16="http://schemas.microsoft.com/office/drawing/2014/main" id="{704B10AF-8058-CB45-8F84-BD7DC770E9EB}"/>
               </a:ext>
             </a:extLst>
           </p:cNvPr>
@@ -6285,80 +6192,52 @@
           </a:bodyPr>
           <a:lstStyle/>
           <a:p>
-            <a:pPr marL="0" indent="0">
-              <a:buNone/>
-            </a:pPr>
-            <a:r>
-              <a:rPr lang="en-US" dirty="0"/>
-              <a:t>I have added a file called “Tips for turning in assignments”. Everyone should read this. </a:t>
-            </a:r>
-          </a:p>
-          <a:p>
-            <a:pPr marL="0" indent="0">
-              <a:buNone/>
-            </a:pPr>
+            <a:r>
+              <a:rPr lang="en-US" dirty="0"/>
+              <a:t>Thursday we will have a class discussion</a:t>
+            </a:r>
+          </a:p>
+          <a:p>
+            <a:pPr lvl="1"/>
+            <a:r>
+              <a:rPr lang="en-US" dirty="0"/>
+              <a:t>Please be prepared to speak at least once</a:t>
+            </a:r>
+          </a:p>
+          <a:p>
+            <a:pPr lvl="1"/>
+            <a:r>
+              <a:rPr lang="en-US" dirty="0"/>
+              <a:t>Please turn on your cameras if you can</a:t>
+            </a:r>
+          </a:p>
+          <a:p>
             <a:endParaRPr lang="en-US" dirty="0"/>
           </a:p>
           <a:p>
-            <a:pPr marL="0" indent="0">
-              <a:buNone/>
-            </a:pPr>
-            <a:r>
-              <a:rPr lang="en-US" dirty="0"/>
-              <a:t>Check your README files</a:t>
-            </a:r>
-          </a:p>
-          <a:p>
-            <a:pPr marL="0" indent="0">
-              <a:buNone/>
-            </a:pPr>
-            <a:r>
-              <a:rPr lang="en-US" dirty="0"/>
-              <a:t>They should have:</a:t>
-            </a:r>
-          </a:p>
-          <a:p>
-            <a:pPr marL="0" indent="0">
-              <a:buNone/>
-            </a:pPr>
-            <a:r>
-              <a:rPr lang="en-US" dirty="0"/>
-              <a:t>1)Your paragraph about your data at the top</a:t>
-            </a:r>
-          </a:p>
-          <a:p>
-            <a:pPr marL="0" indent="0">
-              <a:buNone/>
-            </a:pPr>
-            <a:r>
-              <a:rPr lang="en-US" dirty="0"/>
-              <a:t>2) A section for each week</a:t>
-            </a:r>
-          </a:p>
-          <a:p>
-            <a:pPr marL="0" indent="0">
-              <a:buNone/>
-            </a:pPr>
-            <a:r>
-              <a:rPr lang="en-US" dirty="0"/>
-              <a:t>3) In each weekly section, a description of what you did in each week</a:t>
-            </a:r>
-          </a:p>
-          <a:p>
-            <a:pPr marL="0" indent="0">
-              <a:buNone/>
-            </a:pPr>
-            <a:r>
-              <a:rPr lang="en-US" dirty="0"/>
-              <a:t>4) For each week, the names of the code and data files used that week</a:t>
-            </a:r>
+            <a:r>
+              <a:rPr lang="en-US" dirty="0"/>
+              <a:t>Please read articles 1-4. They should not be too hard to get through. Think about your own statistical philosophy and be prepared to talk about what statistical inference means to you.</a:t>
+            </a:r>
+          </a:p>
+          <a:p>
+            <a:endParaRPr lang="en-US" dirty="0"/>
+          </a:p>
+          <a:p>
+            <a:r>
+              <a:rPr lang="en-US" dirty="0"/>
+              <a:t>Consider looking through articles 5 -8. Different articles will speak to different people.  </a:t>
+            </a:r>
+          </a:p>
+          <a:p>
+            <a:endParaRPr lang="en-US" dirty="0"/>
           </a:p>
         </p:txBody>
       </p:sp>
     </p:spTree>
     <p:extLst>
       <p:ext uri="{BB962C8B-B14F-4D97-AF65-F5344CB8AC3E}">
-        <p14:creationId xmlns:p14="http://schemas.microsoft.com/office/powerpoint/2010/main" val="328252060"/>
+        <p14:creationId xmlns:p14="http://schemas.microsoft.com/office/powerpoint/2010/main" val="1046764774"/>
       </p:ext>
     </p:extLst>
   </p:cSld>
@@ -6402,7 +6281,7 @@
           <a:p>
             <a:r>
               <a:rPr lang="en-US" dirty="0"/>
-              <a:t>Small effects</a:t>
+              <a:t>Statistical Paradigms</a:t>
             </a:r>
           </a:p>
         </p:txBody>
@@ -6424,7 +6303,7 @@
           <a:p>
             <a:r>
               <a:rPr lang="en-US" dirty="0"/>
-              <a:t>We can’t build statistical confidence that something is small by failing to see it clearly</a:t>
+              <a:t>Frequentist</a:t>
             </a:r>
           </a:p>
           <a:p>
@@ -6433,28 +6312,15 @@
           <a:p>
             <a:r>
               <a:rPr lang="en-US" dirty="0"/>
-              <a:t>We must instead see clearly that it is small</a:t>
-            </a:r>
-          </a:p>
-          <a:p>
-            <a:endParaRPr lang="en-US" dirty="0"/>
-          </a:p>
-          <a:p>
-            <a:r>
-              <a:rPr lang="en-US" dirty="0"/>
-              <a:t>This means we need a standard for what we mean by small</a:t>
-            </a:r>
-            <a:br>
-              <a:rPr lang="en-US" dirty="0"/>
-            </a:br>
-            <a:endParaRPr lang="en-US" dirty="0"/>
+              <a:t>Bayesians</a:t>
+            </a:r>
           </a:p>
         </p:txBody>
       </p:sp>
     </p:spTree>
     <p:extLst>
       <p:ext uri="{BB962C8B-B14F-4D97-AF65-F5344CB8AC3E}">
-        <p14:creationId xmlns:p14="http://schemas.microsoft.com/office/powerpoint/2010/main" val="741183765"/>
+        <p14:creationId xmlns:p14="http://schemas.microsoft.com/office/powerpoint/2010/main" val="1399379957"/>
       </p:ext>
     </p:extLst>
   </p:cSld>
@@ -6498,89 +6364,6 @@
           <a:p>
             <a:r>
               <a:rPr lang="en-US" dirty="0"/>
-              <a:t>Statistical Paradigms</a:t>
-            </a:r>
-          </a:p>
-        </p:txBody>
-      </p:sp>
-      <p:sp>
-        <p:nvSpPr>
-          <p:cNvPr id="3" name="Content Placeholder 2"/>
-          <p:cNvSpPr>
-            <a:spLocks noGrp="1"/>
-          </p:cNvSpPr>
-          <p:nvPr>
-            <p:ph idx="1"/>
-          </p:nvPr>
-        </p:nvSpPr>
-        <p:spPr/>
-        <p:txBody>
-          <a:bodyPr/>
-          <a:lstStyle/>
-          <a:p>
-            <a:r>
-              <a:rPr lang="en-US" dirty="0"/>
-              <a:t>Frequentist</a:t>
-            </a:r>
-          </a:p>
-          <a:p>
-            <a:endParaRPr lang="en-US" dirty="0"/>
-          </a:p>
-          <a:p>
-            <a:r>
-              <a:rPr lang="en-US" dirty="0"/>
-              <a:t>Bayesians</a:t>
-            </a:r>
-          </a:p>
-        </p:txBody>
-      </p:sp>
-    </p:spTree>
-    <p:extLst>
-      <p:ext uri="{BB962C8B-B14F-4D97-AF65-F5344CB8AC3E}">
-        <p14:creationId xmlns:p14="http://schemas.microsoft.com/office/powerpoint/2010/main" val="1399379957"/>
-      </p:ext>
-    </p:extLst>
-  </p:cSld>
-  <p:clrMapOvr>
-    <a:masterClrMapping/>
-  </p:clrMapOvr>
-</p:sld>
-</file>
-
-<file path=ppt/slides/slide32.xml><?xml version="1.0" encoding="utf-8"?>
-<p:sld xmlns:a="http://schemas.openxmlformats.org/drawingml/2006/main" xmlns:r="http://schemas.openxmlformats.org/officeDocument/2006/relationships" xmlns:p="http://schemas.openxmlformats.org/presentationml/2006/main">
-  <p:cSld>
-    <p:spTree>
-      <p:nvGrpSpPr>
-        <p:cNvPr id="1" name=""/>
-        <p:cNvGrpSpPr/>
-        <p:nvPr/>
-      </p:nvGrpSpPr>
-      <p:grpSpPr>
-        <a:xfrm>
-          <a:off x="0" y="0"/>
-          <a:ext cx="0" cy="0"/>
-          <a:chOff x="0" y="0"/>
-          <a:chExt cx="0" cy="0"/>
-        </a:xfrm>
-      </p:grpSpPr>
-      <p:sp>
-        <p:nvSpPr>
-          <p:cNvPr id="2" name="Title 1"/>
-          <p:cNvSpPr>
-            <a:spLocks noGrp="1"/>
-          </p:cNvSpPr>
-          <p:nvPr>
-            <p:ph type="title"/>
-          </p:nvPr>
-        </p:nvSpPr>
-        <p:spPr/>
-        <p:txBody>
-          <a:bodyPr/>
-          <a:lstStyle/>
-          <a:p>
-            <a:r>
-              <a:rPr lang="en-US" dirty="0"/>
               <a:t>Frequentist paradigm</a:t>
             </a:r>
           </a:p>
@@ -6636,7 +6419,7 @@
 </p:sld>
 </file>
 
-<file path=ppt/slides/slide33.xml><?xml version="1.0" encoding="utf-8"?>
+<file path=ppt/slides/slide32.xml><?xml version="1.0" encoding="utf-8"?>
 <p:sld xmlns:a="http://schemas.openxmlformats.org/drawingml/2006/main" xmlns:r="http://schemas.openxmlformats.org/officeDocument/2006/relationships" xmlns:p="http://schemas.openxmlformats.org/presentationml/2006/main">
   <p:cSld>
     <p:spTree>
@@ -6821,7 +6604,7 @@
 </p:sld>
 </file>
 
-<file path=ppt/slides/slide34.xml><?xml version="1.0" encoding="utf-8"?>
+<file path=ppt/slides/slide33.xml><?xml version="1.0" encoding="utf-8"?>
 <p:sld xmlns:a="http://schemas.openxmlformats.org/drawingml/2006/main" xmlns:r="http://schemas.openxmlformats.org/officeDocument/2006/relationships" xmlns:p="http://schemas.openxmlformats.org/presentationml/2006/main">
   <p:cSld>
     <p:spTree>
@@ -6954,7 +6737,7 @@
 </p:sld>
 </file>
 
-<file path=ppt/slides/slide35.xml><?xml version="1.0" encoding="utf-8"?>
+<file path=ppt/slides/slide34.xml><?xml version="1.0" encoding="utf-8"?>
 <p:sld xmlns:a="http://schemas.openxmlformats.org/drawingml/2006/main" xmlns:r="http://schemas.openxmlformats.org/officeDocument/2006/relationships" xmlns:p="http://schemas.openxmlformats.org/presentationml/2006/main">
   <p:cSld>
     <p:spTree>
@@ -7120,6 +6903,126 @@
 </p:sld>
 </file>
 
+<file path=ppt/slides/slide35.xml><?xml version="1.0" encoding="utf-8"?>
+<p:sld xmlns:a="http://schemas.openxmlformats.org/drawingml/2006/main" xmlns:r="http://schemas.openxmlformats.org/officeDocument/2006/relationships" xmlns:p="http://schemas.openxmlformats.org/presentationml/2006/main">
+  <p:cSld>
+    <p:spTree>
+      <p:nvGrpSpPr>
+        <p:cNvPr id="1" name=""/>
+        <p:cNvGrpSpPr/>
+        <p:nvPr/>
+      </p:nvGrpSpPr>
+      <p:grpSpPr>
+        <a:xfrm>
+          <a:off x="0" y="0"/>
+          <a:ext cx="0" cy="0"/>
+          <a:chOff x="0" y="0"/>
+          <a:chExt cx="0" cy="0"/>
+        </a:xfrm>
+      </p:grpSpPr>
+      <p:sp>
+        <p:nvSpPr>
+          <p:cNvPr id="2" name="Title 1"/>
+          <p:cNvSpPr>
+            <a:spLocks noGrp="1"/>
+          </p:cNvSpPr>
+          <p:nvPr>
+            <p:ph type="title"/>
+          </p:nvPr>
+        </p:nvSpPr>
+        <p:spPr/>
+        <p:txBody>
+          <a:bodyPr/>
+          <a:lstStyle/>
+          <a:p>
+            <a:pPr algn="ctr"/>
+            <a:r>
+              <a:rPr lang="en-US" dirty="0"/>
+              <a:t>Breaking down the frequentists</a:t>
+            </a:r>
+          </a:p>
+        </p:txBody>
+      </p:sp>
+      <p:sp>
+        <p:nvSpPr>
+          <p:cNvPr id="3" name="Content Placeholder 2"/>
+          <p:cNvSpPr>
+            <a:spLocks noGrp="1"/>
+          </p:cNvSpPr>
+          <p:nvPr>
+            <p:ph idx="1"/>
+          </p:nvPr>
+        </p:nvSpPr>
+        <p:spPr/>
+        <p:txBody>
+          <a:bodyPr/>
+          <a:lstStyle/>
+          <a:p>
+            <a:r>
+              <a:rPr lang="en-US" dirty="0"/>
+              <a:t>Frequentist</a:t>
+            </a:r>
+          </a:p>
+          <a:p>
+            <a:pPr lvl="1"/>
+            <a:r>
+              <a:rPr lang="en-US" dirty="0"/>
+              <a:t>P-value -</a:t>
+            </a:r>
+            <a:r>
+              <a:rPr lang="en-US" dirty="0" err="1"/>
+              <a:t>ists</a:t>
+            </a:r>
+            <a:endParaRPr lang="en-US" dirty="0"/>
+          </a:p>
+          <a:p>
+            <a:pPr lvl="1"/>
+            <a:r>
+              <a:rPr lang="en-US" dirty="0"/>
+              <a:t>Information </a:t>
+            </a:r>
+            <a:r>
+              <a:rPr lang="en-US" dirty="0" err="1"/>
+              <a:t>theoretians</a:t>
+            </a:r>
+            <a:endParaRPr lang="en-US" dirty="0"/>
+          </a:p>
+          <a:p>
+            <a:pPr lvl="1"/>
+            <a:r>
+              <a:rPr lang="en-US" dirty="0"/>
+              <a:t>Maximum likelihood-</a:t>
+            </a:r>
+            <a:r>
+              <a:rPr lang="en-US" dirty="0" err="1"/>
+              <a:t>ists</a:t>
+            </a:r>
+            <a:endParaRPr lang="en-US" dirty="0"/>
+          </a:p>
+          <a:p>
+            <a:endParaRPr lang="en-US" dirty="0"/>
+          </a:p>
+          <a:p>
+            <a:r>
+              <a:rPr lang="en-US" dirty="0"/>
+              <a:t>Bayesians</a:t>
+            </a:r>
+          </a:p>
+        </p:txBody>
+      </p:sp>
+    </p:spTree>
+    <p:extLst>
+      <p:ext uri="{BB962C8B-B14F-4D97-AF65-F5344CB8AC3E}">
+        <p14:creationId xmlns:p14="http://schemas.microsoft.com/office/powerpoint/2010/main" val="1645516064"/>
+      </p:ext>
+    </p:extLst>
+  </p:cSld>
+  <p:clrMapOvr>
+    <a:masterClrMapping/>
+  </p:clrMapOvr>
+</p:sld>
+</file>
+
 <file path=ppt/slides/slide36.xml><?xml version="1.0" encoding="utf-8"?>
 <p:sld xmlns:a="http://schemas.openxmlformats.org/drawingml/2006/main" xmlns:r="http://schemas.openxmlformats.org/officeDocument/2006/relationships" xmlns:p="http://schemas.openxmlformats.org/presentationml/2006/main">
   <p:cSld>
@@ -7152,39 +7055,9 @@
           <a:bodyPr/>
           <a:lstStyle/>
           <a:p>
-            <a:pPr algn="ctr"/>
-            <a:r>
-              <a:rPr lang="en-US" dirty="0"/>
-              <a:t>Breaking down the frequentists</a:t>
-            </a:r>
-          </a:p>
-        </p:txBody>
-      </p:sp>
-      <p:sp>
-        <p:nvSpPr>
-          <p:cNvPr id="3" name="Content Placeholder 2"/>
-          <p:cNvSpPr>
-            <a:spLocks noGrp="1"/>
-          </p:cNvSpPr>
-          <p:nvPr>
-            <p:ph idx="1"/>
-          </p:nvPr>
-        </p:nvSpPr>
-        <p:spPr/>
-        <p:txBody>
-          <a:bodyPr/>
-          <a:lstStyle/>
-          <a:p>
-            <a:r>
-              <a:rPr lang="en-US" dirty="0"/>
-              <a:t>Frequentist</a:t>
-            </a:r>
-          </a:p>
-          <a:p>
-            <a:pPr lvl="1"/>
-            <a:r>
-              <a:rPr lang="en-US" dirty="0"/>
-              <a:t>P-value -</a:t>
+            <a:r>
+              <a:rPr lang="en-US" dirty="0"/>
+              <a:t>P-value-</a:t>
             </a:r>
             <a:r>
               <a:rPr lang="en-US" dirty="0" err="1"/>
@@ -7192,37 +7065,42 @@
             </a:r>
             <a:endParaRPr lang="en-US" dirty="0"/>
           </a:p>
+        </p:txBody>
+      </p:sp>
+      <p:sp>
+        <p:nvSpPr>
+          <p:cNvPr id="3" name="Content Placeholder 2"/>
+          <p:cNvSpPr>
+            <a:spLocks noGrp="1"/>
+          </p:cNvSpPr>
+          <p:nvPr>
+            <p:ph idx="1"/>
+          </p:nvPr>
+        </p:nvSpPr>
+        <p:spPr/>
+        <p:txBody>
+          <a:bodyPr/>
+          <a:lstStyle/>
+          <a:p>
+            <a:r>
+              <a:rPr lang="en-US" dirty="0"/>
+              <a:t>Characterized by an undying love for P-values</a:t>
+            </a:r>
+          </a:p>
+          <a:p>
+            <a:endParaRPr lang="en-US" dirty="0"/>
+          </a:p>
+          <a:p>
+            <a:r>
+              <a:rPr lang="en-US" dirty="0"/>
+              <a:t>An unrealistic focus on null hypotheses: there is no significant difference between groups</a:t>
+            </a:r>
+          </a:p>
           <a:p>
             <a:pPr lvl="1"/>
             <a:r>
               <a:rPr lang="en-US" dirty="0"/>
-              <a:t>Information </a:t>
-            </a:r>
-            <a:r>
-              <a:rPr lang="en-US" dirty="0" err="1"/>
-              <a:t>theoretians</a:t>
-            </a:r>
-            <a:endParaRPr lang="en-US" dirty="0"/>
-          </a:p>
-          <a:p>
-            <a:pPr lvl="1"/>
-            <a:r>
-              <a:rPr lang="en-US" dirty="0"/>
-              <a:t>Maximum likelihood-</a:t>
-            </a:r>
-            <a:r>
-              <a:rPr lang="en-US" dirty="0" err="1"/>
-              <a:t>ists</a:t>
-            </a:r>
-            <a:endParaRPr lang="en-US" dirty="0"/>
-          </a:p>
-          <a:p>
-            <a:endParaRPr lang="en-US" dirty="0"/>
-          </a:p>
-          <a:p>
-            <a:r>
-              <a:rPr lang="en-US" dirty="0"/>
-              <a:t>Bayesians</a:t>
+              <a:t> These are often strawmen - they don’t make sense in biology</a:t>
             </a:r>
           </a:p>
         </p:txBody>
@@ -7230,7 +7108,7 @@
     </p:spTree>
     <p:extLst>
       <p:ext uri="{BB962C8B-B14F-4D97-AF65-F5344CB8AC3E}">
-        <p14:creationId xmlns:p14="http://schemas.microsoft.com/office/powerpoint/2010/main" val="1645516064"/>
+        <p14:creationId xmlns:p14="http://schemas.microsoft.com/office/powerpoint/2010/main" val="93857650"/>
       </p:ext>
     </p:extLst>
   </p:cSld>
@@ -7274,101 +7152,6 @@
           <a:p>
             <a:r>
               <a:rPr lang="en-US" dirty="0"/>
-              <a:t>P-value-</a:t>
-            </a:r>
-            <a:r>
-              <a:rPr lang="en-US" dirty="0" err="1"/>
-              <a:t>ists</a:t>
-            </a:r>
-            <a:endParaRPr lang="en-US" dirty="0"/>
-          </a:p>
-        </p:txBody>
-      </p:sp>
-      <p:sp>
-        <p:nvSpPr>
-          <p:cNvPr id="3" name="Content Placeholder 2"/>
-          <p:cNvSpPr>
-            <a:spLocks noGrp="1"/>
-          </p:cNvSpPr>
-          <p:nvPr>
-            <p:ph idx="1"/>
-          </p:nvPr>
-        </p:nvSpPr>
-        <p:spPr/>
-        <p:txBody>
-          <a:bodyPr/>
-          <a:lstStyle/>
-          <a:p>
-            <a:r>
-              <a:rPr lang="en-US" dirty="0"/>
-              <a:t>Characterized by an undying love for P-values</a:t>
-            </a:r>
-          </a:p>
-          <a:p>
-            <a:endParaRPr lang="en-US" dirty="0"/>
-          </a:p>
-          <a:p>
-            <a:r>
-              <a:rPr lang="en-US" dirty="0"/>
-              <a:t>An unrealistic focus on null hypotheses: there is no significant difference between groups</a:t>
-            </a:r>
-          </a:p>
-          <a:p>
-            <a:pPr lvl="1"/>
-            <a:r>
-              <a:rPr lang="en-US" dirty="0"/>
-              <a:t> These are often strawmen - they don’t make sense in biology</a:t>
-            </a:r>
-          </a:p>
-        </p:txBody>
-      </p:sp>
-    </p:spTree>
-    <p:extLst>
-      <p:ext uri="{BB962C8B-B14F-4D97-AF65-F5344CB8AC3E}">
-        <p14:creationId xmlns:p14="http://schemas.microsoft.com/office/powerpoint/2010/main" val="93857650"/>
-      </p:ext>
-    </p:extLst>
-  </p:cSld>
-  <p:clrMapOvr>
-    <a:masterClrMapping/>
-  </p:clrMapOvr>
-</p:sld>
-</file>
-
-<file path=ppt/slides/slide38.xml><?xml version="1.0" encoding="utf-8"?>
-<p:sld xmlns:a="http://schemas.openxmlformats.org/drawingml/2006/main" xmlns:r="http://schemas.openxmlformats.org/officeDocument/2006/relationships" xmlns:p="http://schemas.openxmlformats.org/presentationml/2006/main">
-  <p:cSld>
-    <p:spTree>
-      <p:nvGrpSpPr>
-        <p:cNvPr id="1" name=""/>
-        <p:cNvGrpSpPr/>
-        <p:nvPr/>
-      </p:nvGrpSpPr>
-      <p:grpSpPr>
-        <a:xfrm>
-          <a:off x="0" y="0"/>
-          <a:ext cx="0" cy="0"/>
-          <a:chOff x="0" y="0"/>
-          <a:chExt cx="0" cy="0"/>
-        </a:xfrm>
-      </p:grpSpPr>
-      <p:sp>
-        <p:nvSpPr>
-          <p:cNvPr id="2" name="Title 1"/>
-          <p:cNvSpPr>
-            <a:spLocks noGrp="1"/>
-          </p:cNvSpPr>
-          <p:nvPr>
-            <p:ph type="title"/>
-          </p:nvPr>
-        </p:nvSpPr>
-        <p:spPr/>
-        <p:txBody>
-          <a:bodyPr/>
-          <a:lstStyle/>
-          <a:p>
-            <a:r>
-              <a:rPr lang="en-US" dirty="0"/>
               <a:t>Maximum likelihood-</a:t>
             </a:r>
             <a:r>
@@ -7432,7 +7215,7 @@
 </p:sld>
 </file>
 
-<file path=ppt/slides/slide39.xml><?xml version="1.0" encoding="utf-8"?>
+<file path=ppt/slides/slide38.xml><?xml version="1.0" encoding="utf-8"?>
 <p:sld xmlns:a="http://schemas.openxmlformats.org/drawingml/2006/main" xmlns:r="http://schemas.openxmlformats.org/officeDocument/2006/relationships" xmlns:p="http://schemas.openxmlformats.org/presentationml/2006/main">
   <p:cSld>
     <p:spTree>
@@ -7588,6 +7371,104 @@
 </p:sld>
 </file>
 
+<file path=ppt/slides/slide39.xml><?xml version="1.0" encoding="utf-8"?>
+<p:sld xmlns:a="http://schemas.openxmlformats.org/drawingml/2006/main" xmlns:r="http://schemas.openxmlformats.org/officeDocument/2006/relationships" xmlns:p="http://schemas.openxmlformats.org/presentationml/2006/main">
+  <p:cSld>
+    <p:spTree>
+      <p:nvGrpSpPr>
+        <p:cNvPr id="1" name=""/>
+        <p:cNvGrpSpPr/>
+        <p:nvPr/>
+      </p:nvGrpSpPr>
+      <p:grpSpPr>
+        <a:xfrm>
+          <a:off x="0" y="0"/>
+          <a:ext cx="0" cy="0"/>
+          <a:chOff x="0" y="0"/>
+          <a:chExt cx="0" cy="0"/>
+        </a:xfrm>
+      </p:grpSpPr>
+      <p:sp>
+        <p:nvSpPr>
+          <p:cNvPr id="2" name="Title 1"/>
+          <p:cNvSpPr>
+            <a:spLocks noGrp="1"/>
+          </p:cNvSpPr>
+          <p:nvPr>
+            <p:ph type="title"/>
+          </p:nvPr>
+        </p:nvSpPr>
+        <p:spPr/>
+        <p:txBody>
+          <a:bodyPr/>
+          <a:lstStyle/>
+          <a:p>
+            <a:r>
+              <a:rPr lang="en-US" dirty="0"/>
+              <a:t>Bayesians</a:t>
+            </a:r>
+          </a:p>
+        </p:txBody>
+      </p:sp>
+      <p:sp>
+        <p:nvSpPr>
+          <p:cNvPr id="3" name="Content Placeholder 2"/>
+          <p:cNvSpPr>
+            <a:spLocks noGrp="1"/>
+          </p:cNvSpPr>
+          <p:nvPr>
+            <p:ph idx="1"/>
+          </p:nvPr>
+        </p:nvSpPr>
+        <p:spPr/>
+        <p:txBody>
+          <a:bodyPr/>
+          <a:lstStyle/>
+          <a:p>
+            <a:r>
+              <a:rPr lang="en-US" dirty="0"/>
+              <a:t>Make a complete model world</a:t>
+            </a:r>
+          </a:p>
+          <a:p>
+            <a:endParaRPr lang="en-US" dirty="0"/>
+          </a:p>
+          <a:p>
+            <a:endParaRPr lang="en-US" dirty="0"/>
+          </a:p>
+          <a:p>
+            <a:r>
+              <a:rPr lang="en-US" dirty="0"/>
+              <a:t>Use conditional probability to calculate the probability you want</a:t>
+            </a:r>
+          </a:p>
+          <a:p>
+            <a:endParaRPr lang="en-US" dirty="0"/>
+          </a:p>
+          <a:p>
+            <a:r>
+              <a:rPr lang="en-US" dirty="0"/>
+              <a:t>Assumes observed data are true while parameter values have probability distributions</a:t>
+            </a:r>
+          </a:p>
+          <a:p>
+            <a:endParaRPr lang="en-US" dirty="0"/>
+          </a:p>
+        </p:txBody>
+      </p:sp>
+    </p:spTree>
+    <p:extLst>
+      <p:ext uri="{BB962C8B-B14F-4D97-AF65-F5344CB8AC3E}">
+        <p14:creationId xmlns:p14="http://schemas.microsoft.com/office/powerpoint/2010/main" val="288347134"/>
+      </p:ext>
+    </p:extLst>
+  </p:cSld>
+  <p:clrMapOvr>
+    <a:masterClrMapping/>
+  </p:clrMapOvr>
+</p:sld>
+</file>
+
 <file path=ppt/slides/slide4.xml><?xml version="1.0" encoding="utf-8"?>
 <p:sld xmlns:a="http://schemas.openxmlformats.org/drawingml/2006/main" xmlns:r="http://schemas.openxmlformats.org/officeDocument/2006/relationships" xmlns:p="http://schemas.openxmlformats.org/presentationml/2006/main">
   <p:cSld>
@@ -7607,13 +7488,7 @@
       </p:grpSpPr>
       <p:sp>
         <p:nvSpPr>
-          <p:cNvPr id="2" name="Title 1">
-            <a:extLst>
-              <a:ext uri="{FF2B5EF4-FFF2-40B4-BE49-F238E27FC236}">
-                <a16:creationId xmlns:a16="http://schemas.microsoft.com/office/drawing/2014/main" id="{861473AE-C073-CF41-8879-457A195831D3}"/>
-              </a:ext>
-            </a:extLst>
-          </p:cNvPr>
+          <p:cNvPr id="2" name="Title 1"/>
           <p:cNvSpPr>
             <a:spLocks noGrp="1"/>
           </p:cNvSpPr>
@@ -7628,20 +7503,14 @@
           <a:p>
             <a:r>
               <a:rPr lang="en-US" dirty="0"/>
-              <a:t>Discussion on Thursday</a:t>
-            </a:r>
-          </a:p>
-        </p:txBody>
-      </p:sp>
-      <p:sp>
-        <p:nvSpPr>
-          <p:cNvPr id="3" name="Content Placeholder 2">
-            <a:extLst>
-              <a:ext uri="{FF2B5EF4-FFF2-40B4-BE49-F238E27FC236}">
-                <a16:creationId xmlns:a16="http://schemas.microsoft.com/office/drawing/2014/main" id="{704B10AF-8058-CB45-8F84-BD7DC770E9EB}"/>
-              </a:ext>
-            </a:extLst>
-          </p:cNvPr>
+              <a:t>Goals</a:t>
+            </a:r>
+          </a:p>
+        </p:txBody>
+      </p:sp>
+      <p:sp>
+        <p:nvSpPr>
+          <p:cNvPr id="3" name="Content Placeholder 2"/>
           <p:cNvSpPr>
             <a:spLocks noGrp="1"/>
           </p:cNvSpPr>
@@ -7652,56 +7521,39 @@
         <p:spPr/>
         <p:txBody>
           <a:bodyPr>
-            <a:normAutofit lnSpcReduction="10000"/>
+            <a:normAutofit/>
           </a:bodyPr>
           <a:lstStyle/>
           <a:p>
             <a:r>
-              <a:rPr lang="en-US" dirty="0"/>
-              <a:t>Thursday we will have a class discussion</a:t>
-            </a:r>
-          </a:p>
-          <a:p>
-            <a:pPr lvl="1"/>
-            <a:r>
-              <a:rPr lang="en-US" dirty="0"/>
-              <a:t>Please be prepared to speak at least once</a:t>
-            </a:r>
-          </a:p>
-          <a:p>
-            <a:pPr lvl="1"/>
-            <a:r>
-              <a:rPr lang="en-US" dirty="0"/>
-              <a:t>Please turn on your cameras if you can</a:t>
-            </a:r>
-          </a:p>
-          <a:p>
-            <a:endParaRPr lang="en-US" dirty="0"/>
-          </a:p>
-          <a:p>
-            <a:r>
-              <a:rPr lang="en-US" dirty="0"/>
-              <a:t>Please read articles 1-4. They should not be too hard to get through. Think about your own statistical philosophy and be prepared to talk about what statistical inference means to you.</a:t>
-            </a:r>
-          </a:p>
-          <a:p>
-            <a:endParaRPr lang="en-US" dirty="0"/>
-          </a:p>
-          <a:p>
-            <a:r>
-              <a:rPr lang="en-US" dirty="0"/>
-              <a:t>Consider looking through articles 5 -8. Different articles will speak to different people.  </a:t>
-            </a:r>
-          </a:p>
-          <a:p>
-            <a:endParaRPr lang="en-US" dirty="0"/>
+              <a:rPr lang="en-US" sz="3600" dirty="0"/>
+              <a:t>Articulate some statistical philosophies and describe similarities and differences</a:t>
+            </a:r>
+          </a:p>
+          <a:p>
+            <a:endParaRPr lang="en-US" sz="3600" dirty="0"/>
+          </a:p>
+          <a:p>
+            <a:r>
+              <a:rPr lang="en-US" sz="3600" dirty="0"/>
+              <a:t>Understand P-values and their limitations</a:t>
+            </a:r>
+          </a:p>
+          <a:p>
+            <a:endParaRPr lang="en-US" sz="3600" dirty="0"/>
+          </a:p>
+          <a:p>
+            <a:r>
+              <a:rPr lang="en-US" sz="3600" dirty="0"/>
+              <a:t>Understand effect sizes and their importance</a:t>
+            </a:r>
           </a:p>
         </p:txBody>
       </p:sp>
     </p:spTree>
     <p:extLst>
       <p:ext uri="{BB962C8B-B14F-4D97-AF65-F5344CB8AC3E}">
-        <p14:creationId xmlns:p14="http://schemas.microsoft.com/office/powerpoint/2010/main" val="1046764774"/>
+        <p14:creationId xmlns:p14="http://schemas.microsoft.com/office/powerpoint/2010/main" val="392369591"/>
       </p:ext>
     </p:extLst>
   </p:cSld>
@@ -7745,104 +7597,6 @@
           <a:p>
             <a:r>
               <a:rPr lang="en-US" dirty="0"/>
-              <a:t>Bayesians</a:t>
-            </a:r>
-          </a:p>
-        </p:txBody>
-      </p:sp>
-      <p:sp>
-        <p:nvSpPr>
-          <p:cNvPr id="3" name="Content Placeholder 2"/>
-          <p:cNvSpPr>
-            <a:spLocks noGrp="1"/>
-          </p:cNvSpPr>
-          <p:nvPr>
-            <p:ph idx="1"/>
-          </p:nvPr>
-        </p:nvSpPr>
-        <p:spPr/>
-        <p:txBody>
-          <a:bodyPr/>
-          <a:lstStyle/>
-          <a:p>
-            <a:r>
-              <a:rPr lang="en-US" dirty="0"/>
-              <a:t>Make a complete model world</a:t>
-            </a:r>
-          </a:p>
-          <a:p>
-            <a:endParaRPr lang="en-US" dirty="0"/>
-          </a:p>
-          <a:p>
-            <a:endParaRPr lang="en-US" dirty="0"/>
-          </a:p>
-          <a:p>
-            <a:r>
-              <a:rPr lang="en-US" dirty="0"/>
-              <a:t>Use conditional probability to calculate the probability you want</a:t>
-            </a:r>
-          </a:p>
-          <a:p>
-            <a:endParaRPr lang="en-US" dirty="0"/>
-          </a:p>
-          <a:p>
-            <a:r>
-              <a:rPr lang="en-US" dirty="0"/>
-              <a:t>Assumes observed data are true while parameter values have probability distributions</a:t>
-            </a:r>
-          </a:p>
-          <a:p>
-            <a:endParaRPr lang="en-US" dirty="0"/>
-          </a:p>
-        </p:txBody>
-      </p:sp>
-    </p:spTree>
-    <p:extLst>
-      <p:ext uri="{BB962C8B-B14F-4D97-AF65-F5344CB8AC3E}">
-        <p14:creationId xmlns:p14="http://schemas.microsoft.com/office/powerpoint/2010/main" val="288347134"/>
-      </p:ext>
-    </p:extLst>
-  </p:cSld>
-  <p:clrMapOvr>
-    <a:masterClrMapping/>
-  </p:clrMapOvr>
-</p:sld>
-</file>
-
-<file path=ppt/slides/slide41.xml><?xml version="1.0" encoding="utf-8"?>
-<p:sld xmlns:a="http://schemas.openxmlformats.org/drawingml/2006/main" xmlns:r="http://schemas.openxmlformats.org/officeDocument/2006/relationships" xmlns:p="http://schemas.openxmlformats.org/presentationml/2006/main">
-  <p:cSld>
-    <p:spTree>
-      <p:nvGrpSpPr>
-        <p:cNvPr id="1" name=""/>
-        <p:cNvGrpSpPr/>
-        <p:nvPr/>
-      </p:nvGrpSpPr>
-      <p:grpSpPr>
-        <a:xfrm>
-          <a:off x="0" y="0"/>
-          <a:ext cx="0" cy="0"/>
-          <a:chOff x="0" y="0"/>
-          <a:chExt cx="0" cy="0"/>
-        </a:xfrm>
-      </p:grpSpPr>
-      <p:sp>
-        <p:nvSpPr>
-          <p:cNvPr id="2" name="Title 1"/>
-          <p:cNvSpPr>
-            <a:spLocks noGrp="1"/>
-          </p:cNvSpPr>
-          <p:nvPr>
-            <p:ph type="title"/>
-          </p:nvPr>
-        </p:nvSpPr>
-        <p:spPr/>
-        <p:txBody>
-          <a:bodyPr/>
-          <a:lstStyle/>
-          <a:p>
-            <a:r>
-              <a:rPr lang="en-US" dirty="0"/>
               <a:t>Bayesian Inference</a:t>
             </a:r>
           </a:p>
@@ -7924,7 +7678,7 @@
 </p:sld>
 </file>
 
-<file path=ppt/slides/slide42.xml><?xml version="1.0" encoding="utf-8"?>
+<file path=ppt/slides/slide41.xml><?xml version="1.0" encoding="utf-8"?>
 <p:sld xmlns:a="http://schemas.openxmlformats.org/drawingml/2006/main" xmlns:r="http://schemas.openxmlformats.org/officeDocument/2006/relationships" xmlns:p="http://schemas.openxmlformats.org/presentationml/2006/main">
   <p:cSld>
     <p:spTree>
@@ -8054,6 +7808,92 @@
 </p:sld>
 </file>
 
+<file path=ppt/slides/slide42.xml><?xml version="1.0" encoding="utf-8"?>
+<p:sld xmlns:a="http://schemas.openxmlformats.org/drawingml/2006/main" xmlns:r="http://schemas.openxmlformats.org/officeDocument/2006/relationships" xmlns:p="http://schemas.openxmlformats.org/presentationml/2006/main">
+  <p:cSld>
+    <p:spTree>
+      <p:nvGrpSpPr>
+        <p:cNvPr id="1" name=""/>
+        <p:cNvGrpSpPr/>
+        <p:nvPr/>
+      </p:nvGrpSpPr>
+      <p:grpSpPr>
+        <a:xfrm>
+          <a:off x="0" y="0"/>
+          <a:ext cx="0" cy="0"/>
+          <a:chOff x="0" y="0"/>
+          <a:chExt cx="0" cy="0"/>
+        </a:xfrm>
+      </p:grpSpPr>
+      <p:sp>
+        <p:nvSpPr>
+          <p:cNvPr id="2" name="Title 1"/>
+          <p:cNvSpPr>
+            <a:spLocks noGrp="1"/>
+          </p:cNvSpPr>
+          <p:nvPr>
+            <p:ph type="title"/>
+          </p:nvPr>
+        </p:nvSpPr>
+        <p:spPr/>
+        <p:txBody>
+          <a:bodyPr/>
+          <a:lstStyle/>
+          <a:p>
+            <a:r>
+              <a:rPr lang="en-US" dirty="0"/>
+              <a:t>Vitamin A study</a:t>
+            </a:r>
+          </a:p>
+        </p:txBody>
+      </p:sp>
+      <p:sp>
+        <p:nvSpPr>
+          <p:cNvPr id="3" name="Content Placeholder 2"/>
+          <p:cNvSpPr>
+            <a:spLocks noGrp="1"/>
+          </p:cNvSpPr>
+          <p:nvPr>
+            <p:ph idx="1"/>
+          </p:nvPr>
+        </p:nvSpPr>
+        <p:spPr/>
+        <p:txBody>
+          <a:bodyPr/>
+          <a:lstStyle/>
+          <a:p>
+            <a:r>
+              <a:rPr lang="en-US" dirty="0"/>
+              <a:t>A frequentist can do a clear analysis right away</a:t>
+            </a:r>
+          </a:p>
+          <a:p>
+            <a:endParaRPr lang="en-US" dirty="0"/>
+          </a:p>
+          <a:p>
+            <a:r>
+              <a:rPr lang="en-US" dirty="0"/>
+              <a:t>A Bayesian needs a ton of assumptions – will try to make “uninformative” assumptions</a:t>
+            </a:r>
+          </a:p>
+          <a:p>
+            <a:endParaRPr lang="en-US" dirty="0"/>
+          </a:p>
+        </p:txBody>
+      </p:sp>
+    </p:spTree>
+    <p:extLst>
+      <p:ext uri="{BB962C8B-B14F-4D97-AF65-F5344CB8AC3E}">
+        <p14:creationId xmlns:p14="http://schemas.microsoft.com/office/powerpoint/2010/main" val="1872963387"/>
+      </p:ext>
+    </p:extLst>
+  </p:cSld>
+  <p:clrMapOvr>
+    <a:masterClrMapping/>
+  </p:clrMapOvr>
+</p:sld>
+</file>
+
 <file path=ppt/slides/slide43.xml><?xml version="1.0" encoding="utf-8"?>
 <p:sld xmlns:a="http://schemas.openxmlformats.org/drawingml/2006/main" xmlns:r="http://schemas.openxmlformats.org/officeDocument/2006/relationships" xmlns:p="http://schemas.openxmlformats.org/presentationml/2006/main">
   <p:cSld>
@@ -8088,7 +7928,7 @@
           <a:p>
             <a:r>
               <a:rPr lang="en-US" dirty="0"/>
-              <a:t>Vitamin A study</a:t>
+              <a:t>Your philosophy</a:t>
             </a:r>
           </a:p>
         </p:txBody>
@@ -8105,12 +7945,14 @@
         </p:nvSpPr>
         <p:spPr/>
         <p:txBody>
-          <a:bodyPr/>
-          <a:lstStyle/>
-          <a:p>
-            <a:r>
-              <a:rPr lang="en-US" dirty="0"/>
-              <a:t>A frequentist can do a clear analysis right away</a:t>
+          <a:bodyPr>
+            <a:normAutofit lnSpcReduction="10000"/>
+          </a:bodyPr>
+          <a:lstStyle/>
+          <a:p>
+            <a:r>
+              <a:rPr lang="en-US" dirty="0"/>
+              <a:t>Statistics are not a magic machine that gives you the right answer</a:t>
             </a:r>
           </a:p>
           <a:p>
@@ -8119,18 +7961,43 @@
           <a:p>
             <a:r>
               <a:rPr lang="en-US" dirty="0"/>
-              <a:t>A Bayesian needs a ton of assumptions – will try to make “uninformative” assumptions</a:t>
+              <a:t>If you are to be a serious scientist in a noisy world, you should have your own philosophy of statistics</a:t>
+            </a:r>
+          </a:p>
+          <a:p>
+            <a:pPr lvl="1"/>
+            <a:r>
+              <a:rPr lang="en-US" dirty="0"/>
+              <a:t>(Mine is do it a few different ways, if you get the same answer, it’s probably right)</a:t>
             </a:r>
           </a:p>
           <a:p>
             <a:endParaRPr lang="en-US" dirty="0"/>
+          </a:p>
+          <a:p>
+            <a:pPr lvl="1"/>
+            <a:r>
+              <a:rPr lang="en-US" dirty="0"/>
+              <a:t>Be pragmatic: your goal is to do science, not get caught by theoretical considerations</a:t>
+            </a:r>
+          </a:p>
+          <a:p>
+            <a:pPr lvl="1"/>
+            <a:endParaRPr lang="en-US" dirty="0"/>
+          </a:p>
+          <a:p>
+            <a:pPr lvl="1"/>
+            <a:r>
+              <a:rPr lang="en-US" dirty="0"/>
+              <a:t>Be honest: it’s harder than it sounds.</a:t>
+            </a:r>
           </a:p>
         </p:txBody>
       </p:sp>
     </p:spTree>
     <p:extLst>
       <p:ext uri="{BB962C8B-B14F-4D97-AF65-F5344CB8AC3E}">
-        <p14:creationId xmlns:p14="http://schemas.microsoft.com/office/powerpoint/2010/main" val="1872963387"/>
+        <p14:creationId xmlns:p14="http://schemas.microsoft.com/office/powerpoint/2010/main" val="660774320"/>
       </p:ext>
     </p:extLst>
   </p:cSld>
@@ -8174,7 +8041,7 @@
           <a:p>
             <a:r>
               <a:rPr lang="en-US" dirty="0"/>
-              <a:t>Cape Town weather</a:t>
+              <a:t>Honesty</a:t>
             </a:r>
           </a:p>
         </p:txBody>
@@ -8196,7 +8063,7 @@
           <a:p>
             <a:r>
               <a:rPr lang="en-US" dirty="0"/>
-              <a:t>Frequentist: how unlikely is the observation, from a random perspective?</a:t>
+              <a:t>You can always keep analyzing until you find a significant result, but be careful</a:t>
             </a:r>
           </a:p>
           <a:p>
@@ -8205,18 +8072,15 @@
           <a:p>
             <a:r>
               <a:rPr lang="en-US" dirty="0"/>
-              <a:t>Bayesian: what’s my model world? What is my prior belief about weather-weekday interactions?</a:t>
-            </a:r>
-          </a:p>
-          <a:p>
-            <a:endParaRPr lang="en-US" dirty="0"/>
+              <a:t>Analyzing the magnitude of an effect is a way to distance from this approach</a:t>
+            </a:r>
           </a:p>
         </p:txBody>
       </p:sp>
     </p:spTree>
     <p:extLst>
       <p:ext uri="{BB962C8B-B14F-4D97-AF65-F5344CB8AC3E}">
-        <p14:creationId xmlns:p14="http://schemas.microsoft.com/office/powerpoint/2010/main" val="1189340023"/>
+        <p14:creationId xmlns:p14="http://schemas.microsoft.com/office/powerpoint/2010/main" val="1679552586"/>
       </p:ext>
     </p:extLst>
   </p:cSld>
@@ -8260,7 +8124,7 @@
           <a:p>
             <a:r>
               <a:rPr lang="en-US" dirty="0"/>
-              <a:t>Your philosophy</a:t>
+              <a:t>Good practice</a:t>
             </a:r>
           </a:p>
         </p:txBody>
@@ -8277,208 +8141,12 @@
         </p:nvSpPr>
         <p:spPr/>
         <p:txBody>
-          <a:bodyPr>
-            <a:normAutofit lnSpcReduction="10000"/>
-          </a:bodyPr>
-          <a:lstStyle/>
-          <a:p>
-            <a:r>
-              <a:rPr lang="en-US" dirty="0"/>
-              <a:t>Statistics are not a magic machine that gives you the right answer</a:t>
-            </a:r>
-          </a:p>
-          <a:p>
-            <a:endParaRPr lang="en-US" dirty="0"/>
-          </a:p>
-          <a:p>
-            <a:r>
-              <a:rPr lang="en-US" dirty="0"/>
-              <a:t>If you are to be a serious scientist in a noisy world, you should have your own philosophy of statistics</a:t>
-            </a:r>
-          </a:p>
-          <a:p>
-            <a:pPr lvl="1"/>
-            <a:r>
-              <a:rPr lang="en-US" dirty="0"/>
-              <a:t>(Mine is do it a few different ways, if you get the same answer, it’s probably right)</a:t>
-            </a:r>
-          </a:p>
-          <a:p>
-            <a:endParaRPr lang="en-US" dirty="0"/>
-          </a:p>
-          <a:p>
-            <a:pPr lvl="1"/>
-            <a:r>
-              <a:rPr lang="en-US" dirty="0"/>
-              <a:t>Be pragmatic: your goal is to do science, not get caught by theoretical considerations</a:t>
-            </a:r>
-          </a:p>
-          <a:p>
-            <a:pPr lvl="1"/>
-            <a:endParaRPr lang="en-US" dirty="0"/>
-          </a:p>
-          <a:p>
-            <a:pPr lvl="1"/>
-            <a:r>
-              <a:rPr lang="en-US" dirty="0"/>
-              <a:t>Be honest: it’s harder than it sounds.</a:t>
-            </a:r>
-          </a:p>
-        </p:txBody>
-      </p:sp>
-    </p:spTree>
-    <p:extLst>
-      <p:ext uri="{BB962C8B-B14F-4D97-AF65-F5344CB8AC3E}">
-        <p14:creationId xmlns:p14="http://schemas.microsoft.com/office/powerpoint/2010/main" val="660774320"/>
-      </p:ext>
-    </p:extLst>
-  </p:cSld>
-  <p:clrMapOvr>
-    <a:masterClrMapping/>
-  </p:clrMapOvr>
-</p:sld>
-</file>
-
-<file path=ppt/slides/slide46.xml><?xml version="1.0" encoding="utf-8"?>
-<p:sld xmlns:a="http://schemas.openxmlformats.org/drawingml/2006/main" xmlns:r="http://schemas.openxmlformats.org/officeDocument/2006/relationships" xmlns:p="http://schemas.openxmlformats.org/presentationml/2006/main">
-  <p:cSld>
-    <p:spTree>
-      <p:nvGrpSpPr>
-        <p:cNvPr id="1" name=""/>
-        <p:cNvGrpSpPr/>
-        <p:nvPr/>
-      </p:nvGrpSpPr>
-      <p:grpSpPr>
-        <a:xfrm>
-          <a:off x="0" y="0"/>
-          <a:ext cx="0" cy="0"/>
-          <a:chOff x="0" y="0"/>
-          <a:chExt cx="0" cy="0"/>
-        </a:xfrm>
-      </p:grpSpPr>
-      <p:sp>
-        <p:nvSpPr>
-          <p:cNvPr id="2" name="Title 1"/>
-          <p:cNvSpPr>
-            <a:spLocks noGrp="1"/>
-          </p:cNvSpPr>
-          <p:nvPr>
-            <p:ph type="title"/>
-          </p:nvPr>
-        </p:nvSpPr>
-        <p:spPr/>
-        <p:txBody>
-          <a:bodyPr/>
-          <a:lstStyle/>
-          <a:p>
-            <a:r>
-              <a:rPr lang="en-US" dirty="0"/>
-              <a:t>Honesty</a:t>
-            </a:r>
-          </a:p>
-        </p:txBody>
-      </p:sp>
-      <p:sp>
-        <p:nvSpPr>
-          <p:cNvPr id="3" name="Content Placeholder 2"/>
-          <p:cNvSpPr>
-            <a:spLocks noGrp="1"/>
-          </p:cNvSpPr>
-          <p:nvPr>
-            <p:ph idx="1"/>
-          </p:nvPr>
-        </p:nvSpPr>
-        <p:spPr/>
-        <p:txBody>
-          <a:bodyPr/>
-          <a:lstStyle/>
-          <a:p>
-            <a:r>
-              <a:rPr lang="en-US" dirty="0"/>
-              <a:t>You can always keep analyzing until you find a significant result, but be careful</a:t>
-            </a:r>
-          </a:p>
-          <a:p>
-            <a:endParaRPr lang="en-US" dirty="0"/>
-          </a:p>
-          <a:p>
-            <a:r>
-              <a:rPr lang="en-US" dirty="0"/>
-              <a:t>Analyzing the magnitude of an effect is a way to distance from this approach</a:t>
-            </a:r>
-          </a:p>
-        </p:txBody>
-      </p:sp>
-    </p:spTree>
-    <p:extLst>
-      <p:ext uri="{BB962C8B-B14F-4D97-AF65-F5344CB8AC3E}">
-        <p14:creationId xmlns:p14="http://schemas.microsoft.com/office/powerpoint/2010/main" val="1679552586"/>
-      </p:ext>
-    </p:extLst>
-  </p:cSld>
-  <p:clrMapOvr>
-    <a:masterClrMapping/>
-  </p:clrMapOvr>
-</p:sld>
-</file>
-
-<file path=ppt/slides/slide47.xml><?xml version="1.0" encoding="utf-8"?>
-<p:sld xmlns:a="http://schemas.openxmlformats.org/drawingml/2006/main" xmlns:r="http://schemas.openxmlformats.org/officeDocument/2006/relationships" xmlns:p="http://schemas.openxmlformats.org/presentationml/2006/main">
-  <p:cSld>
-    <p:spTree>
-      <p:nvGrpSpPr>
-        <p:cNvPr id="1" name=""/>
-        <p:cNvGrpSpPr/>
-        <p:nvPr/>
-      </p:nvGrpSpPr>
-      <p:grpSpPr>
-        <a:xfrm>
-          <a:off x="0" y="0"/>
-          <a:ext cx="0" cy="0"/>
-          <a:chOff x="0" y="0"/>
-          <a:chExt cx="0" cy="0"/>
-        </a:xfrm>
-      </p:grpSpPr>
-      <p:sp>
-        <p:nvSpPr>
-          <p:cNvPr id="2" name="Title 1"/>
-          <p:cNvSpPr>
-            <a:spLocks noGrp="1"/>
-          </p:cNvSpPr>
-          <p:nvPr>
-            <p:ph type="title"/>
-          </p:nvPr>
-        </p:nvSpPr>
-        <p:spPr/>
-        <p:txBody>
-          <a:bodyPr/>
-          <a:lstStyle/>
-          <a:p>
-            <a:r>
-              <a:rPr lang="en-US" dirty="0"/>
-              <a:t>Good practice</a:t>
-            </a:r>
-          </a:p>
-        </p:txBody>
-      </p:sp>
-      <p:sp>
-        <p:nvSpPr>
-          <p:cNvPr id="3" name="Content Placeholder 2"/>
-          <p:cNvSpPr>
-            <a:spLocks noGrp="1"/>
-          </p:cNvSpPr>
-          <p:nvPr>
-            <p:ph idx="1"/>
-          </p:nvPr>
-        </p:nvSpPr>
-        <p:spPr/>
-        <p:txBody>
-          <a:bodyPr/>
-          <a:lstStyle/>
-          <a:p>
-            <a:r>
-              <a:rPr lang="en-US" dirty="0"/>
-              <a:t>Keep a journal of analyses you have done</a:t>
+          <a:bodyPr/>
+          <a:lstStyle/>
+          <a:p>
+            <a:r>
+              <a:rPr lang="en-US" dirty="0"/>
+              <a:t>Keep a journal of analyses you have done (or better yet, a README)</a:t>
             </a:r>
           </a:p>
           <a:p>
@@ -8537,10 +8205,8 @@
           <a:bodyPr/>
           <a:lstStyle/>
           <a:p>
-            <a:r>
-              <a:rPr lang="en-US" dirty="0"/>
-              <a:t>Goals</a:t>
-            </a:r>
+            <a:pPr algn="ctr"/>
+            <a:endParaRPr lang="en-US" i="1" dirty="0"/>
           </a:p>
         </p:txBody>
       </p:sp>
@@ -8561,35 +8227,29 @@
           </a:bodyPr>
           <a:lstStyle/>
           <a:p>
-            <a:r>
-              <a:rPr lang="en-US" sz="3600" dirty="0"/>
-              <a:t>Articulate some statistical philosophies and describe similarities and differences</a:t>
-            </a:r>
-          </a:p>
-          <a:p>
-            <a:endParaRPr lang="en-US" sz="3600" dirty="0"/>
-          </a:p>
-          <a:p>
-            <a:r>
-              <a:rPr lang="en-US" sz="3600" dirty="0"/>
-              <a:t>Understand P-values and their limitations</a:t>
-            </a:r>
-          </a:p>
-          <a:p>
-            <a:endParaRPr lang="en-US" sz="3600" dirty="0"/>
-          </a:p>
-          <a:p>
-            <a:r>
-              <a:rPr lang="en-US" sz="3600" dirty="0"/>
-              <a:t>Understand effect sizes and their importance</a:t>
-            </a:r>
+            <a:pPr marL="0" indent="0" algn="ctr">
+              <a:buNone/>
+            </a:pPr>
+            <a:r>
+              <a:rPr lang="en-US" sz="5400" i="1" dirty="0"/>
+              <a:t>But you said this class was about </a:t>
+            </a:r>
+            <a:r>
+              <a:rPr lang="en-US" sz="5400" b="1" i="1" dirty="0"/>
+              <a:t>doing</a:t>
+            </a:r>
+            <a:r>
+              <a:rPr lang="en-US" sz="5400" i="1" dirty="0"/>
+              <a:t> things!</a:t>
+            </a:r>
+            <a:endParaRPr lang="en-US" sz="5400" dirty="0"/>
           </a:p>
         </p:txBody>
       </p:sp>
     </p:spTree>
     <p:extLst>
       <p:ext uri="{BB962C8B-B14F-4D97-AF65-F5344CB8AC3E}">
-        <p14:creationId xmlns:p14="http://schemas.microsoft.com/office/powerpoint/2010/main" val="392369591"/>
+        <p14:creationId xmlns:p14="http://schemas.microsoft.com/office/powerpoint/2010/main" val="902394033"/>
       </p:ext>
     </p:extLst>
   </p:cSld>
@@ -8631,8 +8291,10 @@
           <a:bodyPr/>
           <a:lstStyle/>
           <a:p>
-            <a:pPr algn="ctr"/>
-            <a:endParaRPr lang="en-US" i="1" dirty="0"/>
+            <a:r>
+              <a:rPr lang="en-US" dirty="0"/>
+              <a:t>Discussion</a:t>
+            </a:r>
           </a:p>
         </p:txBody>
       </p:sp>
@@ -8653,29 +8315,46 @@
           </a:bodyPr>
           <a:lstStyle/>
           <a:p>
-            <a:pPr marL="0" indent="0" algn="ctr">
-              <a:buNone/>
-            </a:pPr>
-            <a:r>
-              <a:rPr lang="en-US" sz="5400" i="1" dirty="0"/>
-              <a:t>But you said this class was about </a:t>
-            </a:r>
-            <a:r>
-              <a:rPr lang="en-US" sz="5400" b="1" i="1" dirty="0"/>
-              <a:t>doing</a:t>
-            </a:r>
-            <a:r>
-              <a:rPr lang="en-US" sz="5400" i="1" dirty="0"/>
-              <a:t> things!</a:t>
-            </a:r>
-            <a:endParaRPr lang="en-US" sz="5400" dirty="0"/>
+            <a:r>
+              <a:rPr lang="en-US" sz="3600" dirty="0"/>
+              <a:t>Formulate a hypothesis about your data, and discuss how you would test it statistically/computationally/mathematically.</a:t>
+            </a:r>
+          </a:p>
+          <a:p>
+            <a:endParaRPr lang="en-US" sz="3600" dirty="0"/>
+          </a:p>
+        </p:txBody>
+      </p:sp>
+      <p:sp>
+        <p:nvSpPr>
+          <p:cNvPr id="4" name="TextBox 3"/>
+          <p:cNvSpPr txBox="1"/>
+          <p:nvPr/>
+        </p:nvSpPr>
+        <p:spPr>
+          <a:xfrm>
+            <a:off x="5633357" y="5012871"/>
+            <a:ext cx="184731" cy="369332"/>
+          </a:xfrm>
+          <a:prstGeom prst="rect">
+            <a:avLst/>
+          </a:prstGeom>
+          <a:noFill/>
+        </p:spPr>
+        <p:txBody>
+          <a:bodyPr wrap="none" rtlCol="0">
+            <a:spAutoFit/>
+          </a:bodyPr>
+          <a:lstStyle/>
+          <a:p>
+            <a:endParaRPr lang="en-US" dirty="0"/>
           </a:p>
         </p:txBody>
       </p:sp>
     </p:spTree>
     <p:extLst>
       <p:ext uri="{BB962C8B-B14F-4D97-AF65-F5344CB8AC3E}">
-        <p14:creationId xmlns:p14="http://schemas.microsoft.com/office/powerpoint/2010/main" val="902394033"/>
+        <p14:creationId xmlns:p14="http://schemas.microsoft.com/office/powerpoint/2010/main" val="1261167362"/>
       </p:ext>
     </p:extLst>
   </p:cSld>
@@ -8704,7 +8383,13 @@
       </p:grpSpPr>
       <p:sp>
         <p:nvSpPr>
-          <p:cNvPr id="2" name="Title 1"/>
+          <p:cNvPr id="2" name="Title 1">
+            <a:extLst>
+              <a:ext uri="{FF2B5EF4-FFF2-40B4-BE49-F238E27FC236}">
+                <a16:creationId xmlns:a16="http://schemas.microsoft.com/office/drawing/2014/main" id="{006BA368-2E92-2A47-B3E4-4DAE0478802C}"/>
+              </a:ext>
+            </a:extLst>
+          </p:cNvPr>
           <p:cNvSpPr>
             <a:spLocks noGrp="1"/>
           </p:cNvSpPr>
@@ -8719,14 +8404,20 @@
           <a:p>
             <a:r>
               <a:rPr lang="en-US" dirty="0"/>
-              <a:t>Discussion</a:t>
-            </a:r>
-          </a:p>
-        </p:txBody>
-      </p:sp>
-      <p:sp>
-        <p:nvSpPr>
-          <p:cNvPr id="3" name="Content Placeholder 2"/>
+              <a:t>What is a model?</a:t>
+            </a:r>
+          </a:p>
+        </p:txBody>
+      </p:sp>
+      <p:sp>
+        <p:nvSpPr>
+          <p:cNvPr id="3" name="Content Placeholder 2">
+            <a:extLst>
+              <a:ext uri="{FF2B5EF4-FFF2-40B4-BE49-F238E27FC236}">
+                <a16:creationId xmlns:a16="http://schemas.microsoft.com/office/drawing/2014/main" id="{C046DC34-1BE6-2A4D-8B48-E6E9BF98F5BB}"/>
+              </a:ext>
+            </a:extLst>
+          </p:cNvPr>
           <p:cNvSpPr>
             <a:spLocks noGrp="1"/>
           </p:cNvSpPr>
@@ -8737,50 +8428,102 @@
         <p:spPr/>
         <p:txBody>
           <a:bodyPr>
-            <a:normAutofit/>
+            <a:normAutofit lnSpcReduction="10000"/>
           </a:bodyPr>
           <a:lstStyle/>
           <a:p>
             <a:r>
-              <a:rPr lang="en-US" sz="3600" dirty="0"/>
-              <a:t>Formulate a hypothesis about your data, and discuss how you would test it statistically/computationally/mathematically.</a:t>
-            </a:r>
-          </a:p>
-          <a:p>
-            <a:endParaRPr lang="en-US" sz="3600" dirty="0"/>
-          </a:p>
-        </p:txBody>
-      </p:sp>
-      <p:sp>
-        <p:nvSpPr>
-          <p:cNvPr id="4" name="TextBox 3"/>
-          <p:cNvSpPr txBox="1"/>
-          <p:nvPr/>
-        </p:nvSpPr>
-        <p:spPr>
-          <a:xfrm>
-            <a:off x="5633357" y="5012871"/>
-            <a:ext cx="184731" cy="369332"/>
-          </a:xfrm>
-          <a:prstGeom prst="rect">
-            <a:avLst/>
-          </a:prstGeom>
-          <a:noFill/>
-        </p:spPr>
-        <p:txBody>
-          <a:bodyPr wrap="none" rtlCol="0">
-            <a:spAutoFit/>
-          </a:bodyPr>
-          <a:lstStyle/>
-          <a:p>
+              <a:rPr lang="en-US" dirty="0"/>
+              <a:t>Different types of models:</a:t>
+            </a:r>
+          </a:p>
+          <a:p>
+            <a:pPr lvl="1"/>
+            <a:r>
+              <a:rPr lang="en-US" dirty="0"/>
+              <a:t>A </a:t>
+            </a:r>
+            <a:r>
+              <a:rPr lang="en-US" b="1" dirty="0"/>
+              <a:t>mathematical/computational model </a:t>
+            </a:r>
+            <a:r>
+              <a:rPr lang="en-US" dirty="0"/>
+              <a:t>is an abstract model that uses mathematical language to describe the behavior of a system</a:t>
+            </a:r>
+          </a:p>
+          <a:p>
+            <a:pPr lvl="2"/>
+            <a:r>
+              <a:rPr lang="en-US" dirty="0"/>
+              <a:t>Techniques vary, but often formulated using ODEs or PDEs</a:t>
+            </a:r>
+          </a:p>
+          <a:p>
+            <a:pPr lvl="3"/>
+            <a:r>
+              <a:rPr lang="en-US" dirty="0"/>
+              <a:t>Examples: predator-prey models, species competition models, SIR models</a:t>
+            </a:r>
+          </a:p>
+          <a:p>
+            <a:pPr lvl="3"/>
+            <a:r>
+              <a:rPr lang="en-US" dirty="0"/>
+              <a:t>Resources: A Biologists Guide to Mathematical Modeling – Otto &amp; Day; Math-Bio grad class in Math Dept (MAT 5516, alternately taught by Childs, Saucedo, or </a:t>
+            </a:r>
+            <a:r>
+              <a:rPr lang="en-US" dirty="0" err="1"/>
+              <a:t>Ciupe</a:t>
+            </a:r>
+            <a:r>
+              <a:rPr lang="en-US" dirty="0"/>
+              <a:t>)</a:t>
+            </a:r>
+          </a:p>
+          <a:p>
+            <a:pPr lvl="2"/>
             <a:endParaRPr lang="en-US" dirty="0"/>
+          </a:p>
+          <a:p>
+            <a:pPr lvl="1"/>
+            <a:r>
+              <a:rPr lang="en-US" dirty="0"/>
+              <a:t>A </a:t>
+            </a:r>
+            <a:r>
+              <a:rPr lang="en-US" b="1" dirty="0"/>
+              <a:t>statistical model</a:t>
+            </a:r>
+            <a:r>
+              <a:rPr lang="en-US" dirty="0"/>
+              <a:t> attempts to describe relationship between observed quantities and independent variables</a:t>
+            </a:r>
+          </a:p>
+          <a:p>
+            <a:pPr lvl="2"/>
+            <a:r>
+              <a:rPr lang="en-US" dirty="0"/>
+              <a:t>Techniques include linear models, generalized linear models, GAMMs, PCAs</a:t>
+            </a:r>
+          </a:p>
+          <a:p>
+            <a:pPr lvl="2"/>
+            <a:endParaRPr lang="en-US" dirty="0"/>
+          </a:p>
+          <a:p>
+            <a:pPr lvl="1"/>
+            <a:r>
+              <a:rPr lang="en-US" dirty="0"/>
+              <a:t>Developing mathematical models is different from statistical analyses of data </a:t>
+            </a:r>
           </a:p>
         </p:txBody>
       </p:sp>
     </p:spTree>
     <p:extLst>
       <p:ext uri="{BB962C8B-B14F-4D97-AF65-F5344CB8AC3E}">
-        <p14:creationId xmlns:p14="http://schemas.microsoft.com/office/powerpoint/2010/main" val="1261167362"/>
+        <p14:creationId xmlns:p14="http://schemas.microsoft.com/office/powerpoint/2010/main" val="1806323708"/>
       </p:ext>
     </p:extLst>
   </p:cSld>
@@ -8812,7 +8555,7 @@
           <p:cNvPr id="2" name="Title 1">
             <a:extLst>
               <a:ext uri="{FF2B5EF4-FFF2-40B4-BE49-F238E27FC236}">
-                <a16:creationId xmlns:a16="http://schemas.microsoft.com/office/drawing/2014/main" id="{006BA368-2E92-2A47-B3E4-4DAE0478802C}"/>
+                <a16:creationId xmlns:a16="http://schemas.microsoft.com/office/drawing/2014/main" id="{E7CC58F8-7120-EC4B-8177-E755DB1BD2F1}"/>
               </a:ext>
             </a:extLst>
           </p:cNvPr>
@@ -8830,7 +8573,7 @@
           <a:p>
             <a:r>
               <a:rPr lang="en-US" dirty="0"/>
-              <a:t>What is a model?</a:t>
+              <a:t>Why build a mathematical model?</a:t>
             </a:r>
           </a:p>
         </p:txBody>
@@ -8840,7 +8583,7 @@
           <p:cNvPr id="3" name="Content Placeholder 2">
             <a:extLst>
               <a:ext uri="{FF2B5EF4-FFF2-40B4-BE49-F238E27FC236}">
-                <a16:creationId xmlns:a16="http://schemas.microsoft.com/office/drawing/2014/main" id="{C046DC34-1BE6-2A4D-8B48-E6E9BF98F5BB}"/>
+                <a16:creationId xmlns:a16="http://schemas.microsoft.com/office/drawing/2014/main" id="{5753E65A-8D19-B846-A3C9-A345CA788960}"/>
               </a:ext>
             </a:extLst>
           </p:cNvPr>
@@ -8860,88 +8603,59 @@
           <a:p>
             <a:r>
               <a:rPr lang="en-US" dirty="0"/>
-              <a:t>Different types of models:</a:t>
-            </a:r>
+              <a:t>Goals vary, but often focus on:</a:t>
+            </a:r>
+            <a:br>
+              <a:rPr lang="en-US" dirty="0"/>
+            </a:br>
+            <a:endParaRPr lang="en-US" dirty="0"/>
           </a:p>
           <a:p>
             <a:pPr lvl="1"/>
             <a:r>
               <a:rPr lang="en-US" dirty="0"/>
-              <a:t>A </a:t>
-            </a:r>
-            <a:r>
-              <a:rPr lang="en-US" b="1" dirty="0"/>
-              <a:t>mathematical/computational model </a:t>
-            </a:r>
-            <a:r>
-              <a:rPr lang="en-US" dirty="0"/>
-              <a:t>is an abstract model that uses mathematical language to describe the behavior of a system</a:t>
+              <a:t>Understanding nature and how something changes over time</a:t>
+            </a:r>
+            <a:br>
+              <a:rPr lang="en-US" dirty="0"/>
+            </a:br>
+            <a:endParaRPr lang="en-US" dirty="0"/>
+          </a:p>
+          <a:p>
+            <a:pPr lvl="1"/>
+            <a:r>
+              <a:rPr lang="en-US" dirty="0"/>
+              <a:t>Making predictions about something that is going to happen in the future</a:t>
+            </a:r>
+          </a:p>
+          <a:p>
+            <a:endParaRPr lang="en-US" dirty="0"/>
+          </a:p>
+          <a:p>
+            <a:r>
+              <a:rPr lang="en-US" dirty="0"/>
+              <a:t>Example: How many COVID-cases will occur on May 15 in Blacksburg?</a:t>
+            </a:r>
+          </a:p>
+          <a:p>
+            <a:pPr lvl="1"/>
+            <a:r>
+              <a:rPr lang="en-US" dirty="0"/>
+              <a:t>This is a difficult problem to solve with statistics</a:t>
             </a:r>
           </a:p>
           <a:p>
             <a:pPr lvl="2"/>
             <a:r>
               <a:rPr lang="en-US" dirty="0"/>
-              <a:t>Techniques vary, but often formulated using ODEs or PDEs</a:t>
-            </a:r>
-          </a:p>
-          <a:p>
-            <a:pPr lvl="3"/>
-            <a:r>
-              <a:rPr lang="en-US" dirty="0"/>
-              <a:t>Examples: predator-prey models, species competition models, SIR models</a:t>
-            </a:r>
-          </a:p>
-          <a:p>
-            <a:pPr lvl="3"/>
-            <a:r>
-              <a:rPr lang="en-US" dirty="0"/>
-              <a:t>Resources: A Biologists Guide to Mathematical Modeling – Otto &amp; Day; Math-Bio grad class in Math Dept (MAT 5516, alternately taught by Childs, Saucedo, or </a:t>
-            </a:r>
-            <a:r>
-              <a:rPr lang="en-US" dirty="0" err="1"/>
-              <a:t>Ciupe</a:t>
-            </a:r>
-            <a:r>
-              <a:rPr lang="en-US" dirty="0"/>
-              <a:t>)</a:t>
-            </a:r>
-          </a:p>
-          <a:p>
-            <a:pPr lvl="2"/>
-            <a:endParaRPr lang="en-US" dirty="0"/>
+              <a:t>Input: cases in previous time point, vaccine distribution, vaccine effectiveness, strain replacement and transmissibility, number of susceptible individuals remaining</a:t>
+            </a:r>
           </a:p>
           <a:p>
             <a:pPr lvl="1"/>
             <a:r>
               <a:rPr lang="en-US" dirty="0"/>
-              <a:t>A </a:t>
-            </a:r>
-            <a:r>
-              <a:rPr lang="en-US" b="1" dirty="0"/>
-              <a:t>statistical model</a:t>
-            </a:r>
-            <a:r>
-              <a:rPr lang="en-US" dirty="0"/>
-              <a:t> attempts to describe relationship between observed quantities and independent variables</a:t>
-            </a:r>
-          </a:p>
-          <a:p>
-            <a:pPr lvl="2"/>
-            <a:r>
-              <a:rPr lang="en-US" dirty="0"/>
-              <a:t>Techniques include linear models, generalized linear models, GAMMs, PCAs</a:t>
-            </a:r>
-          </a:p>
-          <a:p>
-            <a:pPr lvl="2"/>
-            <a:endParaRPr lang="en-US" dirty="0"/>
-          </a:p>
-          <a:p>
-            <a:pPr lvl="1"/>
-            <a:r>
-              <a:rPr lang="en-US" dirty="0"/>
-              <a:t>Developing mathematical models is different from statistical analyses of data </a:t>
+              <a:t>A mathematical model is a better tool to solve this problem</a:t>
             </a:r>
           </a:p>
         </p:txBody>
@@ -8949,7 +8663,7 @@
     </p:spTree>
     <p:extLst>
       <p:ext uri="{BB962C8B-B14F-4D97-AF65-F5344CB8AC3E}">
-        <p14:creationId xmlns:p14="http://schemas.microsoft.com/office/powerpoint/2010/main" val="1806323708"/>
+        <p14:creationId xmlns:p14="http://schemas.microsoft.com/office/powerpoint/2010/main" val="3550102867"/>
       </p:ext>
     </p:extLst>
   </p:cSld>
@@ -8981,7 +8695,7 @@
           <p:cNvPr id="2" name="Title 1">
             <a:extLst>
               <a:ext uri="{FF2B5EF4-FFF2-40B4-BE49-F238E27FC236}">
-                <a16:creationId xmlns:a16="http://schemas.microsoft.com/office/drawing/2014/main" id="{E7CC58F8-7120-EC4B-8177-E755DB1BD2F1}"/>
+                <a16:creationId xmlns:a16="http://schemas.microsoft.com/office/drawing/2014/main" id="{A5D5996F-02E6-C143-9CC8-61AA70E6E023}"/>
               </a:ext>
             </a:extLst>
           </p:cNvPr>
@@ -8999,7 +8713,7 @@
           <a:p>
             <a:r>
               <a:rPr lang="en-US" dirty="0"/>
-              <a:t>Why build a mathematical model?</a:t>
+              <a:t>Merging mathematical models with statistics</a:t>
             </a:r>
           </a:p>
         </p:txBody>
@@ -9009,7 +8723,7 @@
           <p:cNvPr id="3" name="Content Placeholder 2">
             <a:extLst>
               <a:ext uri="{FF2B5EF4-FFF2-40B4-BE49-F238E27FC236}">
-                <a16:creationId xmlns:a16="http://schemas.microsoft.com/office/drawing/2014/main" id="{5753E65A-8D19-B846-A3C9-A345CA788960}"/>
+                <a16:creationId xmlns:a16="http://schemas.microsoft.com/office/drawing/2014/main" id="{7E1BA5BB-F412-4049-8AB7-B053373A830E}"/>
               </a:ext>
             </a:extLst>
           </p:cNvPr>
@@ -9023,13 +8737,72 @@
         <p:spPr/>
         <p:txBody>
           <a:bodyPr>
-            <a:normAutofit lnSpcReduction="10000"/>
+            <a:normAutofit fontScale="62500" lnSpcReduction="20000"/>
           </a:bodyPr>
           <a:lstStyle/>
           <a:p>
             <a:r>
               <a:rPr lang="en-US" dirty="0"/>
-              <a:t>Goals vary, but often focus on:</a:t>
+              <a:t>Mathematical models can be fully built and simulated</a:t>
+            </a:r>
+          </a:p>
+          <a:p>
+            <a:endParaRPr lang="en-US" dirty="0"/>
+          </a:p>
+          <a:p>
+            <a:r>
+              <a:rPr lang="en-US" dirty="0"/>
+              <a:t>Determining the accuracy of a mathematical model usually requires statistics!</a:t>
+            </a:r>
+          </a:p>
+          <a:p>
+            <a:endParaRPr lang="en-US" dirty="0"/>
+          </a:p>
+          <a:p>
+            <a:r>
+              <a:rPr lang="en-US" dirty="0"/>
+              <a:t>“Model fitting” or “Model inference” is the term used for this blend</a:t>
+            </a:r>
+          </a:p>
+          <a:p>
+            <a:r>
+              <a:rPr lang="en-US" dirty="0"/>
+              <a:t>Can be done in either Bayesian or Frequentist framework</a:t>
+            </a:r>
+          </a:p>
+          <a:p>
+            <a:pPr lvl="1"/>
+            <a:r>
+              <a:rPr lang="en-US" dirty="0"/>
+              <a:t>Guess a value for a parameter</a:t>
+            </a:r>
+          </a:p>
+          <a:p>
+            <a:pPr lvl="1"/>
+            <a:r>
+              <a:rPr lang="en-US" dirty="0"/>
+              <a:t>Simulate model based on guessed values</a:t>
+            </a:r>
+          </a:p>
+          <a:p>
+            <a:pPr lvl="1"/>
+            <a:r>
+              <a:rPr lang="en-US" dirty="0"/>
+              <a:t>Get an outcome (maybe # of individuals infected)</a:t>
+            </a:r>
+          </a:p>
+          <a:p>
+            <a:pPr lvl="1"/>
+            <a:r>
+              <a:rPr lang="en-US" dirty="0"/>
+              <a:t>Compare simulated outcome to real outcome, calculate error</a:t>
+            </a:r>
+          </a:p>
+          <a:p>
+            <a:pPr lvl="1"/>
+            <a:r>
+              <a:rPr lang="en-US" dirty="0"/>
+              <a:t>Based on error, make a new guess</a:t>
             </a:r>
             <a:br>
               <a:rPr lang="en-US" dirty="0"/>
@@ -9037,51 +8810,39 @@
             <a:endParaRPr lang="en-US" dirty="0"/>
           </a:p>
           <a:p>
+            <a:r>
+              <a:rPr lang="en-US" dirty="0"/>
+              <a:t>Most of the sophisticated fitting algorithms are based on how you choose a guess and how you evaluate the error </a:t>
+            </a:r>
+          </a:p>
+          <a:p>
             <a:pPr lvl="1"/>
             <a:r>
               <a:rPr lang="en-US" dirty="0"/>
-              <a:t>Understanding nature and how something changes over time</a:t>
-            </a:r>
-            <a:br>
-              <a:rPr lang="en-US" dirty="0"/>
-            </a:br>
-            <a:endParaRPr lang="en-US" dirty="0"/>
+              <a:t>Bayesian – algorithm: Gibbs sampling – function “jags” in R2jags</a:t>
+            </a:r>
           </a:p>
           <a:p>
             <a:pPr lvl="1"/>
             <a:r>
               <a:rPr lang="en-US" dirty="0"/>
-              <a:t>Making predictions about something that is going to happen in the future</a:t>
-            </a:r>
-          </a:p>
-          <a:p>
-            <a:endParaRPr lang="en-US" dirty="0"/>
-          </a:p>
-          <a:p>
-            <a:r>
-              <a:rPr lang="en-US" dirty="0"/>
-              <a:t>Example: How many COVID-cases will occur on May 15 in Blacksburg?</a:t>
-            </a:r>
-          </a:p>
-          <a:p>
-            <a:pPr lvl="1"/>
-            <a:r>
-              <a:rPr lang="en-US" dirty="0"/>
-              <a:t>This is a difficult problem to solve with statistics</a:t>
-            </a:r>
-          </a:p>
-          <a:p>
-            <a:pPr lvl="2"/>
-            <a:r>
-              <a:rPr lang="en-US" dirty="0"/>
-              <a:t>Input: cases in previous time point, vaccine distribution, vaccine effectiveness, strain replacement and transmissibility, number of susceptible individuals remaining</a:t>
-            </a:r>
-          </a:p>
-          <a:p>
-            <a:pPr lvl="1"/>
-            <a:r>
-              <a:rPr lang="en-US" dirty="0"/>
-              <a:t>A mathematical model is a better tool to solve this problem</a:t>
+              <a:t>Frequentist – algorithm: </a:t>
+            </a:r>
+            <a:r>
+              <a:rPr lang="en-US" dirty="0" err="1"/>
+              <a:t>Nelder</a:t>
+            </a:r>
+            <a:r>
+              <a:rPr lang="en-US" dirty="0"/>
+              <a:t>-Mead - function ”</a:t>
+            </a:r>
+            <a:r>
+              <a:rPr lang="en-US" dirty="0" err="1"/>
+              <a:t>optim</a:t>
+            </a:r>
+            <a:r>
+              <a:rPr lang="en-US" dirty="0"/>
+              <a:t>” in R </a:t>
             </a:r>
           </a:p>
         </p:txBody>
@@ -9089,7 +8850,7 @@
     </p:spTree>
     <p:extLst>
       <p:ext uri="{BB962C8B-B14F-4D97-AF65-F5344CB8AC3E}">
-        <p14:creationId xmlns:p14="http://schemas.microsoft.com/office/powerpoint/2010/main" val="3550102867"/>
+        <p14:creationId xmlns:p14="http://schemas.microsoft.com/office/powerpoint/2010/main" val="2366520096"/>
       </p:ext>
     </p:extLst>
   </p:cSld>
